--- a/Project/Presentation.pptx
+++ b/Project/Presentation.pptx
@@ -5,7 +5,7 @@
     <p:sldMasterId id="2147483648" r:id="rId1"/>
   </p:sldMasterIdLst>
   <p:notesMasterIdLst>
-    <p:notesMasterId r:id="rId26"/>
+    <p:notesMasterId r:id="rId29"/>
   </p:notesMasterIdLst>
   <p:sldIdLst>
     <p:sldId id="256" r:id="rId2"/>
@@ -32,6 +32,9 @@
     <p:sldId id="280" r:id="rId23"/>
     <p:sldId id="281" r:id="rId24"/>
     <p:sldId id="282" r:id="rId25"/>
+    <p:sldId id="283" r:id="rId26"/>
+    <p:sldId id="285" r:id="rId27"/>
+    <p:sldId id="287" r:id="rId28"/>
   </p:sldIdLst>
   <p:sldSz cx="12192000" cy="6858000"/>
   <p:notesSz cx="6858000" cy="9144000"/>
@@ -130,6 +133,11 @@
       </a:defRPr>
     </a:lvl9pPr>
   </p:defaultTextStyle>
+  <p:extLst>
+    <p:ext uri="{EFAFB233-063F-42B5-8137-9DF3F51BA10A}">
+      <p15:sldGuideLst xmlns:p15="http://schemas.microsoft.com/office/powerpoint/2012/main"/>
+    </p:ext>
+  </p:extLst>
 </p:presentation>
 </file>
 
@@ -169,7 +177,13 @@
       </p:grpSpPr>
       <p:sp>
         <p:nvSpPr>
-          <p:cNvPr id="2" name="Header Placeholder 1"/>
+          <p:cNvPr id="2" name="Header Placeholder 1">
+            <a:extLst>
+              <a:ext uri="{FF2B5EF4-FFF2-40B4-BE49-F238E27FC236}">
+                <a16:creationId xmlns:a16="http://schemas.microsoft.com/office/drawing/2014/main" id="{1A999FDD-D89C-4DD6-9564-AB1F7F9EDF66}"/>
+              </a:ext>
+            </a:extLst>
+          </p:cNvPr>
           <p:cNvSpPr>
             <a:spLocks noGrp="1"/>
           </p:cNvSpPr>
@@ -200,7 +214,13 @@
       </p:sp>
       <p:sp>
         <p:nvSpPr>
-          <p:cNvPr id="3" name="Date Placeholder 2"/>
+          <p:cNvPr id="3" name="Date Placeholder 2">
+            <a:extLst>
+              <a:ext uri="{FF2B5EF4-FFF2-40B4-BE49-F238E27FC236}">
+                <a16:creationId xmlns:a16="http://schemas.microsoft.com/office/drawing/2014/main" id="{68282BC8-5AA4-440F-8253-793638D64D3E}"/>
+              </a:ext>
+            </a:extLst>
+          </p:cNvPr>
           <p:cNvSpPr>
             <a:spLocks noGrp="1"/>
           </p:cNvSpPr>
@@ -225,7 +245,7 @@
             </a:lvl1pPr>
           </a:lstStyle>
           <a:p>
-            <a:fld id="{2AFD2D90-1D3A-4D94-AC5F-0C0D269BC459}" type="datetimeFigureOut">
+            <a:fld id="{5EBA5EA3-F35E-47CC-98FE-628E794DB466}" type="datetimeFigureOut">
               <a:rPr lang="en-US" smtClean="0"/>
               <a:t>10/11/2019</a:t>
             </a:fld>
@@ -235,7 +255,13 @@
       </p:sp>
       <p:sp>
         <p:nvSpPr>
-          <p:cNvPr id="4" name="Slide Image Placeholder 3"/>
+          <p:cNvPr id="4" name="Slide Image Placeholder 3">
+            <a:extLst>
+              <a:ext uri="{FF2B5EF4-FFF2-40B4-BE49-F238E27FC236}">
+                <a16:creationId xmlns:a16="http://schemas.microsoft.com/office/drawing/2014/main" id="{51BB8038-A52E-4389-9EF4-FE687970D2F5}"/>
+              </a:ext>
+            </a:extLst>
+          </p:cNvPr>
           <p:cNvSpPr>
             <a:spLocks noGrp="1" noRot="1" noChangeAspect="1"/>
           </p:cNvSpPr>
@@ -268,7 +294,13 @@
       </p:sp>
       <p:sp>
         <p:nvSpPr>
-          <p:cNvPr id="5" name="Notes Placeholder 4"/>
+          <p:cNvPr id="5" name="Notes Placeholder 4">
+            <a:extLst>
+              <a:ext uri="{FF2B5EF4-FFF2-40B4-BE49-F238E27FC236}">
+                <a16:creationId xmlns:a16="http://schemas.microsoft.com/office/drawing/2014/main" id="{B45008F4-E88D-400B-91B9-C7B48679A975}"/>
+              </a:ext>
+            </a:extLst>
+          </p:cNvPr>
           <p:cNvSpPr>
             <a:spLocks noGrp="1"/>
           </p:cNvSpPr>
@@ -327,7 +359,13 @@
       </p:sp>
       <p:sp>
         <p:nvSpPr>
-          <p:cNvPr id="6" name="Footer Placeholder 5"/>
+          <p:cNvPr id="6" name="Footer Placeholder 5">
+            <a:extLst>
+              <a:ext uri="{FF2B5EF4-FFF2-40B4-BE49-F238E27FC236}">
+                <a16:creationId xmlns:a16="http://schemas.microsoft.com/office/drawing/2014/main" id="{DC62376D-2EFB-46B5-8FB3-9D97A13E4029}"/>
+              </a:ext>
+            </a:extLst>
+          </p:cNvPr>
           <p:cNvSpPr>
             <a:spLocks noGrp="1"/>
           </p:cNvSpPr>
@@ -358,7 +396,13 @@
       </p:sp>
       <p:sp>
         <p:nvSpPr>
-          <p:cNvPr id="7" name="Slide Number Placeholder 6"/>
+          <p:cNvPr id="7" name="Slide Number Placeholder 6">
+            <a:extLst>
+              <a:ext uri="{FF2B5EF4-FFF2-40B4-BE49-F238E27FC236}">
+                <a16:creationId xmlns:a16="http://schemas.microsoft.com/office/drawing/2014/main" id="{D0CE7AEC-66B0-4C99-A907-99B0AE3E24CF}"/>
+              </a:ext>
+            </a:extLst>
+          </p:cNvPr>
           <p:cNvSpPr>
             <a:spLocks noGrp="1"/>
           </p:cNvSpPr>
@@ -383,7 +427,7 @@
             </a:lvl1pPr>
           </a:lstStyle>
           <a:p>
-            <a:fld id="{6C8FDB64-9CFE-448E-935E-EC4F73079402}" type="slidenum">
+            <a:fld id="{348D3EDC-8982-4D03-9F8C-DF8DDA269C07}" type="slidenum">
               <a:rPr lang="en-US" smtClean="0"/>
               <a:t>‹#›</a:t>
             </a:fld>
@@ -392,11 +436,6 @@
         </p:txBody>
       </p:sp>
     </p:spTree>
-    <p:extLst>
-      <p:ext uri="{BB962C8B-B14F-4D97-AF65-F5344CB8AC3E}">
-        <p14:creationId xmlns:p14="http://schemas.microsoft.com/office/powerpoint/2010/main" val="3098625969"/>
-      </p:ext>
-    </p:extLst>
   </p:cSld>
   <p:clrMap bg1="lt1" tx1="dk1" bg2="lt2" tx2="dk2" accent1="accent1" accent2="accent2" accent3="accent3" accent4="accent4" accent5="accent5" accent6="accent6" hlink="hlink" folHlink="folHlink"/>
   <p:notesStyle>
@@ -641,7 +680,7 @@
           <a:p>
             <a:fld id="{4E6747C0-CFCC-4A42-A1C4-3255133F148A}" type="datetimeFigureOut">
               <a:rPr lang="en-US" smtClean="0"/>
-              <a:t>10/10/2019</a:t>
+              <a:t>10/11/2019</a:t>
             </a:fld>
             <a:endParaRPr lang="en-US"/>
           </a:p>
@@ -839,7 +878,7 @@
           <a:p>
             <a:fld id="{4E6747C0-CFCC-4A42-A1C4-3255133F148A}" type="datetimeFigureOut">
               <a:rPr lang="en-US" smtClean="0"/>
-              <a:t>10/10/2019</a:t>
+              <a:t>10/11/2019</a:t>
             </a:fld>
             <a:endParaRPr lang="en-US"/>
           </a:p>
@@ -1047,7 +1086,7 @@
           <a:p>
             <a:fld id="{4E6747C0-CFCC-4A42-A1C4-3255133F148A}" type="datetimeFigureOut">
               <a:rPr lang="en-US" smtClean="0"/>
-              <a:t>10/10/2019</a:t>
+              <a:t>10/11/2019</a:t>
             </a:fld>
             <a:endParaRPr lang="en-US"/>
           </a:p>
@@ -1245,7 +1284,7 @@
           <a:p>
             <a:fld id="{4E6747C0-CFCC-4A42-A1C4-3255133F148A}" type="datetimeFigureOut">
               <a:rPr lang="en-US" smtClean="0"/>
-              <a:t>10/10/2019</a:t>
+              <a:t>10/11/2019</a:t>
             </a:fld>
             <a:endParaRPr lang="en-US"/>
           </a:p>
@@ -1520,7 +1559,7 @@
           <a:p>
             <a:fld id="{4E6747C0-CFCC-4A42-A1C4-3255133F148A}" type="datetimeFigureOut">
               <a:rPr lang="en-US" smtClean="0"/>
-              <a:t>10/10/2019</a:t>
+              <a:t>10/11/2019</a:t>
             </a:fld>
             <a:endParaRPr lang="en-US"/>
           </a:p>
@@ -1785,7 +1824,7 @@
           <a:p>
             <a:fld id="{4E6747C0-CFCC-4A42-A1C4-3255133F148A}" type="datetimeFigureOut">
               <a:rPr lang="en-US" smtClean="0"/>
-              <a:t>10/10/2019</a:t>
+              <a:t>10/11/2019</a:t>
             </a:fld>
             <a:endParaRPr lang="en-US"/>
           </a:p>
@@ -2197,7 +2236,7 @@
           <a:p>
             <a:fld id="{4E6747C0-CFCC-4A42-A1C4-3255133F148A}" type="datetimeFigureOut">
               <a:rPr lang="en-US" smtClean="0"/>
-              <a:t>10/10/2019</a:t>
+              <a:t>10/11/2019</a:t>
             </a:fld>
             <a:endParaRPr lang="en-US"/>
           </a:p>
@@ -2338,7 +2377,7 @@
           <a:p>
             <a:fld id="{4E6747C0-CFCC-4A42-A1C4-3255133F148A}" type="datetimeFigureOut">
               <a:rPr lang="en-US" smtClean="0"/>
-              <a:t>10/10/2019</a:t>
+              <a:t>10/11/2019</a:t>
             </a:fld>
             <a:endParaRPr lang="en-US"/>
           </a:p>
@@ -2451,7 +2490,7 @@
           <a:p>
             <a:fld id="{4E6747C0-CFCC-4A42-A1C4-3255133F148A}" type="datetimeFigureOut">
               <a:rPr lang="en-US" smtClean="0"/>
-              <a:t>10/10/2019</a:t>
+              <a:t>10/11/2019</a:t>
             </a:fld>
             <a:endParaRPr lang="en-US"/>
           </a:p>
@@ -2762,7 +2801,7 @@
           <a:p>
             <a:fld id="{4E6747C0-CFCC-4A42-A1C4-3255133F148A}" type="datetimeFigureOut">
               <a:rPr lang="en-US" smtClean="0"/>
-              <a:t>10/10/2019</a:t>
+              <a:t>10/11/2019</a:t>
             </a:fld>
             <a:endParaRPr lang="en-US"/>
           </a:p>
@@ -3050,7 +3089,7 @@
           <a:p>
             <a:fld id="{4E6747C0-CFCC-4A42-A1C4-3255133F148A}" type="datetimeFigureOut">
               <a:rPr lang="en-US" smtClean="0"/>
-              <a:t>10/10/2019</a:t>
+              <a:t>10/11/2019</a:t>
             </a:fld>
             <a:endParaRPr lang="en-US"/>
           </a:p>
@@ -3321,7 +3360,7 @@
           <a:p>
             <a:fld id="{4E6747C0-CFCC-4A42-A1C4-3255133F148A}" type="datetimeFigureOut">
               <a:rPr lang="en-US" smtClean="0"/>
-              <a:t>10/10/2019</a:t>
+              <a:t>10/11/2019</a:t>
             </a:fld>
             <a:endParaRPr lang="en-US"/>
           </a:p>
@@ -7144,7 +7183,7 @@
             </a:r>
             <a:r>
               <a:rPr lang="en-US" dirty="0"/>
-              <a:t> with p-value</a:t>
+              <a:t> with p-value of 0.015</a:t>
             </a:r>
           </a:p>
         </p:txBody>
@@ -7323,9 +7362,12 @@
             <a:endParaRPr lang="en-US" dirty="0"/>
           </a:p>
           <a:p>
-            <a:r>
-              <a:rPr lang="en-US" dirty="0"/>
-              <a:t>Louisville 		Dallas Austin      Sonoma </a:t>
+            <a:pPr marL="0" indent="0">
+              <a:buNone/>
+            </a:pPr>
+            <a:r>
+              <a:rPr lang="en-US" dirty="0"/>
+              <a:t>Louisville		Dallas			  Austin		 Sonoma </a:t>
             </a:r>
           </a:p>
           <a:p>
@@ -7335,10 +7377,10 @@
       </p:sp>
       <p:pic>
         <p:nvPicPr>
-          <p:cNvPr id="15" name="Picture 14" descr="A close up of text on a white background&#10;&#10;Description automatically generated">
-            <a:extLst>
-              <a:ext uri="{FF2B5EF4-FFF2-40B4-BE49-F238E27FC236}">
-                <a16:creationId xmlns:a16="http://schemas.microsoft.com/office/drawing/2014/main" id="{C7EE5B05-5E1D-4DC0-8515-D50809669052}"/>
+          <p:cNvPr id="7" name="Picture 6" descr="A screenshot of a cell phone&#10;&#10;Description automatically generated">
+            <a:extLst>
+              <a:ext uri="{FF2B5EF4-FFF2-40B4-BE49-F238E27FC236}">
+                <a16:creationId xmlns:a16="http://schemas.microsoft.com/office/drawing/2014/main" id="{A12BA287-88B1-41F9-94C6-2F7F7C7706D1}"/>
               </a:ext>
             </a:extLst>
           </p:cNvPr>
@@ -7361,8 +7403,116 @@
         </p:blipFill>
         <p:spPr>
           <a:xfrm>
-            <a:off x="1110373" y="4715514"/>
-            <a:ext cx="2219325" cy="1057275"/>
+            <a:off x="838200" y="4651643"/>
+            <a:ext cx="2305050" cy="1381125"/>
+          </a:xfrm>
+          <a:prstGeom prst="rect">
+            <a:avLst/>
+          </a:prstGeom>
+        </p:spPr>
+      </p:pic>
+      <p:pic>
+        <p:nvPicPr>
+          <p:cNvPr id="9" name="Picture 8" descr="A close up of text on a white background&#10;&#10;Description automatically generated">
+            <a:extLst>
+              <a:ext uri="{FF2B5EF4-FFF2-40B4-BE49-F238E27FC236}">
+                <a16:creationId xmlns:a16="http://schemas.microsoft.com/office/drawing/2014/main" id="{92239E2F-4377-4EC5-B2C1-5810A9406D4F}"/>
+              </a:ext>
+            </a:extLst>
+          </p:cNvPr>
+          <p:cNvPicPr>
+            <a:picLocks noChangeAspect="1"/>
+          </p:cNvPicPr>
+          <p:nvPr/>
+        </p:nvPicPr>
+        <p:blipFill>
+          <a:blip r:embed="rId3">
+            <a:extLst>
+              <a:ext uri="{28A0092B-C50C-407E-A947-70E740481C1C}">
+                <a14:useLocalDpi xmlns:a14="http://schemas.microsoft.com/office/drawing/2010/main" val="0"/>
+              </a:ext>
+            </a:extLst>
+          </a:blip>
+          <a:stretch>
+            <a:fillRect/>
+          </a:stretch>
+        </p:blipFill>
+        <p:spPr>
+          <a:xfrm>
+            <a:off x="3621167" y="4651643"/>
+            <a:ext cx="2390775" cy="1085850"/>
+          </a:xfrm>
+          <a:prstGeom prst="rect">
+            <a:avLst/>
+          </a:prstGeom>
+        </p:spPr>
+      </p:pic>
+      <p:pic>
+        <p:nvPicPr>
+          <p:cNvPr id="11" name="Picture 10" descr="A screenshot of a cell phone&#10;&#10;Description automatically generated">
+            <a:extLst>
+              <a:ext uri="{FF2B5EF4-FFF2-40B4-BE49-F238E27FC236}">
+                <a16:creationId xmlns:a16="http://schemas.microsoft.com/office/drawing/2014/main" id="{F872511A-8597-4BCC-9538-04ED59389BEC}"/>
+              </a:ext>
+            </a:extLst>
+          </p:cNvPr>
+          <p:cNvPicPr>
+            <a:picLocks noChangeAspect="1"/>
+          </p:cNvPicPr>
+          <p:nvPr/>
+        </p:nvPicPr>
+        <p:blipFill>
+          <a:blip r:embed="rId4">
+            <a:extLst>
+              <a:ext uri="{28A0092B-C50C-407E-A947-70E740481C1C}">
+                <a14:useLocalDpi xmlns:a14="http://schemas.microsoft.com/office/drawing/2010/main" val="0"/>
+              </a:ext>
+            </a:extLst>
+          </a:blip>
+          <a:stretch>
+            <a:fillRect/>
+          </a:stretch>
+        </p:blipFill>
+        <p:spPr>
+          <a:xfrm>
+            <a:off x="6456283" y="4651643"/>
+            <a:ext cx="2200275" cy="1076325"/>
+          </a:xfrm>
+          <a:prstGeom prst="rect">
+            <a:avLst/>
+          </a:prstGeom>
+        </p:spPr>
+      </p:pic>
+      <p:pic>
+        <p:nvPicPr>
+          <p:cNvPr id="13" name="Picture 12" descr="A close up of text on a white background&#10;&#10;Description automatically generated">
+            <a:extLst>
+              <a:ext uri="{FF2B5EF4-FFF2-40B4-BE49-F238E27FC236}">
+                <a16:creationId xmlns:a16="http://schemas.microsoft.com/office/drawing/2014/main" id="{D22724D3-EE1C-4E20-BDB7-007BAB55E22D}"/>
+              </a:ext>
+            </a:extLst>
+          </p:cNvPr>
+          <p:cNvPicPr>
+            <a:picLocks noChangeAspect="1"/>
+          </p:cNvPicPr>
+          <p:nvPr/>
+        </p:nvPicPr>
+        <p:blipFill>
+          <a:blip r:embed="rId5">
+            <a:extLst>
+              <a:ext uri="{28A0092B-C50C-407E-A947-70E740481C1C}">
+                <a14:useLocalDpi xmlns:a14="http://schemas.microsoft.com/office/drawing/2010/main" val="0"/>
+              </a:ext>
+            </a:extLst>
+          </a:blip>
+          <a:stretch>
+            <a:fillRect/>
+          </a:stretch>
+        </p:blipFill>
+        <p:spPr>
+          <a:xfrm>
+            <a:off x="9134475" y="4651643"/>
+            <a:ext cx="2219325" cy="1181100"/>
           </a:xfrm>
           <a:prstGeom prst="rect">
             <a:avLst/>
@@ -7578,8 +7728,13 @@
             </a:r>
             <a:r>
               <a:rPr lang="en-US" dirty="0"/>
-              <a:t> = 50, validation split = 0.3)</a:t>
-            </a:r>
+              <a:t> = 50, validation split = </a:t>
+            </a:r>
+            <a:r>
+              <a:rPr lang="en-US"/>
+              <a:t>0.3)</a:t>
+            </a:r>
+            <a:endParaRPr lang="en-US" dirty="0"/>
           </a:p>
           <a:p>
             <a:endParaRPr lang="en-US" dirty="0"/>
@@ -7599,6 +7754,703 @@
     <p:extLst>
       <p:ext uri="{BB962C8B-B14F-4D97-AF65-F5344CB8AC3E}">
         <p14:creationId xmlns:p14="http://schemas.microsoft.com/office/powerpoint/2010/main" val="1396798215"/>
+      </p:ext>
+    </p:extLst>
+  </p:cSld>
+  <p:clrMapOvr>
+    <a:masterClrMapping/>
+  </p:clrMapOvr>
+</p:sld>
+</file>
+
+<file path=ppt/slides/slide25.xml><?xml version="1.0" encoding="utf-8"?>
+<p:sld xmlns:a="http://schemas.openxmlformats.org/drawingml/2006/main" xmlns:r="http://schemas.openxmlformats.org/officeDocument/2006/relationships" xmlns:p="http://schemas.openxmlformats.org/presentationml/2006/main">
+  <p:cSld>
+    <p:spTree>
+      <p:nvGrpSpPr>
+        <p:cNvPr id="1" name=""/>
+        <p:cNvGrpSpPr/>
+        <p:nvPr/>
+      </p:nvGrpSpPr>
+      <p:grpSpPr>
+        <a:xfrm>
+          <a:off x="0" y="0"/>
+          <a:ext cx="0" cy="0"/>
+          <a:chOff x="0" y="0"/>
+          <a:chExt cx="0" cy="0"/>
+        </a:xfrm>
+      </p:grpSpPr>
+      <p:sp>
+        <p:nvSpPr>
+          <p:cNvPr id="2" name="Title 1">
+            <a:extLst>
+              <a:ext uri="{FF2B5EF4-FFF2-40B4-BE49-F238E27FC236}">
+                <a16:creationId xmlns:a16="http://schemas.microsoft.com/office/drawing/2014/main" id="{F402BA7C-74B0-4B58-AA2A-2728181DFB7A}"/>
+              </a:ext>
+            </a:extLst>
+          </p:cNvPr>
+          <p:cNvSpPr>
+            <a:spLocks noGrp="1"/>
+          </p:cNvSpPr>
+          <p:nvPr>
+            <p:ph type="title"/>
+          </p:nvPr>
+        </p:nvSpPr>
+        <p:spPr/>
+        <p:txBody>
+          <a:bodyPr/>
+          <a:lstStyle/>
+          <a:p>
+            <a:r>
+              <a:rPr lang="en-US" dirty="0"/>
+              <a:t>Best Accuracy on Test and Train Data</a:t>
+            </a:r>
+          </a:p>
+        </p:txBody>
+      </p:sp>
+      <p:sp>
+        <p:nvSpPr>
+          <p:cNvPr id="3" name="Content Placeholder 2">
+            <a:extLst>
+              <a:ext uri="{FF2B5EF4-FFF2-40B4-BE49-F238E27FC236}">
+                <a16:creationId xmlns:a16="http://schemas.microsoft.com/office/drawing/2014/main" id="{CFC65256-EE00-4E22-A5A1-9FFFAF328B4D}"/>
+              </a:ext>
+            </a:extLst>
+          </p:cNvPr>
+          <p:cNvSpPr>
+            <a:spLocks noGrp="1"/>
+          </p:cNvSpPr>
+          <p:nvPr>
+            <p:ph idx="1"/>
+          </p:nvPr>
+        </p:nvSpPr>
+        <p:spPr>
+          <a:xfrm>
+            <a:off x="838200" y="1825625"/>
+            <a:ext cx="6547338" cy="4351338"/>
+          </a:xfrm>
+        </p:spPr>
+        <p:txBody>
+          <a:bodyPr>
+            <a:normAutofit fontScale="92500" lnSpcReduction="20000"/>
+          </a:bodyPr>
+          <a:lstStyle/>
+          <a:p>
+            <a:r>
+              <a:rPr lang="en-US" sz="2500" dirty="0"/>
+              <a:t>Louisville: Deep learning model with 68.3% on validation data, 68.2% on test data</a:t>
+            </a:r>
+          </a:p>
+          <a:p>
+            <a:endParaRPr lang="en-US" sz="2500" dirty="0"/>
+          </a:p>
+          <a:p>
+            <a:r>
+              <a:rPr lang="en-US" sz="2500" dirty="0"/>
+              <a:t>Dallas: Deep learning model with 55.3% on validation data, 55.6% on test data</a:t>
+            </a:r>
+          </a:p>
+          <a:p>
+            <a:endParaRPr lang="en-US" sz="2500" dirty="0"/>
+          </a:p>
+          <a:p>
+            <a:r>
+              <a:rPr lang="en-US" sz="2500" dirty="0"/>
+              <a:t>Austin: Deep learning model with 59% on validation data, 60.1% on test data</a:t>
+            </a:r>
+          </a:p>
+          <a:p>
+            <a:endParaRPr lang="en-US" sz="2500" dirty="0"/>
+          </a:p>
+          <a:p>
+            <a:r>
+              <a:rPr lang="en-US" sz="2500" dirty="0"/>
+              <a:t>Sonoma: Deep learning model with 78.2% on validation data, 77.2% on test data</a:t>
+            </a:r>
+          </a:p>
+          <a:p>
+            <a:endParaRPr lang="en-US" sz="2500" dirty="0"/>
+          </a:p>
+          <a:p>
+            <a:r>
+              <a:rPr lang="en-US" sz="2500" dirty="0"/>
+              <a:t>Bad accuracy for Dallas, is the data useless?</a:t>
+            </a:r>
+          </a:p>
+          <a:p>
+            <a:endParaRPr lang="en-US" sz="2600" dirty="0"/>
+          </a:p>
+        </p:txBody>
+      </p:sp>
+      <p:pic>
+        <p:nvPicPr>
+          <p:cNvPr id="15" name="Picture 14" descr="A screenshot of a cell phone&#10;&#10;Description automatically generated">
+            <a:extLst>
+              <a:ext uri="{FF2B5EF4-FFF2-40B4-BE49-F238E27FC236}">
+                <a16:creationId xmlns:a16="http://schemas.microsoft.com/office/drawing/2014/main" id="{D59244E8-B469-4DF9-AC19-6C188CF8B2C0}"/>
+              </a:ext>
+            </a:extLst>
+          </p:cNvPr>
+          <p:cNvPicPr>
+            <a:picLocks noChangeAspect="1"/>
+          </p:cNvPicPr>
+          <p:nvPr/>
+        </p:nvPicPr>
+        <p:blipFill>
+          <a:blip r:embed="rId2">
+            <a:extLst>
+              <a:ext uri="{28A0092B-C50C-407E-A947-70E740481C1C}">
+                <a14:useLocalDpi xmlns:a14="http://schemas.microsoft.com/office/drawing/2010/main" val="0"/>
+              </a:ext>
+            </a:extLst>
+          </a:blip>
+          <a:stretch>
+            <a:fillRect/>
+          </a:stretch>
+        </p:blipFill>
+        <p:spPr>
+          <a:xfrm>
+            <a:off x="7697153" y="1198326"/>
+            <a:ext cx="3050564" cy="1254598"/>
+          </a:xfrm>
+          <a:prstGeom prst="rect">
+            <a:avLst/>
+          </a:prstGeom>
+        </p:spPr>
+      </p:pic>
+      <p:pic>
+        <p:nvPicPr>
+          <p:cNvPr id="17" name="Picture 16" descr="A screenshot of a cell phone&#10;&#10;Description automatically generated">
+            <a:extLst>
+              <a:ext uri="{FF2B5EF4-FFF2-40B4-BE49-F238E27FC236}">
+                <a16:creationId xmlns:a16="http://schemas.microsoft.com/office/drawing/2014/main" id="{B01DAD04-8CEA-4794-9FDF-FB4D181212F8}"/>
+              </a:ext>
+            </a:extLst>
+          </p:cNvPr>
+          <p:cNvPicPr>
+            <a:picLocks noChangeAspect="1"/>
+          </p:cNvPicPr>
+          <p:nvPr/>
+        </p:nvPicPr>
+        <p:blipFill>
+          <a:blip r:embed="rId3">
+            <a:extLst>
+              <a:ext uri="{28A0092B-C50C-407E-A947-70E740481C1C}">
+                <a14:useLocalDpi xmlns:a14="http://schemas.microsoft.com/office/drawing/2010/main" val="0"/>
+              </a:ext>
+            </a:extLst>
+          </a:blip>
+          <a:stretch>
+            <a:fillRect/>
+          </a:stretch>
+        </p:blipFill>
+        <p:spPr>
+          <a:xfrm>
+            <a:off x="7697153" y="2452924"/>
+            <a:ext cx="3050564" cy="1298306"/>
+          </a:xfrm>
+          <a:prstGeom prst="rect">
+            <a:avLst/>
+          </a:prstGeom>
+        </p:spPr>
+      </p:pic>
+      <p:pic>
+        <p:nvPicPr>
+          <p:cNvPr id="19" name="Picture 18" descr="A picture containing electronics&#10;&#10;Description automatically generated">
+            <a:extLst>
+              <a:ext uri="{FF2B5EF4-FFF2-40B4-BE49-F238E27FC236}">
+                <a16:creationId xmlns:a16="http://schemas.microsoft.com/office/drawing/2014/main" id="{B5566EF7-50BA-430E-9BF6-ADCB6F958AD3}"/>
+              </a:ext>
+            </a:extLst>
+          </p:cNvPr>
+          <p:cNvPicPr>
+            <a:picLocks noChangeAspect="1"/>
+          </p:cNvPicPr>
+          <p:nvPr/>
+        </p:nvPicPr>
+        <p:blipFill>
+          <a:blip r:embed="rId4">
+            <a:extLst>
+              <a:ext uri="{28A0092B-C50C-407E-A947-70E740481C1C}">
+                <a14:useLocalDpi xmlns:a14="http://schemas.microsoft.com/office/drawing/2010/main" val="0"/>
+              </a:ext>
+            </a:extLst>
+          </a:blip>
+          <a:stretch>
+            <a:fillRect/>
+          </a:stretch>
+        </p:blipFill>
+        <p:spPr>
+          <a:xfrm>
+            <a:off x="7697153" y="3751230"/>
+            <a:ext cx="3050564" cy="1337485"/>
+          </a:xfrm>
+          <a:prstGeom prst="rect">
+            <a:avLst/>
+          </a:prstGeom>
+        </p:spPr>
+      </p:pic>
+      <p:pic>
+        <p:nvPicPr>
+          <p:cNvPr id="21" name="Picture 20" descr="A picture containing electronics, telephone&#10;&#10;Description automatically generated">
+            <a:extLst>
+              <a:ext uri="{FF2B5EF4-FFF2-40B4-BE49-F238E27FC236}">
+                <a16:creationId xmlns:a16="http://schemas.microsoft.com/office/drawing/2014/main" id="{DBC1FDFA-ECD4-4216-9385-4552277ECA0D}"/>
+              </a:ext>
+            </a:extLst>
+          </p:cNvPr>
+          <p:cNvPicPr>
+            <a:picLocks noChangeAspect="1"/>
+          </p:cNvPicPr>
+          <p:nvPr/>
+        </p:nvPicPr>
+        <p:blipFill>
+          <a:blip r:embed="rId5">
+            <a:extLst>
+              <a:ext uri="{28A0092B-C50C-407E-A947-70E740481C1C}">
+                <a14:useLocalDpi xmlns:a14="http://schemas.microsoft.com/office/drawing/2010/main" val="0"/>
+              </a:ext>
+            </a:extLst>
+          </a:blip>
+          <a:stretch>
+            <a:fillRect/>
+          </a:stretch>
+        </p:blipFill>
+        <p:spPr>
+          <a:xfrm>
+            <a:off x="7697154" y="5088716"/>
+            <a:ext cx="3050564" cy="1328324"/>
+          </a:xfrm>
+          <a:prstGeom prst="rect">
+            <a:avLst/>
+          </a:prstGeom>
+        </p:spPr>
+      </p:pic>
+    </p:spTree>
+    <p:extLst>
+      <p:ext uri="{BB962C8B-B14F-4D97-AF65-F5344CB8AC3E}">
+        <p14:creationId xmlns:p14="http://schemas.microsoft.com/office/powerpoint/2010/main" val="2327191018"/>
+      </p:ext>
+    </p:extLst>
+  </p:cSld>
+  <p:clrMapOvr>
+    <a:masterClrMapping/>
+  </p:clrMapOvr>
+</p:sld>
+</file>
+
+<file path=ppt/slides/slide26.xml><?xml version="1.0" encoding="utf-8"?>
+<p:sld xmlns:a="http://schemas.openxmlformats.org/drawingml/2006/main" xmlns:r="http://schemas.openxmlformats.org/officeDocument/2006/relationships" xmlns:p="http://schemas.openxmlformats.org/presentationml/2006/main">
+  <p:cSld>
+    <p:spTree>
+      <p:nvGrpSpPr>
+        <p:cNvPr id="1" name=""/>
+        <p:cNvGrpSpPr/>
+        <p:nvPr/>
+      </p:nvGrpSpPr>
+      <p:grpSpPr>
+        <a:xfrm>
+          <a:off x="0" y="0"/>
+          <a:ext cx="0" cy="0"/>
+          <a:chOff x="0" y="0"/>
+          <a:chExt cx="0" cy="0"/>
+        </a:xfrm>
+      </p:grpSpPr>
+      <p:sp>
+        <p:nvSpPr>
+          <p:cNvPr id="2" name="Title 1">
+            <a:extLst>
+              <a:ext uri="{FF2B5EF4-FFF2-40B4-BE49-F238E27FC236}">
+                <a16:creationId xmlns:a16="http://schemas.microsoft.com/office/drawing/2014/main" id="{C52D1C09-BF60-4050-9CA4-100F87D5F036}"/>
+              </a:ext>
+            </a:extLst>
+          </p:cNvPr>
+          <p:cNvSpPr>
+            <a:spLocks noGrp="1"/>
+          </p:cNvSpPr>
+          <p:nvPr>
+            <p:ph type="title"/>
+          </p:nvPr>
+        </p:nvSpPr>
+        <p:spPr/>
+        <p:txBody>
+          <a:bodyPr/>
+          <a:lstStyle/>
+          <a:p>
+            <a:r>
+              <a:rPr lang="en-US" dirty="0"/>
+              <a:t>Choosing the right model</a:t>
+            </a:r>
+          </a:p>
+        </p:txBody>
+      </p:sp>
+      <p:sp>
+        <p:nvSpPr>
+          <p:cNvPr id="3" name="Content Placeholder 2">
+            <a:extLst>
+              <a:ext uri="{FF2B5EF4-FFF2-40B4-BE49-F238E27FC236}">
+                <a16:creationId xmlns:a16="http://schemas.microsoft.com/office/drawing/2014/main" id="{BCA024A7-427E-48DF-A878-FF9E06376457}"/>
+              </a:ext>
+            </a:extLst>
+          </p:cNvPr>
+          <p:cNvSpPr>
+            <a:spLocks noGrp="1"/>
+          </p:cNvSpPr>
+          <p:nvPr>
+            <p:ph idx="1"/>
+          </p:nvPr>
+        </p:nvSpPr>
+        <p:spPr>
+          <a:xfrm>
+            <a:off x="838200" y="1825625"/>
+            <a:ext cx="5602357" cy="4351338"/>
+          </a:xfrm>
+        </p:spPr>
+        <p:txBody>
+          <a:bodyPr/>
+          <a:lstStyle/>
+          <a:p>
+            <a:r>
+              <a:rPr lang="en-US" dirty="0"/>
+              <a:t>High recall rate of </a:t>
+            </a:r>
+            <a:r>
+              <a:rPr lang="en-US" dirty="0" err="1"/>
+              <a:t>euthanization</a:t>
+            </a:r>
+            <a:r>
+              <a:rPr lang="en-US" dirty="0"/>
+              <a:t> is more humane </a:t>
+            </a:r>
+          </a:p>
+          <a:p>
+            <a:r>
+              <a:rPr lang="en-US" dirty="0"/>
+              <a:t>High precision rate of </a:t>
+            </a:r>
+            <a:r>
+              <a:rPr lang="en-US" dirty="0" err="1"/>
+              <a:t>euthanization</a:t>
+            </a:r>
+            <a:r>
+              <a:rPr lang="en-US" dirty="0"/>
+              <a:t> is more economical</a:t>
+            </a:r>
+          </a:p>
+          <a:p>
+            <a:r>
+              <a:rPr lang="en-US" dirty="0"/>
+              <a:t>To select where to transfer, choose a place with high precision of adoption</a:t>
+            </a:r>
+          </a:p>
+          <a:p>
+            <a:r>
+              <a:rPr lang="en-US" dirty="0"/>
+              <a:t>Even for Dallas, </a:t>
+            </a:r>
+            <a:r>
+              <a:rPr lang="en-US" dirty="0" err="1"/>
+              <a:t>euthanization</a:t>
+            </a:r>
+            <a:r>
+              <a:rPr lang="en-US" dirty="0"/>
+              <a:t> prediction is relatively good. Deep learning with best f1-score  of 0.66</a:t>
+            </a:r>
+          </a:p>
+        </p:txBody>
+      </p:sp>
+      <p:sp>
+        <p:nvSpPr>
+          <p:cNvPr id="12" name="TextBox 11">
+            <a:extLst>
+              <a:ext uri="{FF2B5EF4-FFF2-40B4-BE49-F238E27FC236}">
+                <a16:creationId xmlns:a16="http://schemas.microsoft.com/office/drawing/2014/main" id="{67BCD45A-D994-4DF2-B74A-2F88E1F7C6FE}"/>
+              </a:ext>
+            </a:extLst>
+          </p:cNvPr>
+          <p:cNvSpPr txBox="1"/>
+          <p:nvPr/>
+        </p:nvSpPr>
+        <p:spPr>
+          <a:xfrm>
+            <a:off x="7886114" y="2834701"/>
+            <a:ext cx="3147793" cy="646331"/>
+          </a:xfrm>
+          <a:prstGeom prst="rect">
+            <a:avLst/>
+          </a:prstGeom>
+          <a:noFill/>
+        </p:spPr>
+        <p:txBody>
+          <a:bodyPr wrap="square" rtlCol="0">
+            <a:spAutoFit/>
+          </a:bodyPr>
+          <a:lstStyle/>
+          <a:p>
+            <a:r>
+              <a:rPr lang="en-US" dirty="0"/>
+              <a:t>Logistic regression on Sonoma for best precision</a:t>
+            </a:r>
+          </a:p>
+        </p:txBody>
+      </p:sp>
+      <p:pic>
+        <p:nvPicPr>
+          <p:cNvPr id="13" name="Picture 12" descr="A picture containing electronics, telephone&#10;&#10;Description automatically generated">
+            <a:extLst>
+              <a:ext uri="{FF2B5EF4-FFF2-40B4-BE49-F238E27FC236}">
+                <a16:creationId xmlns:a16="http://schemas.microsoft.com/office/drawing/2014/main" id="{8C4E6E2B-E79D-4242-AA8B-7564C1CED077}"/>
+              </a:ext>
+            </a:extLst>
+          </p:cNvPr>
+          <p:cNvPicPr>
+            <a:picLocks noChangeAspect="1"/>
+          </p:cNvPicPr>
+          <p:nvPr/>
+        </p:nvPicPr>
+        <p:blipFill>
+          <a:blip r:embed="rId2">
+            <a:extLst>
+              <a:ext uri="{28A0092B-C50C-407E-A947-70E740481C1C}">
+                <a14:useLocalDpi xmlns:a14="http://schemas.microsoft.com/office/drawing/2010/main" val="0"/>
+              </a:ext>
+            </a:extLst>
+          </a:blip>
+          <a:stretch>
+            <a:fillRect/>
+          </a:stretch>
+        </p:blipFill>
+        <p:spPr>
+          <a:xfrm>
+            <a:off x="7871607" y="3501803"/>
+            <a:ext cx="3162300" cy="1390650"/>
+          </a:xfrm>
+          <a:prstGeom prst="rect">
+            <a:avLst/>
+          </a:prstGeom>
+        </p:spPr>
+      </p:pic>
+      <p:sp>
+        <p:nvSpPr>
+          <p:cNvPr id="14" name="TextBox 13">
+            <a:extLst>
+              <a:ext uri="{FF2B5EF4-FFF2-40B4-BE49-F238E27FC236}">
+                <a16:creationId xmlns:a16="http://schemas.microsoft.com/office/drawing/2014/main" id="{F0334F3B-5640-4583-BD4C-3E6055CA210A}"/>
+              </a:ext>
+            </a:extLst>
+          </p:cNvPr>
+          <p:cNvSpPr txBox="1"/>
+          <p:nvPr/>
+        </p:nvSpPr>
+        <p:spPr>
+          <a:xfrm>
+            <a:off x="7871607" y="4892453"/>
+            <a:ext cx="3147793" cy="646331"/>
+          </a:xfrm>
+          <a:prstGeom prst="rect">
+            <a:avLst/>
+          </a:prstGeom>
+          <a:noFill/>
+        </p:spPr>
+        <p:txBody>
+          <a:bodyPr wrap="square" rtlCol="0">
+            <a:spAutoFit/>
+          </a:bodyPr>
+          <a:lstStyle/>
+          <a:p>
+            <a:r>
+              <a:rPr lang="en-US" dirty="0"/>
+              <a:t>Deep learning on Sonoma for best recall</a:t>
+            </a:r>
+          </a:p>
+        </p:txBody>
+      </p:sp>
+      <p:pic>
+        <p:nvPicPr>
+          <p:cNvPr id="16" name="Picture 15" descr="A picture containing electronics, telephone&#10;&#10;Description automatically generated">
+            <a:extLst>
+              <a:ext uri="{FF2B5EF4-FFF2-40B4-BE49-F238E27FC236}">
+                <a16:creationId xmlns:a16="http://schemas.microsoft.com/office/drawing/2014/main" id="{8EA5ED07-710A-4054-AAAD-D52DF23D5E7D}"/>
+              </a:ext>
+            </a:extLst>
+          </p:cNvPr>
+          <p:cNvPicPr>
+            <a:picLocks noChangeAspect="1"/>
+          </p:cNvPicPr>
+          <p:nvPr/>
+        </p:nvPicPr>
+        <p:blipFill>
+          <a:blip r:embed="rId3">
+            <a:extLst>
+              <a:ext uri="{28A0092B-C50C-407E-A947-70E740481C1C}">
+                <a14:useLocalDpi xmlns:a14="http://schemas.microsoft.com/office/drawing/2010/main" val="0"/>
+              </a:ext>
+            </a:extLst>
+          </a:blip>
+          <a:stretch>
+            <a:fillRect/>
+          </a:stretch>
+        </p:blipFill>
+        <p:spPr>
+          <a:xfrm>
+            <a:off x="7873522" y="1480914"/>
+            <a:ext cx="3145878" cy="1325563"/>
+          </a:xfrm>
+          <a:prstGeom prst="rect">
+            <a:avLst/>
+          </a:prstGeom>
+        </p:spPr>
+      </p:pic>
+    </p:spTree>
+    <p:extLst>
+      <p:ext uri="{BB962C8B-B14F-4D97-AF65-F5344CB8AC3E}">
+        <p14:creationId xmlns:p14="http://schemas.microsoft.com/office/powerpoint/2010/main" val="1777600451"/>
+      </p:ext>
+    </p:extLst>
+  </p:cSld>
+  <p:clrMapOvr>
+    <a:masterClrMapping/>
+  </p:clrMapOvr>
+</p:sld>
+</file>
+
+<file path=ppt/slides/slide27.xml><?xml version="1.0" encoding="utf-8"?>
+<p:sld xmlns:a="http://schemas.openxmlformats.org/drawingml/2006/main" xmlns:r="http://schemas.openxmlformats.org/officeDocument/2006/relationships" xmlns:p="http://schemas.openxmlformats.org/presentationml/2006/main">
+  <p:cSld>
+    <p:spTree>
+      <p:nvGrpSpPr>
+        <p:cNvPr id="1" name=""/>
+        <p:cNvGrpSpPr/>
+        <p:nvPr/>
+      </p:nvGrpSpPr>
+      <p:grpSpPr>
+        <a:xfrm>
+          <a:off x="0" y="0"/>
+          <a:ext cx="0" cy="0"/>
+          <a:chOff x="0" y="0"/>
+          <a:chExt cx="0" cy="0"/>
+        </a:xfrm>
+      </p:grpSpPr>
+      <p:sp>
+        <p:nvSpPr>
+          <p:cNvPr id="2" name="Title 1">
+            <a:extLst>
+              <a:ext uri="{FF2B5EF4-FFF2-40B4-BE49-F238E27FC236}">
+                <a16:creationId xmlns:a16="http://schemas.microsoft.com/office/drawing/2014/main" id="{777E51D5-38C0-4F06-8EBE-550F028FE5E7}"/>
+              </a:ext>
+            </a:extLst>
+          </p:cNvPr>
+          <p:cNvSpPr>
+            <a:spLocks noGrp="1"/>
+          </p:cNvSpPr>
+          <p:nvPr>
+            <p:ph type="title"/>
+          </p:nvPr>
+        </p:nvSpPr>
+        <p:spPr/>
+        <p:txBody>
+          <a:bodyPr/>
+          <a:lstStyle/>
+          <a:p>
+            <a:r>
+              <a:rPr lang="en-US" dirty="0"/>
+              <a:t>Future Works</a:t>
+            </a:r>
+          </a:p>
+        </p:txBody>
+      </p:sp>
+      <p:sp>
+        <p:nvSpPr>
+          <p:cNvPr id="3" name="Content Placeholder 2">
+            <a:extLst>
+              <a:ext uri="{FF2B5EF4-FFF2-40B4-BE49-F238E27FC236}">
+                <a16:creationId xmlns:a16="http://schemas.microsoft.com/office/drawing/2014/main" id="{F4AD6256-A99E-4367-9B91-CB7A0DB462BA}"/>
+              </a:ext>
+            </a:extLst>
+          </p:cNvPr>
+          <p:cNvSpPr>
+            <a:spLocks noGrp="1"/>
+          </p:cNvSpPr>
+          <p:nvPr>
+            <p:ph idx="1"/>
+          </p:nvPr>
+        </p:nvSpPr>
+        <p:spPr/>
+        <p:txBody>
+          <a:bodyPr>
+            <a:normAutofit fontScale="92500" lnSpcReduction="20000"/>
+          </a:bodyPr>
+          <a:lstStyle/>
+          <a:p>
+            <a:r>
+              <a:rPr lang="en-US" dirty="0"/>
+              <a:t>Improve the featuring engineering of Age, Breed and Color</a:t>
+            </a:r>
+          </a:p>
+          <a:p>
+            <a:r>
+              <a:rPr lang="en-US" dirty="0"/>
+              <a:t>Study the effects of features on RTO and Transfer</a:t>
+            </a:r>
+          </a:p>
+          <a:p>
+            <a:r>
+              <a:rPr lang="en-US" dirty="0"/>
+              <a:t>Study the interdependencies of RTO, Transfer, Adoption and </a:t>
+            </a:r>
+            <a:r>
+              <a:rPr lang="en-US" dirty="0" err="1"/>
+              <a:t>Euthanization</a:t>
+            </a:r>
+            <a:r>
+              <a:rPr lang="en-US" dirty="0"/>
+              <a:t> rates</a:t>
+            </a:r>
+          </a:p>
+          <a:p>
+            <a:r>
+              <a:rPr lang="en-US" dirty="0"/>
+              <a:t>Simplify outcome types with only survived and alive to improve accuracy and better target for euthanized dogs.</a:t>
+            </a:r>
+          </a:p>
+          <a:p>
+            <a:r>
+              <a:rPr lang="en-US" dirty="0"/>
+              <a:t>Cross validate with other hyperparameters to improve accuracy</a:t>
+            </a:r>
+          </a:p>
+          <a:p>
+            <a:r>
+              <a:rPr lang="en-US" dirty="0"/>
+              <a:t>Weight average all the models to create an ensemble model</a:t>
+            </a:r>
+          </a:p>
+          <a:p>
+            <a:r>
+              <a:rPr lang="en-US" dirty="0"/>
+              <a:t>Engineer model to improve accuracy of </a:t>
+            </a:r>
+            <a:r>
+              <a:rPr lang="en-US" dirty="0" err="1"/>
+              <a:t>euthanization</a:t>
+            </a:r>
+            <a:r>
+              <a:rPr lang="en-US" dirty="0"/>
+              <a:t> rate and adoption rate</a:t>
+            </a:r>
+          </a:p>
+          <a:p>
+            <a:r>
+              <a:rPr lang="en-US" dirty="0"/>
+              <a:t>Use transfer learning </a:t>
+            </a:r>
+          </a:p>
+        </p:txBody>
+      </p:sp>
+    </p:spTree>
+    <p:extLst>
+      <p:ext uri="{BB962C8B-B14F-4D97-AF65-F5344CB8AC3E}">
+        <p14:creationId xmlns:p14="http://schemas.microsoft.com/office/powerpoint/2010/main" val="1710696276"/>
       </p:ext>
     </p:extLst>
   </p:cSld>

--- a/Project/Presentation.pptx
+++ b/Project/Presentation.pptx
@@ -5,36 +5,35 @@
     <p:sldMasterId id="2147483648" r:id="rId1"/>
   </p:sldMasterIdLst>
   <p:notesMasterIdLst>
-    <p:notesMasterId r:id="rId29"/>
+    <p:notesMasterId r:id="rId28"/>
   </p:notesMasterIdLst>
   <p:sldIdLst>
     <p:sldId id="256" r:id="rId2"/>
     <p:sldId id="258" r:id="rId3"/>
-    <p:sldId id="260" r:id="rId4"/>
-    <p:sldId id="262" r:id="rId5"/>
-    <p:sldId id="263" r:id="rId6"/>
-    <p:sldId id="264" r:id="rId7"/>
-    <p:sldId id="265" r:id="rId8"/>
-    <p:sldId id="266" r:id="rId9"/>
-    <p:sldId id="267" r:id="rId10"/>
-    <p:sldId id="268" r:id="rId11"/>
-    <p:sldId id="269" r:id="rId12"/>
-    <p:sldId id="270" r:id="rId13"/>
-    <p:sldId id="271" r:id="rId14"/>
-    <p:sldId id="272" r:id="rId15"/>
-    <p:sldId id="273" r:id="rId16"/>
-    <p:sldId id="274" r:id="rId17"/>
-    <p:sldId id="275" r:id="rId18"/>
-    <p:sldId id="276" r:id="rId19"/>
-    <p:sldId id="277" r:id="rId20"/>
-    <p:sldId id="278" r:id="rId21"/>
-    <p:sldId id="279" r:id="rId22"/>
-    <p:sldId id="280" r:id="rId23"/>
-    <p:sldId id="281" r:id="rId24"/>
-    <p:sldId id="282" r:id="rId25"/>
-    <p:sldId id="283" r:id="rId26"/>
-    <p:sldId id="285" r:id="rId27"/>
-    <p:sldId id="287" r:id="rId28"/>
+    <p:sldId id="262" r:id="rId4"/>
+    <p:sldId id="263" r:id="rId5"/>
+    <p:sldId id="264" r:id="rId6"/>
+    <p:sldId id="265" r:id="rId7"/>
+    <p:sldId id="266" r:id="rId8"/>
+    <p:sldId id="267" r:id="rId9"/>
+    <p:sldId id="268" r:id="rId10"/>
+    <p:sldId id="269" r:id="rId11"/>
+    <p:sldId id="270" r:id="rId12"/>
+    <p:sldId id="271" r:id="rId13"/>
+    <p:sldId id="272" r:id="rId14"/>
+    <p:sldId id="273" r:id="rId15"/>
+    <p:sldId id="274" r:id="rId16"/>
+    <p:sldId id="275" r:id="rId17"/>
+    <p:sldId id="276" r:id="rId18"/>
+    <p:sldId id="277" r:id="rId19"/>
+    <p:sldId id="278" r:id="rId20"/>
+    <p:sldId id="279" r:id="rId21"/>
+    <p:sldId id="280" r:id="rId22"/>
+    <p:sldId id="281" r:id="rId23"/>
+    <p:sldId id="282" r:id="rId24"/>
+    <p:sldId id="283" r:id="rId25"/>
+    <p:sldId id="285" r:id="rId26"/>
+    <p:sldId id="287" r:id="rId27"/>
   </p:sldIdLst>
   <p:sldSz cx="12192000" cy="6858000"/>
   <p:notesSz cx="6858000" cy="9144000"/>
@@ -247,7 +246,7 @@
           <a:p>
             <a:fld id="{5EBA5EA3-F35E-47CC-98FE-628E794DB466}" type="datetimeFigureOut">
               <a:rPr lang="en-US" smtClean="0"/>
-              <a:t>10/11/2019</a:t>
+              <a:t>12/18/2019</a:t>
             </a:fld>
             <a:endParaRPr lang="en-US"/>
           </a:p>
@@ -680,7 +679,7 @@
           <a:p>
             <a:fld id="{4E6747C0-CFCC-4A42-A1C4-3255133F148A}" type="datetimeFigureOut">
               <a:rPr lang="en-US" smtClean="0"/>
-              <a:t>10/11/2019</a:t>
+              <a:t>12/18/2019</a:t>
             </a:fld>
             <a:endParaRPr lang="en-US"/>
           </a:p>
@@ -878,7 +877,7 @@
           <a:p>
             <a:fld id="{4E6747C0-CFCC-4A42-A1C4-3255133F148A}" type="datetimeFigureOut">
               <a:rPr lang="en-US" smtClean="0"/>
-              <a:t>10/11/2019</a:t>
+              <a:t>12/18/2019</a:t>
             </a:fld>
             <a:endParaRPr lang="en-US"/>
           </a:p>
@@ -1086,7 +1085,7 @@
           <a:p>
             <a:fld id="{4E6747C0-CFCC-4A42-A1C4-3255133F148A}" type="datetimeFigureOut">
               <a:rPr lang="en-US" smtClean="0"/>
-              <a:t>10/11/2019</a:t>
+              <a:t>12/18/2019</a:t>
             </a:fld>
             <a:endParaRPr lang="en-US"/>
           </a:p>
@@ -1284,7 +1283,7 @@
           <a:p>
             <a:fld id="{4E6747C0-CFCC-4A42-A1C4-3255133F148A}" type="datetimeFigureOut">
               <a:rPr lang="en-US" smtClean="0"/>
-              <a:t>10/11/2019</a:t>
+              <a:t>12/18/2019</a:t>
             </a:fld>
             <a:endParaRPr lang="en-US"/>
           </a:p>
@@ -1559,7 +1558,7 @@
           <a:p>
             <a:fld id="{4E6747C0-CFCC-4A42-A1C4-3255133F148A}" type="datetimeFigureOut">
               <a:rPr lang="en-US" smtClean="0"/>
-              <a:t>10/11/2019</a:t>
+              <a:t>12/18/2019</a:t>
             </a:fld>
             <a:endParaRPr lang="en-US"/>
           </a:p>
@@ -1824,7 +1823,7 @@
           <a:p>
             <a:fld id="{4E6747C0-CFCC-4A42-A1C4-3255133F148A}" type="datetimeFigureOut">
               <a:rPr lang="en-US" smtClean="0"/>
-              <a:t>10/11/2019</a:t>
+              <a:t>12/18/2019</a:t>
             </a:fld>
             <a:endParaRPr lang="en-US"/>
           </a:p>
@@ -2236,7 +2235,7 @@
           <a:p>
             <a:fld id="{4E6747C0-CFCC-4A42-A1C4-3255133F148A}" type="datetimeFigureOut">
               <a:rPr lang="en-US" smtClean="0"/>
-              <a:t>10/11/2019</a:t>
+              <a:t>12/18/2019</a:t>
             </a:fld>
             <a:endParaRPr lang="en-US"/>
           </a:p>
@@ -2377,7 +2376,7 @@
           <a:p>
             <a:fld id="{4E6747C0-CFCC-4A42-A1C4-3255133F148A}" type="datetimeFigureOut">
               <a:rPr lang="en-US" smtClean="0"/>
-              <a:t>10/11/2019</a:t>
+              <a:t>12/18/2019</a:t>
             </a:fld>
             <a:endParaRPr lang="en-US"/>
           </a:p>
@@ -2490,7 +2489,7 @@
           <a:p>
             <a:fld id="{4E6747C0-CFCC-4A42-A1C4-3255133F148A}" type="datetimeFigureOut">
               <a:rPr lang="en-US" smtClean="0"/>
-              <a:t>10/11/2019</a:t>
+              <a:t>12/18/2019</a:t>
             </a:fld>
             <a:endParaRPr lang="en-US"/>
           </a:p>
@@ -2801,7 +2800,7 @@
           <a:p>
             <a:fld id="{4E6747C0-CFCC-4A42-A1C4-3255133F148A}" type="datetimeFigureOut">
               <a:rPr lang="en-US" smtClean="0"/>
-              <a:t>10/11/2019</a:t>
+              <a:t>12/18/2019</a:t>
             </a:fld>
             <a:endParaRPr lang="en-US"/>
           </a:p>
@@ -3089,7 +3088,7 @@
           <a:p>
             <a:fld id="{4E6747C0-CFCC-4A42-A1C4-3255133F148A}" type="datetimeFigureOut">
               <a:rPr lang="en-US" smtClean="0"/>
-              <a:t>10/11/2019</a:t>
+              <a:t>12/18/2019</a:t>
             </a:fld>
             <a:endParaRPr lang="en-US"/>
           </a:p>
@@ -3360,7 +3359,7 @@
           <a:p>
             <a:fld id="{4E6747C0-CFCC-4A42-A1C4-3255133F148A}" type="datetimeFigureOut">
               <a:rPr lang="en-US" smtClean="0"/>
-              <a:t>10/11/2019</a:t>
+              <a:t>12/18/2019</a:t>
             </a:fld>
             <a:endParaRPr lang="en-US"/>
           </a:p>
@@ -3868,7 +3867,7 @@
           <p:cNvPr id="2" name="Title 1">
             <a:extLst>
               <a:ext uri="{FF2B5EF4-FFF2-40B4-BE49-F238E27FC236}">
-                <a16:creationId xmlns:a16="http://schemas.microsoft.com/office/drawing/2014/main" id="{FF21516C-C13E-45D9-B723-F4F177A7F63D}"/>
+                <a16:creationId xmlns:a16="http://schemas.microsoft.com/office/drawing/2014/main" id="{2333EC06-0C29-4E6F-B49D-F7F759C6B754}"/>
               </a:ext>
             </a:extLst>
           </p:cNvPr>
@@ -3886,17 +3885,17 @@
           <a:p>
             <a:r>
               <a:rPr lang="en-US" dirty="0"/>
-              <a:t>Gender</a:t>
-            </a:r>
-          </a:p>
-        </p:txBody>
-      </p:sp>
-      <p:sp>
-        <p:nvSpPr>
-          <p:cNvPr id="6" name="TextBox 5">
-            <a:extLst>
-              <a:ext uri="{FF2B5EF4-FFF2-40B4-BE49-F238E27FC236}">
-                <a16:creationId xmlns:a16="http://schemas.microsoft.com/office/drawing/2014/main" id="{D3ADCC77-41B7-4A24-B63A-B49DECE9B597}"/>
+              <a:t>Statistical Testing of Gender</a:t>
+            </a:r>
+          </a:p>
+        </p:txBody>
+      </p:sp>
+      <p:sp>
+        <p:nvSpPr>
+          <p:cNvPr id="4" name="TextBox 3">
+            <a:extLst>
+              <a:ext uri="{FF2B5EF4-FFF2-40B4-BE49-F238E27FC236}">
+                <a16:creationId xmlns:a16="http://schemas.microsoft.com/office/drawing/2014/main" id="{9D01BC2B-B2CA-4275-A76E-FA41FCC62DCE}"/>
               </a:ext>
             </a:extLst>
           </p:cNvPr>
@@ -3905,8 +3904,8 @@
         </p:nvSpPr>
         <p:spPr>
           <a:xfrm>
-            <a:off x="1050234" y="1472739"/>
-            <a:ext cx="4235355" cy="4801314"/>
+            <a:off x="838200" y="1301227"/>
+            <a:ext cx="5822897" cy="2585323"/>
           </a:xfrm>
           <a:prstGeom prst="rect">
             <a:avLst/>
@@ -3920,17 +3919,37 @@
           <a:lstStyle/>
           <a:p>
             <a:r>
-              <a:rPr lang="en-US" dirty="0"/>
-              <a:t>Assumption: Outcome = Intake</a:t>
-            </a:r>
-          </a:p>
-          <a:p>
+              <a:rPr lang="en-US" b="1" dirty="0"/>
+              <a:t>Test #1:</a:t>
+            </a:r>
+          </a:p>
+          <a:p>
+            <a:r>
+              <a:rPr lang="en-US" dirty="0"/>
+              <a:t>Null hypothesis: P(male) = P(female) = 0.5</a:t>
+            </a:r>
+          </a:p>
+          <a:p>
+            <a:r>
+              <a:rPr lang="en-US" dirty="0"/>
+              <a:t>Alternative hypothesis: P(male) </a:t>
+            </a:r>
+            <a:r>
+              <a:rPr lang="en-US"/>
+              <a:t>&gt; 0.5</a:t>
+            </a:r>
             <a:endParaRPr lang="en-US" dirty="0"/>
           </a:p>
           <a:p>
             <a:r>
               <a:rPr lang="en-US" dirty="0"/>
-              <a:t>- Intake of male dogs (53.8%) is higher than female dogs (45%)</a:t>
+              <a:t>Alpha = 0.5%</a:t>
+            </a:r>
+          </a:p>
+          <a:p>
+            <a:r>
+              <a:rPr lang="en-US" dirty="0"/>
+              <a:t>Bootstrap (10000 bootstrap replicates) and one sided proportion test shows p-value &lt; 0.0. </a:t>
             </a:r>
           </a:p>
           <a:p>
@@ -3939,78 +3958,17 @@
           <a:p>
             <a:r>
               <a:rPr lang="en-US" dirty="0"/>
-              <a:t>-Relative percentage of female adoption is higher in all location than male in all location</a:t>
-            </a:r>
-          </a:p>
-          <a:p>
-            <a:endParaRPr lang="en-US" dirty="0"/>
-          </a:p>
-          <a:p>
-            <a:r>
-              <a:rPr lang="en-US" dirty="0"/>
-              <a:t>-Unknown gender is more likely to be euthanized. Female has the lowest relative </a:t>
-            </a:r>
-            <a:r>
-              <a:rPr lang="en-US" dirty="0" err="1"/>
-              <a:t>euthanization</a:t>
-            </a:r>
-            <a:r>
-              <a:rPr lang="en-US" dirty="0"/>
-              <a:t> rate</a:t>
-            </a:r>
-          </a:p>
-          <a:p>
-            <a:endParaRPr lang="en-US" dirty="0"/>
-          </a:p>
-          <a:p>
-            <a:r>
-              <a:rPr lang="en-US" dirty="0"/>
-              <a:t>Is intake of male dogs actually higher than intake of female dogs? Also is the adoption rate of female dog higher than that of male dog?</a:t>
+              <a:t>p-value = 0 therefore, reject null hypothesis and accept alternative hypothesis</a:t>
             </a:r>
           </a:p>
         </p:txBody>
       </p:sp>
       <p:pic>
         <p:nvPicPr>
-          <p:cNvPr id="10" name="Content Placeholder 9" descr="A screenshot of a cell phone&#10;&#10;Description automatically generated">
-            <a:extLst>
-              <a:ext uri="{FF2B5EF4-FFF2-40B4-BE49-F238E27FC236}">
-                <a16:creationId xmlns:a16="http://schemas.microsoft.com/office/drawing/2014/main" id="{F2957712-801F-4942-AB68-582B777DA470}"/>
-              </a:ext>
-            </a:extLst>
-          </p:cNvPr>
-          <p:cNvPicPr>
-            <a:picLocks noGrp="1" noChangeAspect="1"/>
-          </p:cNvPicPr>
-          <p:nvPr>
-            <p:ph idx="1"/>
-          </p:nvPr>
-        </p:nvPicPr>
-        <p:blipFill>
-          <a:blip r:embed="rId2">
-            <a:extLst>
-              <a:ext uri="{28A0092B-C50C-407E-A947-70E740481C1C}">
-                <a14:useLocalDpi xmlns:a14="http://schemas.microsoft.com/office/drawing/2010/main" val="0"/>
-              </a:ext>
-            </a:extLst>
-          </a:blip>
-          <a:stretch>
-            <a:fillRect/>
-          </a:stretch>
-        </p:blipFill>
-        <p:spPr>
-          <a:xfrm>
-            <a:off x="6096000" y="3429001"/>
-            <a:ext cx="5368119" cy="2998890"/>
-          </a:xfrm>
-        </p:spPr>
-      </p:pic>
-      <p:pic>
-        <p:nvPicPr>
-          <p:cNvPr id="12" name="Picture 11" descr="A screenshot of a cell phone&#10;&#10;Description automatically generated">
-            <a:extLst>
-              <a:ext uri="{FF2B5EF4-FFF2-40B4-BE49-F238E27FC236}">
-                <a16:creationId xmlns:a16="http://schemas.microsoft.com/office/drawing/2014/main" id="{40F7BBF6-8363-4D99-B436-03B513C3A498}"/>
+          <p:cNvPr id="8" name="Picture 7" descr="A close up of a logo&#10;&#10;Description automatically generated">
+            <a:extLst>
+              <a:ext uri="{FF2B5EF4-FFF2-40B4-BE49-F238E27FC236}">
+                <a16:creationId xmlns:a16="http://schemas.microsoft.com/office/drawing/2014/main" id="{0C934D9E-1BC5-4B7D-A7F6-824DDE3D54DC}"/>
               </a:ext>
             </a:extLst>
           </p:cNvPr>
@@ -4020,7 +3978,7 @@
           <p:nvPr/>
         </p:nvPicPr>
         <p:blipFill>
-          <a:blip r:embed="rId3">
+          <a:blip r:embed="rId2">
             <a:extLst>
               <a:ext uri="{28A0092B-C50C-407E-A947-70E740481C1C}">
                 <a14:useLocalDpi xmlns:a14="http://schemas.microsoft.com/office/drawing/2010/main" val="0"/>
@@ -4033,18 +3991,89 @@
         </p:blipFill>
         <p:spPr>
           <a:xfrm>
-            <a:off x="7422215" y="570758"/>
-            <a:ext cx="2909140" cy="2756410"/>
+            <a:off x="7413045" y="1798140"/>
+            <a:ext cx="4160306" cy="3900286"/>
           </a:xfrm>
           <a:prstGeom prst="rect">
             <a:avLst/>
           </a:prstGeom>
         </p:spPr>
       </p:pic>
+      <p:sp>
+        <p:nvSpPr>
+          <p:cNvPr id="11" name="TextBox 10">
+            <a:extLst>
+              <a:ext uri="{FF2B5EF4-FFF2-40B4-BE49-F238E27FC236}">
+                <a16:creationId xmlns:a16="http://schemas.microsoft.com/office/drawing/2014/main" id="{788EA7E6-9490-4BA9-A266-9B0EADFD1CB0}"/>
+              </a:ext>
+            </a:extLst>
+          </p:cNvPr>
+          <p:cNvSpPr txBox="1"/>
+          <p:nvPr/>
+        </p:nvSpPr>
+        <p:spPr>
+          <a:xfrm>
+            <a:off x="838200" y="3886550"/>
+            <a:ext cx="6449704" cy="3139321"/>
+          </a:xfrm>
+          <a:prstGeom prst="rect">
+            <a:avLst/>
+          </a:prstGeom>
+          <a:noFill/>
+        </p:spPr>
+        <p:txBody>
+          <a:bodyPr wrap="square" rtlCol="0">
+            <a:spAutoFit/>
+          </a:bodyPr>
+          <a:lstStyle/>
+          <a:p>
+            <a:r>
+              <a:rPr lang="en-US" b="1" dirty="0"/>
+              <a:t>Test #2:</a:t>
+            </a:r>
+          </a:p>
+          <a:p>
+            <a:r>
+              <a:rPr lang="en-US" dirty="0"/>
+              <a:t>Null hypothesis: P(male adoption rate) = P(female adoption rate)</a:t>
+            </a:r>
+          </a:p>
+          <a:p>
+            <a:r>
+              <a:rPr lang="en-US" dirty="0"/>
+              <a:t>Alternative hypothesis: P(female adoption rate) &gt; P(male adoption rate)</a:t>
+            </a:r>
+          </a:p>
+          <a:p>
+            <a:r>
+              <a:rPr lang="en-US" dirty="0"/>
+              <a:t>Alpha = 0.5%</a:t>
+            </a:r>
+          </a:p>
+          <a:p>
+            <a:r>
+              <a:rPr lang="en-US" dirty="0"/>
+              <a:t>Bootstrap (10000 bootstrap replicates) and one sided proportion test shows p-value &lt; 0.0. </a:t>
+            </a:r>
+          </a:p>
+          <a:p>
+            <a:endParaRPr lang="en-US" dirty="0"/>
+          </a:p>
+          <a:p>
+            <a:r>
+              <a:rPr lang="en-US" dirty="0"/>
+              <a:t>p-value = 0 therefore, reject null hypothesis and accept alternative hypothesis</a:t>
+            </a:r>
+          </a:p>
+          <a:p>
+            <a:endParaRPr lang="en-US" dirty="0"/>
+          </a:p>
+        </p:txBody>
+      </p:sp>
     </p:spTree>
     <p:extLst>
       <p:ext uri="{BB962C8B-B14F-4D97-AF65-F5344CB8AC3E}">
-        <p14:creationId xmlns:p14="http://schemas.microsoft.com/office/powerpoint/2010/main" val="3613066745"/>
+        <p14:creationId xmlns:p14="http://schemas.microsoft.com/office/powerpoint/2010/main" val="398466202"/>
       </p:ext>
     </p:extLst>
   </p:cSld>
@@ -4076,7 +4105,7 @@
           <p:cNvPr id="2" name="Title 1">
             <a:extLst>
               <a:ext uri="{FF2B5EF4-FFF2-40B4-BE49-F238E27FC236}">
-                <a16:creationId xmlns:a16="http://schemas.microsoft.com/office/drawing/2014/main" id="{2333EC06-0C29-4E6F-B49D-F7F759C6B754}"/>
+                <a16:creationId xmlns:a16="http://schemas.microsoft.com/office/drawing/2014/main" id="{032870A2-E357-4CE6-91E8-67B687BC52BF}"/>
               </a:ext>
             </a:extLst>
           </p:cNvPr>
@@ -4094,85 +4123,52 @@
           <a:p>
             <a:r>
               <a:rPr lang="en-US" dirty="0"/>
-              <a:t>Statistical Testing of Gender</a:t>
-            </a:r>
-          </a:p>
-        </p:txBody>
-      </p:sp>
-      <p:sp>
-        <p:nvSpPr>
-          <p:cNvPr id="4" name="TextBox 3">
-            <a:extLst>
-              <a:ext uri="{FF2B5EF4-FFF2-40B4-BE49-F238E27FC236}">
-                <a16:creationId xmlns:a16="http://schemas.microsoft.com/office/drawing/2014/main" id="{9D01BC2B-B2CA-4275-A76E-FA41FCC62DCE}"/>
-              </a:ext>
-            </a:extLst>
-          </p:cNvPr>
-          <p:cNvSpPr txBox="1"/>
-          <p:nvPr/>
-        </p:nvSpPr>
-        <p:spPr>
-          <a:xfrm>
-            <a:off x="838200" y="1301227"/>
-            <a:ext cx="5822897" cy="2585323"/>
-          </a:xfrm>
-          <a:prstGeom prst="rect">
-            <a:avLst/>
-          </a:prstGeom>
-          <a:noFill/>
-        </p:spPr>
-        <p:txBody>
-          <a:bodyPr wrap="square" rtlCol="0">
-            <a:spAutoFit/>
-          </a:bodyPr>
-          <a:lstStyle/>
-          <a:p>
-            <a:r>
-              <a:rPr lang="en-US" b="1" dirty="0"/>
-              <a:t>Test #1:</a:t>
-            </a:r>
-          </a:p>
-          <a:p>
-            <a:r>
-              <a:rPr lang="en-US" dirty="0"/>
-              <a:t>Null hypothesis: P(male) = P(female)</a:t>
-            </a:r>
-          </a:p>
-          <a:p>
-            <a:r>
-              <a:rPr lang="en-US" dirty="0"/>
-              <a:t>Alternative hypothesis: P(male) &gt; P(female)</a:t>
-            </a:r>
-          </a:p>
-          <a:p>
-            <a:r>
-              <a:rPr lang="en-US" dirty="0"/>
-              <a:t>Alpha = 0.5%</a:t>
-            </a:r>
-          </a:p>
-          <a:p>
-            <a:r>
-              <a:rPr lang="en-US" dirty="0"/>
-              <a:t>Bootstrap (10000 bootstrap replicates) and one sided proportion test shows p-value &lt; 0.0. </a:t>
-            </a:r>
-          </a:p>
-          <a:p>
-            <a:endParaRPr lang="en-US" dirty="0"/>
-          </a:p>
-          <a:p>
-            <a:r>
-              <a:rPr lang="en-US" dirty="0"/>
-              <a:t>p-value = 0 therefore, reject null hypothesis and accept alternative hypothesis</a:t>
+              <a:t>Age Effect on Adoption</a:t>
             </a:r>
           </a:p>
         </p:txBody>
       </p:sp>
       <p:pic>
         <p:nvPicPr>
-          <p:cNvPr id="8" name="Picture 7" descr="A close up of a logo&#10;&#10;Description automatically generated">
-            <a:extLst>
-              <a:ext uri="{FF2B5EF4-FFF2-40B4-BE49-F238E27FC236}">
-                <a16:creationId xmlns:a16="http://schemas.microsoft.com/office/drawing/2014/main" id="{0C934D9E-1BC5-4B7D-A7F6-824DDE3D54DC}"/>
+          <p:cNvPr id="5" name="Content Placeholder 4" descr="A picture containing clock&#10;&#10;Description automatically generated">
+            <a:extLst>
+              <a:ext uri="{FF2B5EF4-FFF2-40B4-BE49-F238E27FC236}">
+                <a16:creationId xmlns:a16="http://schemas.microsoft.com/office/drawing/2014/main" id="{FCC9757D-450C-4F08-A214-41BAA8FADA1D}"/>
+              </a:ext>
+            </a:extLst>
+          </p:cNvPr>
+          <p:cNvPicPr>
+            <a:picLocks noGrp="1" noChangeAspect="1"/>
+          </p:cNvPicPr>
+          <p:nvPr>
+            <p:ph idx="1"/>
+          </p:nvPr>
+        </p:nvPicPr>
+        <p:blipFill>
+          <a:blip r:embed="rId2">
+            <a:extLst>
+              <a:ext uri="{28A0092B-C50C-407E-A947-70E740481C1C}">
+                <a14:useLocalDpi xmlns:a14="http://schemas.microsoft.com/office/drawing/2010/main" val="0"/>
+              </a:ext>
+            </a:extLst>
+          </a:blip>
+          <a:stretch>
+            <a:fillRect/>
+          </a:stretch>
+        </p:blipFill>
+        <p:spPr>
+          <a:xfrm>
+            <a:off x="603772" y="3482056"/>
+            <a:ext cx="3165908" cy="3045684"/>
+          </a:xfrm>
+        </p:spPr>
+      </p:pic>
+      <p:pic>
+        <p:nvPicPr>
+          <p:cNvPr id="7" name="Picture 6" descr="A close up of a logo&#10;&#10;Description automatically generated">
+            <a:extLst>
+              <a:ext uri="{FF2B5EF4-FFF2-40B4-BE49-F238E27FC236}">
+                <a16:creationId xmlns:a16="http://schemas.microsoft.com/office/drawing/2014/main" id="{D45D1F82-BB8D-4715-B7E7-D9586C7ACE29}"/>
               </a:ext>
             </a:extLst>
           </p:cNvPr>
@@ -4182,7 +4178,7 @@
           <p:nvPr/>
         </p:nvPicPr>
         <p:blipFill>
-          <a:blip r:embed="rId2">
+          <a:blip r:embed="rId3">
             <a:extLst>
               <a:ext uri="{28A0092B-C50C-407E-A947-70E740481C1C}">
                 <a14:useLocalDpi xmlns:a14="http://schemas.microsoft.com/office/drawing/2010/main" val="0"/>
@@ -4195,20 +4191,56 @@
         </p:blipFill>
         <p:spPr>
           <a:xfrm>
-            <a:off x="7413045" y="1798140"/>
-            <a:ext cx="4160306" cy="3900286"/>
+            <a:off x="4058354" y="3482057"/>
+            <a:ext cx="3240089" cy="3045684"/>
           </a:xfrm>
           <a:prstGeom prst="rect">
             <a:avLst/>
           </a:prstGeom>
         </p:spPr>
       </p:pic>
-      <p:sp>
-        <p:nvSpPr>
-          <p:cNvPr id="11" name="TextBox 10">
-            <a:extLst>
-              <a:ext uri="{FF2B5EF4-FFF2-40B4-BE49-F238E27FC236}">
-                <a16:creationId xmlns:a16="http://schemas.microsoft.com/office/drawing/2014/main" id="{788EA7E6-9490-4BA9-A266-9B0EADFD1CB0}"/>
+      <p:pic>
+        <p:nvPicPr>
+          <p:cNvPr id="9" name="Picture 8" descr="A screenshot of a cell phone&#10;&#10;Description automatically generated">
+            <a:extLst>
+              <a:ext uri="{FF2B5EF4-FFF2-40B4-BE49-F238E27FC236}">
+                <a16:creationId xmlns:a16="http://schemas.microsoft.com/office/drawing/2014/main" id="{72CB69D8-A157-4B91-A641-B7354CA60544}"/>
+              </a:ext>
+            </a:extLst>
+          </p:cNvPr>
+          <p:cNvPicPr>
+            <a:picLocks noChangeAspect="1"/>
+          </p:cNvPicPr>
+          <p:nvPr/>
+        </p:nvPicPr>
+        <p:blipFill>
+          <a:blip r:embed="rId4">
+            <a:extLst>
+              <a:ext uri="{28A0092B-C50C-407E-A947-70E740481C1C}">
+                <a14:useLocalDpi xmlns:a14="http://schemas.microsoft.com/office/drawing/2010/main" val="0"/>
+              </a:ext>
+            </a:extLst>
+          </a:blip>
+          <a:stretch>
+            <a:fillRect/>
+          </a:stretch>
+        </p:blipFill>
+        <p:spPr>
+          <a:xfrm>
+            <a:off x="7512935" y="526326"/>
+            <a:ext cx="4075293" cy="3690831"/>
+          </a:xfrm>
+          <a:prstGeom prst="rect">
+            <a:avLst/>
+          </a:prstGeom>
+        </p:spPr>
+      </p:pic>
+      <p:sp>
+        <p:nvSpPr>
+          <p:cNvPr id="10" name="TextBox 9">
+            <a:extLst>
+              <a:ext uri="{FF2B5EF4-FFF2-40B4-BE49-F238E27FC236}">
+                <a16:creationId xmlns:a16="http://schemas.microsoft.com/office/drawing/2014/main" id="{CF0FEDB9-BAAB-4BBB-B728-C1191E3FAF7E}"/>
               </a:ext>
             </a:extLst>
           </p:cNvPr>
@@ -4217,8 +4249,8 @@
         </p:nvSpPr>
         <p:spPr>
           <a:xfrm>
-            <a:off x="838200" y="3886550"/>
-            <a:ext cx="6449704" cy="3139321"/>
+            <a:off x="603772" y="1233404"/>
+            <a:ext cx="6804193" cy="2523768"/>
           </a:xfrm>
           <a:prstGeom prst="rect">
             <a:avLst/>
@@ -4232,52 +4264,172 @@
           <a:lstStyle/>
           <a:p>
             <a:r>
-              <a:rPr lang="en-US" b="1" dirty="0"/>
-              <a:t>Test #2:</a:t>
-            </a:r>
-          </a:p>
-          <a:p>
-            <a:r>
-              <a:rPr lang="en-US" dirty="0"/>
-              <a:t>Null hypothesis: P(male adoption rate) = P(female adoption rate)</a:t>
-            </a:r>
-          </a:p>
-          <a:p>
-            <a:r>
-              <a:rPr lang="en-US" dirty="0"/>
-              <a:t>Alternative hypothesis: P(female adoption rate) &gt; P(male adoption rate)</a:t>
-            </a:r>
-          </a:p>
-          <a:p>
-            <a:r>
-              <a:rPr lang="en-US" dirty="0"/>
+              <a:rPr lang="en-US" sz="1400" dirty="0"/>
+              <a:t>Mean age of adoption in Sonoma (2.4yo) is higher than those of Louisville and Austin (2.0yo and 2.1yo respectively)</a:t>
+            </a:r>
+          </a:p>
+          <a:p>
+            <a:endParaRPr lang="en-US" sz="1400" dirty="0"/>
+          </a:p>
+          <a:p>
+            <a:r>
+              <a:rPr lang="en-US" sz="1400" dirty="0"/>
+              <a:t>Null hypothesis: </a:t>
+            </a:r>
+            <a:r>
+              <a:rPr lang="el-GR" sz="1400" dirty="0"/>
+              <a:t>μ</a:t>
+            </a:r>
+            <a:r>
+              <a:rPr lang="en-US" sz="1400" dirty="0"/>
+              <a:t>(adoption age in Sonoma) = </a:t>
+            </a:r>
+            <a:r>
+              <a:rPr lang="el-GR" sz="1400" dirty="0"/>
+              <a:t>μ</a:t>
+            </a:r>
+            <a:r>
+              <a:rPr lang="en-US" sz="1400" dirty="0"/>
+              <a:t>(adoption age in Austin)</a:t>
+            </a:r>
+          </a:p>
+          <a:p>
+            <a:r>
+              <a:rPr lang="en-US" sz="1400" dirty="0"/>
+              <a:t>Alternative hypothesis: </a:t>
+            </a:r>
+            <a:r>
+              <a:rPr lang="el-GR" sz="1400" dirty="0"/>
+              <a:t>μ</a:t>
+            </a:r>
+            <a:r>
+              <a:rPr lang="en-US" sz="1400" dirty="0"/>
+              <a:t>(adoption age in Sonoma) &gt; </a:t>
+            </a:r>
+            <a:r>
+              <a:rPr lang="el-GR" sz="1400" dirty="0"/>
+              <a:t>μ</a:t>
+            </a:r>
+            <a:r>
+              <a:rPr lang="en-US" sz="1400" dirty="0"/>
+              <a:t>(adoption age in Austin)</a:t>
+            </a:r>
+          </a:p>
+          <a:p>
+            <a:r>
+              <a:rPr lang="en-US" sz="1400" dirty="0"/>
               <a:t>Alpha = 0.5%</a:t>
             </a:r>
           </a:p>
           <a:p>
             <a:r>
-              <a:rPr lang="en-US" dirty="0"/>
-              <a:t>Bootstrap (10000 bootstrap replicates) and one sided proportion test shows p-value &lt; 0.0. </a:t>
+              <a:rPr lang="en-US" sz="1400" dirty="0"/>
+              <a:t>Bootstrap for mean difference(10000 bootstrap replicates)</a:t>
+            </a:r>
+          </a:p>
+          <a:p>
+            <a:endParaRPr lang="en-US" sz="1400" dirty="0"/>
+          </a:p>
+          <a:p>
+            <a:r>
+              <a:rPr lang="en-US" sz="1400" dirty="0"/>
+              <a:t>p-value = 0.013 therefore, reject null hypothesis and accept alternative hypothesis</a:t>
+            </a:r>
+          </a:p>
+          <a:p>
+            <a:r>
+              <a:rPr lang="en-US" sz="1400" dirty="0"/>
+              <a:t>For some location, owners tend to adopt older aging dogs</a:t>
             </a:r>
           </a:p>
           <a:p>
             <a:endParaRPr lang="en-US" dirty="0"/>
           </a:p>
-          <a:p>
-            <a:r>
-              <a:rPr lang="en-US" dirty="0"/>
-              <a:t>p-value = 0 therefore, reject null hypothesis and accept alternative hypothesis</a:t>
-            </a:r>
-          </a:p>
-          <a:p>
-            <a:endParaRPr lang="en-US" dirty="0"/>
+        </p:txBody>
+      </p:sp>
+      <p:sp>
+        <p:nvSpPr>
+          <p:cNvPr id="11" name="TextBox 10">
+            <a:extLst>
+              <a:ext uri="{FF2B5EF4-FFF2-40B4-BE49-F238E27FC236}">
+                <a16:creationId xmlns:a16="http://schemas.microsoft.com/office/drawing/2014/main" id="{910E7C59-996A-4880-8518-8A0D6953B047}"/>
+              </a:ext>
+            </a:extLst>
+          </p:cNvPr>
+          <p:cNvSpPr txBox="1"/>
+          <p:nvPr/>
+        </p:nvSpPr>
+        <p:spPr>
+          <a:xfrm>
+            <a:off x="7512935" y="4217157"/>
+            <a:ext cx="2193164" cy="276999"/>
+          </a:xfrm>
+          <a:prstGeom prst="rect">
+            <a:avLst/>
+          </a:prstGeom>
+          <a:noFill/>
+        </p:spPr>
+        <p:txBody>
+          <a:bodyPr wrap="none" rtlCol="0">
+            <a:spAutoFit/>
+          </a:bodyPr>
+          <a:lstStyle/>
+          <a:p>
+            <a:r>
+              <a:rPr lang="en-US" sz="1200" dirty="0"/>
+              <a:t>***All age are measured in days</a:t>
+            </a:r>
+          </a:p>
+        </p:txBody>
+      </p:sp>
+      <p:sp>
+        <p:nvSpPr>
+          <p:cNvPr id="12" name="TextBox 11">
+            <a:extLst>
+              <a:ext uri="{FF2B5EF4-FFF2-40B4-BE49-F238E27FC236}">
+                <a16:creationId xmlns:a16="http://schemas.microsoft.com/office/drawing/2014/main" id="{776F3ED7-90E1-4960-8236-C6E19E08CCE0}"/>
+              </a:ext>
+            </a:extLst>
+          </p:cNvPr>
+          <p:cNvSpPr txBox="1"/>
+          <p:nvPr/>
+        </p:nvSpPr>
+        <p:spPr>
+          <a:xfrm>
+            <a:off x="7512935" y="4916976"/>
+            <a:ext cx="4285009" cy="1169551"/>
+          </a:xfrm>
+          <a:prstGeom prst="rect">
+            <a:avLst/>
+          </a:prstGeom>
+          <a:noFill/>
+        </p:spPr>
+        <p:txBody>
+          <a:bodyPr wrap="square" rtlCol="0">
+            <a:spAutoFit/>
+          </a:bodyPr>
+          <a:lstStyle/>
+          <a:p>
+            <a:r>
+              <a:rPr lang="en-US" sz="1400" dirty="0"/>
+              <a:t>-For most breeds, adoption age for one location aligns with that of another</a:t>
+            </a:r>
+          </a:p>
+          <a:p>
+            <a:endParaRPr lang="en-US" sz="1400" dirty="0"/>
+          </a:p>
+          <a:p>
+            <a:r>
+              <a:rPr lang="en-US" sz="1400" dirty="0"/>
+              <a:t>- For non-sporting breed, adoption age varies significantly among locations</a:t>
+            </a:r>
           </a:p>
         </p:txBody>
       </p:sp>
     </p:spTree>
     <p:extLst>
       <p:ext uri="{BB962C8B-B14F-4D97-AF65-F5344CB8AC3E}">
-        <p14:creationId xmlns:p14="http://schemas.microsoft.com/office/powerpoint/2010/main" val="398466202"/>
+        <p14:creationId xmlns:p14="http://schemas.microsoft.com/office/powerpoint/2010/main" val="2040765999"/>
       </p:ext>
     </p:extLst>
   </p:cSld>
@@ -4309,7 +4461,7 @@
           <p:cNvPr id="2" name="Title 1">
             <a:extLst>
               <a:ext uri="{FF2B5EF4-FFF2-40B4-BE49-F238E27FC236}">
-                <a16:creationId xmlns:a16="http://schemas.microsoft.com/office/drawing/2014/main" id="{032870A2-E357-4CE6-91E8-67B687BC52BF}"/>
+                <a16:creationId xmlns:a16="http://schemas.microsoft.com/office/drawing/2014/main" id="{BE5EE892-AED4-4253-8034-3BD0FD8551BC}"/>
               </a:ext>
             </a:extLst>
           </p:cNvPr>
@@ -4327,26 +4479,29 @@
           <a:p>
             <a:r>
               <a:rPr lang="en-US" dirty="0"/>
-              <a:t>Age Effect on Adoption</a:t>
-            </a:r>
+              <a:t>Age Effect on </a:t>
+            </a:r>
+            <a:r>
+              <a:rPr lang="en-US" dirty="0" err="1"/>
+              <a:t>Euthanization</a:t>
+            </a:r>
+            <a:endParaRPr lang="en-US" dirty="0"/>
           </a:p>
         </p:txBody>
       </p:sp>
       <p:pic>
         <p:nvPicPr>
-          <p:cNvPr id="5" name="Content Placeholder 4" descr="A picture containing clock&#10;&#10;Description automatically generated">
-            <a:extLst>
-              <a:ext uri="{FF2B5EF4-FFF2-40B4-BE49-F238E27FC236}">
-                <a16:creationId xmlns:a16="http://schemas.microsoft.com/office/drawing/2014/main" id="{FCC9757D-450C-4F08-A214-41BAA8FADA1D}"/>
+          <p:cNvPr id="5" name="Picture 4" descr="A picture containing clock&#10;&#10;Description automatically generated">
+            <a:extLst>
+              <a:ext uri="{FF2B5EF4-FFF2-40B4-BE49-F238E27FC236}">
+                <a16:creationId xmlns:a16="http://schemas.microsoft.com/office/drawing/2014/main" id="{75389980-606E-4939-B3D4-DD8D55B01764}"/>
               </a:ext>
             </a:extLst>
           </p:cNvPr>
           <p:cNvPicPr>
-            <a:picLocks noGrp="1" noChangeAspect="1"/>
+            <a:picLocks noChangeAspect="1"/>
           </p:cNvPicPr>
-          <p:nvPr>
-            <p:ph idx="1"/>
-          </p:nvPr>
+          <p:nvPr/>
         </p:nvPicPr>
         <p:blipFill>
           <a:blip r:embed="rId2">
@@ -4362,17 +4517,20 @@
         </p:blipFill>
         <p:spPr>
           <a:xfrm>
-            <a:off x="603772" y="3482056"/>
-            <a:ext cx="3165908" cy="3045684"/>
-          </a:xfrm>
+            <a:off x="838200" y="3376951"/>
+            <a:ext cx="3174242" cy="3115923"/>
+          </a:xfrm>
+          <a:prstGeom prst="rect">
+            <a:avLst/>
+          </a:prstGeom>
         </p:spPr>
       </p:pic>
       <p:pic>
         <p:nvPicPr>
-          <p:cNvPr id="7" name="Picture 6" descr="A close up of a logo&#10;&#10;Description automatically generated">
-            <a:extLst>
-              <a:ext uri="{FF2B5EF4-FFF2-40B4-BE49-F238E27FC236}">
-                <a16:creationId xmlns:a16="http://schemas.microsoft.com/office/drawing/2014/main" id="{D45D1F82-BB8D-4715-B7E7-D9586C7ACE29}"/>
+          <p:cNvPr id="7" name="Picture 6" descr="A picture containing implement, stationary, pencil&#10;&#10;Description automatically generated">
+            <a:extLst>
+              <a:ext uri="{FF2B5EF4-FFF2-40B4-BE49-F238E27FC236}">
+                <a16:creationId xmlns:a16="http://schemas.microsoft.com/office/drawing/2014/main" id="{C6CBC02D-1087-48AF-ACE1-91FF6C8F1340}"/>
               </a:ext>
             </a:extLst>
           </p:cNvPr>
@@ -4395,8 +4553,8 @@
         </p:blipFill>
         <p:spPr>
           <a:xfrm>
-            <a:off x="4058354" y="3482057"/>
-            <a:ext cx="3240089" cy="3045684"/>
+            <a:off x="7670042" y="618473"/>
+            <a:ext cx="3773553" cy="3391652"/>
           </a:xfrm>
           <a:prstGeom prst="rect">
             <a:avLst/>
@@ -4405,10 +4563,10 @@
       </p:pic>
       <p:pic>
         <p:nvPicPr>
-          <p:cNvPr id="9" name="Picture 8" descr="A screenshot of a cell phone&#10;&#10;Description automatically generated">
-            <a:extLst>
-              <a:ext uri="{FF2B5EF4-FFF2-40B4-BE49-F238E27FC236}">
-                <a16:creationId xmlns:a16="http://schemas.microsoft.com/office/drawing/2014/main" id="{72CB69D8-A157-4B91-A641-B7354CA60544}"/>
+          <p:cNvPr id="9" name="Picture 8" descr="A close up of a logo&#10;&#10;Description automatically generated">
+            <a:extLst>
+              <a:ext uri="{FF2B5EF4-FFF2-40B4-BE49-F238E27FC236}">
+                <a16:creationId xmlns:a16="http://schemas.microsoft.com/office/drawing/2014/main" id="{8022D8F1-BFB1-4B13-B869-889649E6DA6E}"/>
               </a:ext>
             </a:extLst>
           </p:cNvPr>
@@ -4431,8 +4589,8 @@
         </p:blipFill>
         <p:spPr>
           <a:xfrm>
-            <a:off x="7512935" y="526326"/>
-            <a:ext cx="4075293" cy="3690831"/>
+            <a:off x="4102238" y="3374646"/>
+            <a:ext cx="3322144" cy="3118228"/>
           </a:xfrm>
           <a:prstGeom prst="rect">
             <a:avLst/>
@@ -4444,7 +4602,7 @@
           <p:cNvPr id="10" name="TextBox 9">
             <a:extLst>
               <a:ext uri="{FF2B5EF4-FFF2-40B4-BE49-F238E27FC236}">
-                <a16:creationId xmlns:a16="http://schemas.microsoft.com/office/drawing/2014/main" id="{CF0FEDB9-BAAB-4BBB-B728-C1191E3FAF7E}"/>
+                <a16:creationId xmlns:a16="http://schemas.microsoft.com/office/drawing/2014/main" id="{E6729E6A-EE9D-4EC1-AA5A-0F1B73BAFD91}"/>
               </a:ext>
             </a:extLst>
           </p:cNvPr>
@@ -4453,8 +4611,8 @@
         </p:nvSpPr>
         <p:spPr>
           <a:xfrm>
-            <a:off x="603772" y="1233404"/>
-            <a:ext cx="6804193" cy="2523768"/>
+            <a:off x="782150" y="1270783"/>
+            <a:ext cx="6394517" cy="2215991"/>
           </a:xfrm>
           <a:prstGeom prst="rect">
             <a:avLst/>
@@ -4468,81 +4626,121 @@
           <a:lstStyle/>
           <a:p>
             <a:r>
-              <a:rPr lang="en-US" sz="1400" dirty="0"/>
-              <a:t>Mean age of adoption in Sonoma (2.4yo) is higher than those of Louisville and Austin (2.0yo and 2.1yo respectively)</a:t>
-            </a:r>
-          </a:p>
-          <a:p>
-            <a:endParaRPr lang="en-US" sz="1400" dirty="0"/>
-          </a:p>
-          <a:p>
-            <a:r>
-              <a:rPr lang="en-US" sz="1400" dirty="0"/>
+              <a:rPr lang="en-US" sz="1200" dirty="0"/>
+              <a:t>Mean age of </a:t>
+            </a:r>
+            <a:r>
+              <a:rPr lang="en-US" sz="1200" dirty="0" err="1"/>
+              <a:t>euthanization</a:t>
+            </a:r>
+            <a:r>
+              <a:rPr lang="en-US" sz="1200" dirty="0"/>
+              <a:t> in Sonoma (4.6yo) is lower than those of Louisville and Austin (4.8yo and 4.7yo respectively)</a:t>
+            </a:r>
+          </a:p>
+          <a:p>
+            <a:endParaRPr lang="en-US" sz="1200" dirty="0"/>
+          </a:p>
+          <a:p>
+            <a:r>
+              <a:rPr lang="en-US" sz="1200" dirty="0"/>
               <a:t>Null hypothesis: </a:t>
             </a:r>
             <a:r>
-              <a:rPr lang="el-GR" sz="1400" dirty="0"/>
+              <a:rPr lang="el-GR" sz="1200" dirty="0"/>
               <a:t>μ</a:t>
             </a:r>
             <a:r>
-              <a:rPr lang="en-US" sz="1400" dirty="0"/>
-              <a:t>(adoption age in Sonoma) = </a:t>
-            </a:r>
-            <a:r>
-              <a:rPr lang="el-GR" sz="1400" dirty="0"/>
+              <a:rPr lang="en-US" sz="1200" dirty="0"/>
+              <a:t>(</a:t>
+            </a:r>
+            <a:r>
+              <a:rPr lang="en-US" sz="1200" dirty="0" err="1"/>
+              <a:t>euthanization</a:t>
+            </a:r>
+            <a:r>
+              <a:rPr lang="en-US" sz="1200" dirty="0"/>
+              <a:t> age in Sonoma) = </a:t>
+            </a:r>
+            <a:r>
+              <a:rPr lang="el-GR" sz="1200" dirty="0"/>
               <a:t>μ</a:t>
             </a:r>
             <a:r>
-              <a:rPr lang="en-US" sz="1400" dirty="0"/>
-              <a:t>(adoption age in Austin)</a:t>
-            </a:r>
-          </a:p>
-          <a:p>
-            <a:r>
-              <a:rPr lang="en-US" sz="1400" dirty="0"/>
+              <a:rPr lang="en-US" sz="1200" dirty="0"/>
+              <a:t>(</a:t>
+            </a:r>
+            <a:r>
+              <a:rPr lang="en-US" sz="1200" dirty="0" err="1"/>
+              <a:t>euthanization</a:t>
+            </a:r>
+            <a:r>
+              <a:rPr lang="en-US" sz="1200" dirty="0"/>
+              <a:t> age in Louisville)</a:t>
+            </a:r>
+          </a:p>
+          <a:p>
+            <a:r>
+              <a:rPr lang="en-US" sz="1200" dirty="0"/>
               <a:t>Alternative hypothesis: </a:t>
             </a:r>
             <a:r>
-              <a:rPr lang="el-GR" sz="1400" dirty="0"/>
+              <a:rPr lang="el-GR" sz="1200" dirty="0"/>
               <a:t>μ</a:t>
             </a:r>
             <a:r>
-              <a:rPr lang="en-US" sz="1400" dirty="0"/>
-              <a:t>(adoption age in Sonoma) &gt; </a:t>
-            </a:r>
-            <a:r>
-              <a:rPr lang="el-GR" sz="1400" dirty="0"/>
+              <a:rPr lang="en-US" sz="1200" dirty="0"/>
+              <a:t>(</a:t>
+            </a:r>
+            <a:r>
+              <a:rPr lang="en-US" sz="1200" dirty="0" err="1"/>
+              <a:t>ethanization</a:t>
+            </a:r>
+            <a:r>
+              <a:rPr lang="en-US" sz="1200" dirty="0"/>
+              <a:t> age in Sonoma) &gt; </a:t>
+            </a:r>
+            <a:r>
+              <a:rPr lang="el-GR" sz="1200" dirty="0"/>
               <a:t>μ</a:t>
             </a:r>
             <a:r>
-              <a:rPr lang="en-US" sz="1400" dirty="0"/>
-              <a:t>(adoption age in Austin)</a:t>
-            </a:r>
-          </a:p>
-          <a:p>
-            <a:r>
-              <a:rPr lang="en-US" sz="1400" dirty="0"/>
+              <a:rPr lang="en-US" sz="1200" dirty="0"/>
+              <a:t>(</a:t>
+            </a:r>
+            <a:r>
+              <a:rPr lang="en-US" sz="1200" dirty="0" err="1"/>
+              <a:t>euthanization</a:t>
+            </a:r>
+            <a:r>
+              <a:rPr lang="en-US" sz="1200" dirty="0"/>
+              <a:t> age in Austin)</a:t>
+            </a:r>
+          </a:p>
+          <a:p>
+            <a:r>
+              <a:rPr lang="en-US" sz="1200" dirty="0"/>
               <a:t>Alpha = 0.5%</a:t>
             </a:r>
           </a:p>
           <a:p>
             <a:r>
-              <a:rPr lang="en-US" sz="1400" dirty="0"/>
+              <a:rPr lang="en-US" sz="1200" dirty="0"/>
               <a:t>Bootstrap for mean difference(10000 bootstrap replicates)</a:t>
             </a:r>
           </a:p>
           <a:p>
-            <a:endParaRPr lang="en-US" sz="1400" dirty="0"/>
-          </a:p>
-          <a:p>
-            <a:r>
-              <a:rPr lang="en-US" sz="1400" dirty="0"/>
+            <a:endParaRPr lang="en-US" sz="1200" dirty="0"/>
+          </a:p>
+          <a:p>
+            <a:r>
+              <a:rPr lang="en-US" sz="1200" dirty="0"/>
               <a:t>p-value = 0.013 therefore, reject null hypothesis and accept alternative hypothesis</a:t>
             </a:r>
           </a:p>
           <a:p>
             <a:r>
-              <a:rPr lang="en-US" sz="1400" dirty="0"/>
+              <a:rPr lang="en-US" sz="1200" dirty="0"/>
               <a:t>For some location, owners tend to adopt older aging dogs</a:t>
             </a:r>
           </a:p>
@@ -4556,7 +4754,7 @@
           <p:cNvPr id="11" name="TextBox 10">
             <a:extLst>
               <a:ext uri="{FF2B5EF4-FFF2-40B4-BE49-F238E27FC236}">
-                <a16:creationId xmlns:a16="http://schemas.microsoft.com/office/drawing/2014/main" id="{910E7C59-996A-4880-8518-8A0D6953B047}"/>
+                <a16:creationId xmlns:a16="http://schemas.microsoft.com/office/drawing/2014/main" id="{DD7A11F4-2D40-4506-8B63-CCCFD5D14A61}"/>
               </a:ext>
             </a:extLst>
           </p:cNvPr>
@@ -4565,8 +4763,8 @@
         </p:nvSpPr>
         <p:spPr>
           <a:xfrm>
-            <a:off x="7512935" y="4217157"/>
-            <a:ext cx="2193164" cy="276999"/>
+            <a:off x="7670042" y="4263473"/>
+            <a:ext cx="3773553" cy="2123658"/>
           </a:xfrm>
           <a:prstGeom prst="rect">
             <a:avLst/>
@@ -4574,58 +4772,47 @@
           <a:noFill/>
         </p:spPr>
         <p:txBody>
-          <a:bodyPr wrap="none" rtlCol="0">
-            <a:spAutoFit/>
-          </a:bodyPr>
-          <a:lstStyle/>
-          <a:p>
-            <a:r>
-              <a:rPr lang="en-US" sz="1200" dirty="0"/>
-              <a:t>***All age are measured in days</a:t>
-            </a:r>
-          </a:p>
-        </p:txBody>
-      </p:sp>
-      <p:sp>
-        <p:nvSpPr>
-          <p:cNvPr id="12" name="TextBox 11">
-            <a:extLst>
-              <a:ext uri="{FF2B5EF4-FFF2-40B4-BE49-F238E27FC236}">
-                <a16:creationId xmlns:a16="http://schemas.microsoft.com/office/drawing/2014/main" id="{776F3ED7-90E1-4960-8236-C6E19E08CCE0}"/>
-              </a:ext>
-            </a:extLst>
-          </p:cNvPr>
-          <p:cNvSpPr txBox="1"/>
-          <p:nvPr/>
-        </p:nvSpPr>
-        <p:spPr>
-          <a:xfrm>
-            <a:off x="7512935" y="4916976"/>
-            <a:ext cx="4285009" cy="1169551"/>
-          </a:xfrm>
-          <a:prstGeom prst="rect">
-            <a:avLst/>
-          </a:prstGeom>
-          <a:noFill/>
-        </p:spPr>
-        <p:txBody>
           <a:bodyPr wrap="square" rtlCol="0">
             <a:spAutoFit/>
           </a:bodyPr>
           <a:lstStyle/>
           <a:p>
             <a:r>
-              <a:rPr lang="en-US" sz="1400" dirty="0"/>
-              <a:t>-For most breeds, adoption age for one location aligns with that of another</a:t>
-            </a:r>
-          </a:p>
-          <a:p>
-            <a:endParaRPr lang="en-US" sz="1400" dirty="0"/>
-          </a:p>
-          <a:p>
-            <a:r>
-              <a:rPr lang="en-US" sz="1400" dirty="0"/>
-              <a:t>- For non-sporting breed, adoption age varies significantly among locations</a:t>
+              <a:rPr lang="en-US" sz="1200" dirty="0"/>
+              <a:t>Louisville have the lowest median age of </a:t>
+            </a:r>
+            <a:r>
+              <a:rPr lang="en-US" sz="1200" dirty="0" err="1"/>
+              <a:t>euthanization</a:t>
+            </a:r>
+            <a:r>
+              <a:rPr lang="en-US" sz="1200" dirty="0"/>
+              <a:t> (2.5yo) compared to Austin and Sonoma (3.0yo and 3.1yo respectively) but has the highest mean age of </a:t>
+            </a:r>
+            <a:r>
+              <a:rPr lang="en-US" sz="1200" dirty="0" err="1"/>
+              <a:t>euthanization</a:t>
+            </a:r>
+            <a:r>
+              <a:rPr lang="en-US" sz="1200" dirty="0"/>
+              <a:t>. This means the distribution of animals entering Louisville is slightly more uniform and right skewed whereas Austin and Sonoma is less uniformly distributed.</a:t>
+            </a:r>
+          </a:p>
+          <a:p>
+            <a:endParaRPr lang="en-US" sz="1200" dirty="0"/>
+          </a:p>
+          <a:p>
+            <a:r>
+              <a:rPr lang="en-US" sz="1200" dirty="0"/>
+              <a:t>Median age of </a:t>
+            </a:r>
+            <a:r>
+              <a:rPr lang="en-US" sz="1200" dirty="0" err="1"/>
+              <a:t>euthanization</a:t>
+            </a:r>
+            <a:r>
+              <a:rPr lang="en-US" sz="1200" dirty="0"/>
+              <a:t> of specific breed is location dependent unlike that of adoption rate where the median is similar across all region</a:t>
             </a:r>
           </a:p>
         </p:txBody>
@@ -4633,7 +4820,7 @@
     </p:spTree>
     <p:extLst>
       <p:ext uri="{BB962C8B-B14F-4D97-AF65-F5344CB8AC3E}">
-        <p14:creationId xmlns:p14="http://schemas.microsoft.com/office/powerpoint/2010/main" val="2040765999"/>
+        <p14:creationId xmlns:p14="http://schemas.microsoft.com/office/powerpoint/2010/main" val="1887240563"/>
       </p:ext>
     </p:extLst>
   </p:cSld>
@@ -4665,7 +4852,7 @@
           <p:cNvPr id="2" name="Title 1">
             <a:extLst>
               <a:ext uri="{FF2B5EF4-FFF2-40B4-BE49-F238E27FC236}">
-                <a16:creationId xmlns:a16="http://schemas.microsoft.com/office/drawing/2014/main" id="{BE5EE892-AED4-4253-8034-3BD0FD8551BC}"/>
+                <a16:creationId xmlns:a16="http://schemas.microsoft.com/office/drawing/2014/main" id="{7AF4EA37-431C-4F75-B84A-8B889B600F99}"/>
               </a:ext>
             </a:extLst>
           </p:cNvPr>
@@ -4683,7 +4870,7 @@
           <a:p>
             <a:r>
               <a:rPr lang="en-US" dirty="0"/>
-              <a:t>Age Effect on </a:t>
+              <a:t>Age relationship between Adoption and </a:t>
             </a:r>
             <a:r>
               <a:rPr lang="en-US" dirty="0" err="1"/>
@@ -4695,17 +4882,19 @@
       </p:sp>
       <p:pic>
         <p:nvPicPr>
-          <p:cNvPr id="5" name="Picture 4" descr="A picture containing clock&#10;&#10;Description automatically generated">
-            <a:extLst>
-              <a:ext uri="{FF2B5EF4-FFF2-40B4-BE49-F238E27FC236}">
-                <a16:creationId xmlns:a16="http://schemas.microsoft.com/office/drawing/2014/main" id="{75389980-606E-4939-B3D4-DD8D55B01764}"/>
+          <p:cNvPr id="5" name="Content Placeholder 4" descr="A close up of a map&#10;&#10;Description automatically generated">
+            <a:extLst>
+              <a:ext uri="{FF2B5EF4-FFF2-40B4-BE49-F238E27FC236}">
+                <a16:creationId xmlns:a16="http://schemas.microsoft.com/office/drawing/2014/main" id="{6AF55B2E-4210-4368-9C1E-0B55C9729A6B}"/>
               </a:ext>
             </a:extLst>
           </p:cNvPr>
           <p:cNvPicPr>
-            <a:picLocks noChangeAspect="1"/>
+            <a:picLocks noGrp="1" noChangeAspect="1"/>
           </p:cNvPicPr>
-          <p:nvPr/>
+          <p:nvPr>
+            <p:ph idx="1"/>
+          </p:nvPr>
         </p:nvPicPr>
         <p:blipFill>
           <a:blip r:embed="rId2">
@@ -4721,20 +4910,17 @@
         </p:blipFill>
         <p:spPr>
           <a:xfrm>
-            <a:off x="838200" y="3376951"/>
-            <a:ext cx="3174242" cy="3115923"/>
-          </a:xfrm>
-          <a:prstGeom prst="rect">
-            <a:avLst/>
-          </a:prstGeom>
+            <a:off x="4262621" y="3983464"/>
+            <a:ext cx="7086600" cy="2305050"/>
+          </a:xfrm>
         </p:spPr>
       </p:pic>
       <p:pic>
         <p:nvPicPr>
-          <p:cNvPr id="7" name="Picture 6" descr="A picture containing implement, stationary, pencil&#10;&#10;Description automatically generated">
-            <a:extLst>
-              <a:ext uri="{FF2B5EF4-FFF2-40B4-BE49-F238E27FC236}">
-                <a16:creationId xmlns:a16="http://schemas.microsoft.com/office/drawing/2014/main" id="{C6CBC02D-1087-48AF-ACE1-91FF6C8F1340}"/>
+          <p:cNvPr id="7" name="Picture 6" descr="A close up of a map&#10;&#10;Description automatically generated">
+            <a:extLst>
+              <a:ext uri="{FF2B5EF4-FFF2-40B4-BE49-F238E27FC236}">
+                <a16:creationId xmlns:a16="http://schemas.microsoft.com/office/drawing/2014/main" id="{2871582C-F5DE-46C3-8419-6EC5BB615F51}"/>
               </a:ext>
             </a:extLst>
           </p:cNvPr>
@@ -4757,8 +4943,8 @@
         </p:blipFill>
         <p:spPr>
           <a:xfrm>
-            <a:off x="7670042" y="618473"/>
-            <a:ext cx="3773553" cy="3391652"/>
+            <a:off x="986754" y="3404256"/>
+            <a:ext cx="2952931" cy="2884258"/>
           </a:xfrm>
           <a:prstGeom prst="rect">
             <a:avLst/>
@@ -4767,10 +4953,10 @@
       </p:pic>
       <p:pic>
         <p:nvPicPr>
-          <p:cNvPr id="9" name="Picture 8" descr="A close up of a logo&#10;&#10;Description automatically generated">
-            <a:extLst>
-              <a:ext uri="{FF2B5EF4-FFF2-40B4-BE49-F238E27FC236}">
-                <a16:creationId xmlns:a16="http://schemas.microsoft.com/office/drawing/2014/main" id="{8022D8F1-BFB1-4B13-B869-889649E6DA6E}"/>
+          <p:cNvPr id="9" name="Picture 8" descr="A screenshot of a cell phone&#10;&#10;Description automatically generated">
+            <a:extLst>
+              <a:ext uri="{FF2B5EF4-FFF2-40B4-BE49-F238E27FC236}">
+                <a16:creationId xmlns:a16="http://schemas.microsoft.com/office/drawing/2014/main" id="{55A63FAC-ADEC-4888-9EF8-2D04E97986D7}"/>
               </a:ext>
             </a:extLst>
           </p:cNvPr>
@@ -4793,8 +4979,8 @@
         </p:blipFill>
         <p:spPr>
           <a:xfrm>
-            <a:off x="4102238" y="3374646"/>
-            <a:ext cx="3322144" cy="3118228"/>
+            <a:off x="986754" y="1690688"/>
+            <a:ext cx="3410359" cy="1479494"/>
           </a:xfrm>
           <a:prstGeom prst="rect">
             <a:avLst/>
@@ -4806,7 +4992,7 @@
           <p:cNvPr id="10" name="TextBox 9">
             <a:extLst>
               <a:ext uri="{FF2B5EF4-FFF2-40B4-BE49-F238E27FC236}">
-                <a16:creationId xmlns:a16="http://schemas.microsoft.com/office/drawing/2014/main" id="{E6729E6A-EE9D-4EC1-AA5A-0F1B73BAFD91}"/>
+                <a16:creationId xmlns:a16="http://schemas.microsoft.com/office/drawing/2014/main" id="{25217330-7B6C-4E65-AD8B-7937B9B97475}"/>
               </a:ext>
             </a:extLst>
           </p:cNvPr>
@@ -4815,8 +5001,8 @@
         </p:nvSpPr>
         <p:spPr>
           <a:xfrm>
-            <a:off x="782150" y="1270783"/>
-            <a:ext cx="6394517" cy="2215991"/>
+            <a:off x="5016250" y="1168551"/>
+            <a:ext cx="5718412" cy="3385542"/>
           </a:xfrm>
           <a:prstGeom prst="rect">
             <a:avLst/>
@@ -4830,201 +5016,108 @@
           <a:lstStyle/>
           <a:p>
             <a:r>
-              <a:rPr lang="en-US" sz="1200" dirty="0"/>
-              <a:t>Mean age of </a:t>
-            </a:r>
-            <a:r>
-              <a:rPr lang="en-US" sz="1200" dirty="0" err="1"/>
+              <a:rPr lang="en-US" sz="1400" dirty="0"/>
+              <a:t>Each point is the measurement of median age for each breed.</a:t>
+            </a:r>
+          </a:p>
+          <a:p>
+            <a:endParaRPr lang="en-US" sz="1400" dirty="0"/>
+          </a:p>
+          <a:p>
+            <a:r>
+              <a:rPr lang="en-US" sz="1400" dirty="0"/>
+              <a:t>In Louisville, age has a linearly, statistically significant relationship between median age of </a:t>
+            </a:r>
+            <a:r>
+              <a:rPr lang="en-US" sz="1400" dirty="0" err="1"/>
               <a:t>euthanization</a:t>
             </a:r>
             <a:r>
-              <a:rPr lang="en-US" sz="1200" dirty="0"/>
-              <a:t> in Sonoma (4.6yo) is lower than those of Louisville and Austin (4.8yo and 4.7yo respectively)</a:t>
-            </a:r>
-          </a:p>
-          <a:p>
-            <a:endParaRPr lang="en-US" sz="1200" dirty="0"/>
-          </a:p>
-          <a:p>
-            <a:r>
-              <a:rPr lang="en-US" sz="1200" dirty="0"/>
-              <a:t>Null hypothesis: </a:t>
-            </a:r>
-            <a:r>
-              <a:rPr lang="el-GR" sz="1200" dirty="0"/>
-              <a:t>μ</a:t>
-            </a:r>
-            <a:r>
-              <a:rPr lang="en-US" sz="1200" dirty="0"/>
-              <a:t>(</a:t>
-            </a:r>
-            <a:r>
-              <a:rPr lang="en-US" sz="1200" dirty="0" err="1"/>
+              <a:rPr lang="en-US" sz="1400" dirty="0"/>
+              <a:t> and adoption. In other words, </a:t>
+            </a:r>
+            <a:r>
+              <a:rPr lang="en-US" sz="1400" dirty="0" err="1"/>
               <a:t>euthanization</a:t>
             </a:r>
             <a:r>
-              <a:rPr lang="en-US" sz="1200" dirty="0"/>
-              <a:t> age in Sonoma) = </a:t>
-            </a:r>
-            <a:r>
-              <a:rPr lang="el-GR" sz="1200" dirty="0"/>
-              <a:t>μ</a:t>
-            </a:r>
-            <a:r>
-              <a:rPr lang="en-US" sz="1200" dirty="0"/>
-              <a:t>(</a:t>
-            </a:r>
-            <a:r>
-              <a:rPr lang="en-US" sz="1200" dirty="0" err="1"/>
+              <a:rPr lang="en-US" sz="1400" dirty="0"/>
+              <a:t> age and adoption age are highly dependent in Louisville. Louisville age discriminant</a:t>
+            </a:r>
+          </a:p>
+          <a:p>
+            <a:r>
+              <a:rPr lang="en-US" sz="1400" dirty="0"/>
+              <a:t>Median(breed1, </a:t>
+            </a:r>
+            <a:r>
+              <a:rPr lang="en-US" sz="1400" dirty="0" err="1"/>
+              <a:t>euth</a:t>
+            </a:r>
+            <a:r>
+              <a:rPr lang="en-US" sz="1400" dirty="0"/>
+              <a:t>)/Median(breed1, adopt) = Median(breed2, </a:t>
+            </a:r>
+            <a:r>
+              <a:rPr lang="en-US" sz="1400" dirty="0" err="1"/>
+              <a:t>euth</a:t>
+            </a:r>
+            <a:r>
+              <a:rPr lang="en-US" sz="1400" dirty="0"/>
+              <a:t>)/Median(breed2, adopt) </a:t>
+            </a:r>
+          </a:p>
+          <a:p>
+            <a:endParaRPr lang="en-US" sz="1400" dirty="0"/>
+          </a:p>
+          <a:p>
+            <a:r>
+              <a:rPr lang="en-US" sz="1400" dirty="0"/>
+              <a:t>In other locations, median age of adoption and </a:t>
+            </a:r>
+            <a:r>
+              <a:rPr lang="en-US" sz="1400" dirty="0" err="1"/>
               <a:t>euthanization</a:t>
             </a:r>
             <a:r>
-              <a:rPr lang="en-US" sz="1200" dirty="0"/>
-              <a:t> age in Louisville)</a:t>
-            </a:r>
-          </a:p>
-          <a:p>
-            <a:r>
-              <a:rPr lang="en-US" sz="1200" dirty="0"/>
-              <a:t>Alternative hypothesis: </a:t>
-            </a:r>
-            <a:r>
-              <a:rPr lang="el-GR" sz="1200" dirty="0"/>
-              <a:t>μ</a:t>
-            </a:r>
-            <a:r>
-              <a:rPr lang="en-US" sz="1200" dirty="0"/>
-              <a:t>(</a:t>
-            </a:r>
-            <a:r>
-              <a:rPr lang="en-US" sz="1200" dirty="0" err="1"/>
-              <a:t>ethanization</a:t>
-            </a:r>
-            <a:r>
-              <a:rPr lang="en-US" sz="1200" dirty="0"/>
-              <a:t> age in Sonoma) &gt; </a:t>
-            </a:r>
-            <a:r>
-              <a:rPr lang="el-GR" sz="1200" dirty="0"/>
-              <a:t>μ</a:t>
-            </a:r>
-            <a:r>
-              <a:rPr lang="en-US" sz="1200" dirty="0"/>
-              <a:t>(</a:t>
-            </a:r>
-            <a:r>
-              <a:rPr lang="en-US" sz="1200" dirty="0" err="1"/>
-              <a:t>euthanization</a:t>
-            </a:r>
-            <a:r>
-              <a:rPr lang="en-US" sz="1200" dirty="0"/>
-              <a:t> age in Austin)</a:t>
-            </a:r>
-          </a:p>
-          <a:p>
-            <a:r>
-              <a:rPr lang="en-US" sz="1200" dirty="0"/>
-              <a:t>Alpha = 0.5%</a:t>
-            </a:r>
-          </a:p>
-          <a:p>
-            <a:r>
-              <a:rPr lang="en-US" sz="1200" dirty="0"/>
-              <a:t>Bootstrap for mean difference(10000 bootstrap replicates)</a:t>
-            </a:r>
-          </a:p>
-          <a:p>
-            <a:endParaRPr lang="en-US" sz="1200" dirty="0"/>
-          </a:p>
-          <a:p>
-            <a:r>
-              <a:rPr lang="en-US" sz="1200" dirty="0"/>
-              <a:t>p-value = 0.013 therefore, reject null hypothesis and accept alternative hypothesis</a:t>
-            </a:r>
-          </a:p>
-          <a:p>
-            <a:r>
-              <a:rPr lang="en-US" sz="1200" dirty="0"/>
-              <a:t>For some location, owners tend to adopt older aging dogs</a:t>
-            </a:r>
+              <a:rPr lang="en-US" sz="1400" dirty="0"/>
+              <a:t> is breed independent of one another. </a:t>
+            </a:r>
+          </a:p>
+          <a:p>
+            <a:r>
+              <a:rPr lang="en-US" sz="1400" dirty="0"/>
+              <a:t>Median(breed1, </a:t>
+            </a:r>
+            <a:r>
+              <a:rPr lang="en-US" sz="1400" dirty="0" err="1"/>
+              <a:t>euth</a:t>
+            </a:r>
+            <a:r>
+              <a:rPr lang="en-US" sz="1400" dirty="0"/>
+              <a:t>)/Median(breed1, adopt) != Median(breed2, </a:t>
+            </a:r>
+            <a:r>
+              <a:rPr lang="en-US" sz="1400" dirty="0" err="1"/>
+              <a:t>euth</a:t>
+            </a:r>
+            <a:r>
+              <a:rPr lang="en-US" sz="1400" dirty="0"/>
+              <a:t>)/Median(breed2, adopt) </a:t>
+            </a:r>
+          </a:p>
+          <a:p>
+            <a:endParaRPr lang="en-US" sz="1400" dirty="0"/>
           </a:p>
           <a:p>
             <a:endParaRPr lang="en-US" dirty="0"/>
-          </a:p>
-        </p:txBody>
-      </p:sp>
-      <p:sp>
-        <p:nvSpPr>
-          <p:cNvPr id="11" name="TextBox 10">
-            <a:extLst>
-              <a:ext uri="{FF2B5EF4-FFF2-40B4-BE49-F238E27FC236}">
-                <a16:creationId xmlns:a16="http://schemas.microsoft.com/office/drawing/2014/main" id="{DD7A11F4-2D40-4506-8B63-CCCFD5D14A61}"/>
-              </a:ext>
-            </a:extLst>
-          </p:cNvPr>
-          <p:cNvSpPr txBox="1"/>
-          <p:nvPr/>
-        </p:nvSpPr>
-        <p:spPr>
-          <a:xfrm>
-            <a:off x="7670042" y="4263473"/>
-            <a:ext cx="3773553" cy="2123658"/>
-          </a:xfrm>
-          <a:prstGeom prst="rect">
-            <a:avLst/>
-          </a:prstGeom>
-          <a:noFill/>
-        </p:spPr>
-        <p:txBody>
-          <a:bodyPr wrap="square" rtlCol="0">
-            <a:spAutoFit/>
-          </a:bodyPr>
-          <a:lstStyle/>
-          <a:p>
-            <a:r>
-              <a:rPr lang="en-US" sz="1200" dirty="0"/>
-              <a:t>Louisville have the lowest median age of </a:t>
-            </a:r>
-            <a:r>
-              <a:rPr lang="en-US" sz="1200" dirty="0" err="1"/>
-              <a:t>euthanization</a:t>
-            </a:r>
-            <a:r>
-              <a:rPr lang="en-US" sz="1200" dirty="0"/>
-              <a:t> (2.5yo) compared to Austin and Sonoma (3.0yo and 3.1yo respectively) but has the highest mean age of </a:t>
-            </a:r>
-            <a:r>
-              <a:rPr lang="en-US" sz="1200" dirty="0" err="1"/>
-              <a:t>euthanization</a:t>
-            </a:r>
-            <a:r>
-              <a:rPr lang="en-US" sz="1200" dirty="0"/>
-              <a:t>. This means the distribution of animals entering Louisville is slightly more uniform and right skewed whereas Austin and Sonoma is less uniformly distributed.</a:t>
-            </a:r>
-          </a:p>
-          <a:p>
-            <a:endParaRPr lang="en-US" sz="1200" dirty="0"/>
-          </a:p>
-          <a:p>
-            <a:r>
-              <a:rPr lang="en-US" sz="1200" dirty="0"/>
-              <a:t>Median age of </a:t>
-            </a:r>
-            <a:r>
-              <a:rPr lang="en-US" sz="1200" dirty="0" err="1"/>
-              <a:t>euthanization</a:t>
-            </a:r>
-            <a:r>
-              <a:rPr lang="en-US" sz="1200" dirty="0"/>
-              <a:t> of specific breed is location dependent unlike that of adoption rate where the median is similar across all region</a:t>
-            </a:r>
           </a:p>
         </p:txBody>
       </p:sp>
     </p:spTree>
     <p:extLst>
       <p:ext uri="{BB962C8B-B14F-4D97-AF65-F5344CB8AC3E}">
-        <p14:creationId xmlns:p14="http://schemas.microsoft.com/office/powerpoint/2010/main" val="1887240563"/>
+        <p14:creationId xmlns:p14="http://schemas.microsoft.com/office/powerpoint/2010/main" val="3053133573"/>
       </p:ext>
     </p:extLst>
   </p:cSld>
@@ -5056,7 +5149,7 @@
           <p:cNvPr id="2" name="Title 1">
             <a:extLst>
               <a:ext uri="{FF2B5EF4-FFF2-40B4-BE49-F238E27FC236}">
-                <a16:creationId xmlns:a16="http://schemas.microsoft.com/office/drawing/2014/main" id="{7AF4EA37-431C-4F75-B84A-8B889B600F99}"/>
+                <a16:creationId xmlns:a16="http://schemas.microsoft.com/office/drawing/2014/main" id="{707F027B-1B21-4828-BB8B-6D2F0663563A}"/>
               </a:ext>
             </a:extLst>
           </p:cNvPr>
@@ -5074,22 +5167,17 @@
           <a:p>
             <a:r>
               <a:rPr lang="en-US" dirty="0"/>
-              <a:t>Age relationship between Adoption and </a:t>
-            </a:r>
-            <a:r>
-              <a:rPr lang="en-US" dirty="0" err="1"/>
-              <a:t>Euthanization</a:t>
-            </a:r>
-            <a:endParaRPr lang="en-US" dirty="0"/>
+              <a:t>Intake Dogs at Shelters</a:t>
+            </a:r>
           </a:p>
         </p:txBody>
       </p:sp>
       <p:pic>
         <p:nvPicPr>
-          <p:cNvPr id="5" name="Content Placeholder 4" descr="A close up of a map&#10;&#10;Description automatically generated">
-            <a:extLst>
-              <a:ext uri="{FF2B5EF4-FFF2-40B4-BE49-F238E27FC236}">
-                <a16:creationId xmlns:a16="http://schemas.microsoft.com/office/drawing/2014/main" id="{6AF55B2E-4210-4368-9C1E-0B55C9729A6B}"/>
+          <p:cNvPr id="5" name="Content Placeholder 4" descr="A screenshot of a video game&#10;&#10;Description automatically generated">
+            <a:extLst>
+              <a:ext uri="{FF2B5EF4-FFF2-40B4-BE49-F238E27FC236}">
+                <a16:creationId xmlns:a16="http://schemas.microsoft.com/office/drawing/2014/main" id="{829D8683-3601-403C-8B27-5AD3309D7FC8}"/>
               </a:ext>
             </a:extLst>
           </p:cNvPr>
@@ -5114,89 +5202,17 @@
         </p:blipFill>
         <p:spPr>
           <a:xfrm>
-            <a:off x="4262621" y="3983464"/>
-            <a:ext cx="7086600" cy="2305050"/>
+            <a:off x="6096000" y="574145"/>
+            <a:ext cx="5810846" cy="5709709"/>
           </a:xfrm>
         </p:spPr>
       </p:pic>
-      <p:pic>
-        <p:nvPicPr>
-          <p:cNvPr id="7" name="Picture 6" descr="A close up of a map&#10;&#10;Description automatically generated">
-            <a:extLst>
-              <a:ext uri="{FF2B5EF4-FFF2-40B4-BE49-F238E27FC236}">
-                <a16:creationId xmlns:a16="http://schemas.microsoft.com/office/drawing/2014/main" id="{2871582C-F5DE-46C3-8419-6EC5BB615F51}"/>
-              </a:ext>
-            </a:extLst>
-          </p:cNvPr>
-          <p:cNvPicPr>
-            <a:picLocks noChangeAspect="1"/>
-          </p:cNvPicPr>
-          <p:nvPr/>
-        </p:nvPicPr>
-        <p:blipFill>
-          <a:blip r:embed="rId3">
-            <a:extLst>
-              <a:ext uri="{28A0092B-C50C-407E-A947-70E740481C1C}">
-                <a14:useLocalDpi xmlns:a14="http://schemas.microsoft.com/office/drawing/2010/main" val="0"/>
-              </a:ext>
-            </a:extLst>
-          </a:blip>
-          <a:stretch>
-            <a:fillRect/>
-          </a:stretch>
-        </p:blipFill>
-        <p:spPr>
-          <a:xfrm>
-            <a:off x="986754" y="3404256"/>
-            <a:ext cx="2952931" cy="2884258"/>
-          </a:xfrm>
-          <a:prstGeom prst="rect">
-            <a:avLst/>
-          </a:prstGeom>
-        </p:spPr>
-      </p:pic>
-      <p:pic>
-        <p:nvPicPr>
-          <p:cNvPr id="9" name="Picture 8" descr="A screenshot of a cell phone&#10;&#10;Description automatically generated">
-            <a:extLst>
-              <a:ext uri="{FF2B5EF4-FFF2-40B4-BE49-F238E27FC236}">
-                <a16:creationId xmlns:a16="http://schemas.microsoft.com/office/drawing/2014/main" id="{55A63FAC-ADEC-4888-9EF8-2D04E97986D7}"/>
-              </a:ext>
-            </a:extLst>
-          </p:cNvPr>
-          <p:cNvPicPr>
-            <a:picLocks noChangeAspect="1"/>
-          </p:cNvPicPr>
-          <p:nvPr/>
-        </p:nvPicPr>
-        <p:blipFill>
-          <a:blip r:embed="rId4">
-            <a:extLst>
-              <a:ext uri="{28A0092B-C50C-407E-A947-70E740481C1C}">
-                <a14:useLocalDpi xmlns:a14="http://schemas.microsoft.com/office/drawing/2010/main" val="0"/>
-              </a:ext>
-            </a:extLst>
-          </a:blip>
-          <a:stretch>
-            <a:fillRect/>
-          </a:stretch>
-        </p:blipFill>
-        <p:spPr>
-          <a:xfrm>
-            <a:off x="986754" y="1690688"/>
-            <a:ext cx="3410359" cy="1479494"/>
-          </a:xfrm>
-          <a:prstGeom prst="rect">
-            <a:avLst/>
-          </a:prstGeom>
-        </p:spPr>
-      </p:pic>
-      <p:sp>
-        <p:nvSpPr>
-          <p:cNvPr id="10" name="TextBox 9">
-            <a:extLst>
-              <a:ext uri="{FF2B5EF4-FFF2-40B4-BE49-F238E27FC236}">
-                <a16:creationId xmlns:a16="http://schemas.microsoft.com/office/drawing/2014/main" id="{25217330-7B6C-4E65-AD8B-7937B9B97475}"/>
+      <p:sp>
+        <p:nvSpPr>
+          <p:cNvPr id="6" name="TextBox 5">
+            <a:extLst>
+              <a:ext uri="{FF2B5EF4-FFF2-40B4-BE49-F238E27FC236}">
+                <a16:creationId xmlns:a16="http://schemas.microsoft.com/office/drawing/2014/main" id="{95D25777-FBE7-422D-AE93-67E4ECC8B55F}"/>
               </a:ext>
             </a:extLst>
           </p:cNvPr>
@@ -5205,8 +5221,8 @@
         </p:nvSpPr>
         <p:spPr>
           <a:xfrm>
-            <a:off x="5016250" y="1168551"/>
-            <a:ext cx="5718412" cy="3385542"/>
+            <a:off x="838200" y="1510748"/>
+            <a:ext cx="5086222" cy="3970318"/>
           </a:xfrm>
           <a:prstGeom prst="rect">
             <a:avLst/>
@@ -5220,108 +5236,43 @@
           <a:lstStyle/>
           <a:p>
             <a:r>
-              <a:rPr lang="en-US" sz="1400" dirty="0"/>
-              <a:t>Each point is the measurement of median age for each breed.</a:t>
-            </a:r>
-          </a:p>
-          <a:p>
-            <a:endParaRPr lang="en-US" sz="1400" dirty="0"/>
-          </a:p>
-          <a:p>
-            <a:r>
-              <a:rPr lang="en-US" sz="1400" dirty="0"/>
-              <a:t>In Louisville, age has a linearly, statistically significant relationship between median age of </a:t>
-            </a:r>
-            <a:r>
-              <a:rPr lang="en-US" sz="1400" dirty="0" err="1"/>
-              <a:t>euthanization</a:t>
-            </a:r>
-            <a:r>
-              <a:rPr lang="en-US" sz="1400" dirty="0"/>
-              <a:t> and adoption. In other words, </a:t>
-            </a:r>
-            <a:r>
-              <a:rPr lang="en-US" sz="1400" dirty="0" err="1"/>
-              <a:t>euthanization</a:t>
-            </a:r>
-            <a:r>
-              <a:rPr lang="en-US" sz="1400" dirty="0"/>
-              <a:t> age and adoption age are highly dependent in Louisville. Louisville age discriminant</a:t>
-            </a:r>
-          </a:p>
-          <a:p>
-            <a:r>
-              <a:rPr lang="en-US" sz="1400" dirty="0"/>
-              <a:t>Median(breed1, </a:t>
-            </a:r>
-            <a:r>
-              <a:rPr lang="en-US" sz="1400" dirty="0" err="1"/>
-              <a:t>euth</a:t>
-            </a:r>
-            <a:r>
-              <a:rPr lang="en-US" sz="1400" dirty="0"/>
-              <a:t>)/Median(breed1, adopt) = Median(breed2, </a:t>
-            </a:r>
-            <a:r>
-              <a:rPr lang="en-US" sz="1400" dirty="0" err="1"/>
-              <a:t>euth</a:t>
-            </a:r>
-            <a:r>
-              <a:rPr lang="en-US" sz="1400" dirty="0"/>
-              <a:t>)/Median(breed2, adopt) </a:t>
-            </a:r>
-          </a:p>
-          <a:p>
-            <a:endParaRPr lang="en-US" sz="1400" dirty="0"/>
-          </a:p>
-          <a:p>
-            <a:r>
-              <a:rPr lang="en-US" sz="1400" dirty="0"/>
-              <a:t>In other locations, median age of adoption and </a:t>
-            </a:r>
-            <a:r>
-              <a:rPr lang="en-US" sz="1400" dirty="0" err="1"/>
-              <a:t>euthanization</a:t>
-            </a:r>
-            <a:r>
-              <a:rPr lang="en-US" sz="1400" dirty="0"/>
-              <a:t> is breed independent of one another. </a:t>
-            </a:r>
-          </a:p>
-          <a:p>
-            <a:r>
-              <a:rPr lang="en-US" sz="1400" dirty="0"/>
-              <a:t>Median(breed1, </a:t>
-            </a:r>
-            <a:r>
-              <a:rPr lang="en-US" sz="1400" dirty="0" err="1"/>
-              <a:t>euth</a:t>
-            </a:r>
-            <a:r>
-              <a:rPr lang="en-US" sz="1400" dirty="0"/>
-              <a:t>)/Median(breed1, adopt) != Median(breed2, </a:t>
-            </a:r>
-            <a:r>
-              <a:rPr lang="en-US" sz="1400" dirty="0" err="1"/>
-              <a:t>euth</a:t>
-            </a:r>
-            <a:r>
-              <a:rPr lang="en-US" sz="1400" dirty="0"/>
-              <a:t>)/Median(breed2, adopt) </a:t>
-            </a:r>
-          </a:p>
-          <a:p>
-            <a:endParaRPr lang="en-US" sz="1400" dirty="0"/>
+              <a:rPr lang="en-US" dirty="0"/>
+              <a:t>***Only Dallas and Sonoma record this information</a:t>
+            </a:r>
           </a:p>
           <a:p>
             <a:endParaRPr lang="en-US" dirty="0"/>
+          </a:p>
+          <a:p>
+            <a:r>
+              <a:rPr lang="en-US" dirty="0"/>
+              <a:t>The leading factor into dogs in shelter is stray dogs taking up more than 60% of the population. </a:t>
+            </a:r>
+          </a:p>
+          <a:p>
+            <a:endParaRPr lang="en-US" dirty="0"/>
+          </a:p>
+          <a:p>
+            <a:r>
+              <a:rPr lang="en-US" dirty="0"/>
+              <a:t>Second most common is owner surrender, however, in Sonoma it only counts for about 10% nearly tie with confiscation.</a:t>
+            </a:r>
+          </a:p>
+          <a:p>
+            <a:endParaRPr lang="en-US" dirty="0"/>
+          </a:p>
+          <a:p>
+            <a:r>
+              <a:rPr lang="en-US" dirty="0"/>
+              <a:t>Owner surrender tends either be euthanized or adopted at 40% and 35% in Sonoma respectively and 25% and 20% in Dallas respectively compared to less than 30% and 10%  intake in Dallas and Sonoma respectively</a:t>
+            </a:r>
           </a:p>
         </p:txBody>
       </p:sp>
     </p:spTree>
     <p:extLst>
       <p:ext uri="{BB962C8B-B14F-4D97-AF65-F5344CB8AC3E}">
-        <p14:creationId xmlns:p14="http://schemas.microsoft.com/office/powerpoint/2010/main" val="3053133573"/>
+        <p14:creationId xmlns:p14="http://schemas.microsoft.com/office/powerpoint/2010/main" val="2607992789"/>
       </p:ext>
     </p:extLst>
   </p:cSld>
@@ -5353,7 +5304,7 @@
           <p:cNvPr id="2" name="Title 1">
             <a:extLst>
               <a:ext uri="{FF2B5EF4-FFF2-40B4-BE49-F238E27FC236}">
-                <a16:creationId xmlns:a16="http://schemas.microsoft.com/office/drawing/2014/main" id="{707F027B-1B21-4828-BB8B-6D2F0663563A}"/>
+                <a16:creationId xmlns:a16="http://schemas.microsoft.com/office/drawing/2014/main" id="{46CFA21B-245F-4BBC-B064-E27E99B59B58}"/>
               </a:ext>
             </a:extLst>
           </p:cNvPr>
@@ -5371,17 +5322,127 @@
           <a:p>
             <a:r>
               <a:rPr lang="en-US" dirty="0"/>
-              <a:t>Intake Dogs at Shelters</a:t>
-            </a:r>
+              <a:t>Dog Health </a:t>
+            </a:r>
+            <a:br>
+              <a:rPr lang="en-US" dirty="0"/>
+            </a:br>
+            <a:r>
+              <a:rPr lang="en-US" dirty="0"/>
+              <a:t>and Outcome</a:t>
+            </a:r>
+          </a:p>
+        </p:txBody>
+      </p:sp>
+      <p:sp>
+        <p:nvSpPr>
+          <p:cNvPr id="7" name="TextBox 6">
+            <a:extLst>
+              <a:ext uri="{FF2B5EF4-FFF2-40B4-BE49-F238E27FC236}">
+                <a16:creationId xmlns:a16="http://schemas.microsoft.com/office/drawing/2014/main" id="{A8CF38E3-8066-47A8-A2E1-214AA0CC327E}"/>
+              </a:ext>
+            </a:extLst>
+          </p:cNvPr>
+          <p:cNvSpPr txBox="1"/>
+          <p:nvPr/>
+        </p:nvSpPr>
+        <p:spPr>
+          <a:xfrm>
+            <a:off x="838200" y="1690688"/>
+            <a:ext cx="4579961" cy="4616648"/>
+          </a:xfrm>
+          <a:prstGeom prst="rect">
+            <a:avLst/>
+          </a:prstGeom>
+          <a:noFill/>
+        </p:spPr>
+        <p:txBody>
+          <a:bodyPr wrap="square" rtlCol="0">
+            <a:spAutoFit/>
+          </a:bodyPr>
+          <a:lstStyle/>
+          <a:p>
+            <a:r>
+              <a:rPr lang="en-US" sz="1400" dirty="0"/>
+              <a:t>-80%% of dogs in Dallas is unhealthy but a little less than 80% is treatable </a:t>
+            </a:r>
+          </a:p>
+          <a:p>
+            <a:endParaRPr lang="en-US" sz="1400" dirty="0"/>
+          </a:p>
+          <a:p>
+            <a:r>
+              <a:rPr lang="en-US" sz="1400" dirty="0"/>
+              <a:t>- Almost all of the dogs in Louisville is healthy, and therefore almost all of the dogs in any outcome are disproportionally healthy</a:t>
+            </a:r>
+          </a:p>
+          <a:p>
+            <a:endParaRPr lang="en-US" sz="1400" dirty="0"/>
+          </a:p>
+          <a:p>
+            <a:r>
+              <a:rPr lang="en-US" sz="1400" dirty="0"/>
+              <a:t>-In </a:t>
+            </a:r>
+            <a:r>
+              <a:rPr lang="en-US" sz="1400" dirty="0" err="1"/>
+              <a:t>Somona</a:t>
+            </a:r>
+            <a:r>
+              <a:rPr lang="en-US" sz="1400" dirty="0"/>
+              <a:t> the proportions are completely different with almost 80% of healthy dogs.</a:t>
+            </a:r>
+          </a:p>
+          <a:p>
+            <a:endParaRPr lang="en-US" sz="1400" dirty="0"/>
+          </a:p>
+          <a:p>
+            <a:r>
+              <a:rPr lang="en-US" sz="1400" dirty="0"/>
+              <a:t>-In all locations, untreatable sickness likely leads to </a:t>
+            </a:r>
+            <a:r>
+              <a:rPr lang="en-US" sz="1400" dirty="0" err="1"/>
+              <a:t>euthanization</a:t>
+            </a:r>
+            <a:r>
+              <a:rPr lang="en-US" sz="1400" dirty="0"/>
+              <a:t> negligible adoption and transfer frequency.</a:t>
+            </a:r>
+          </a:p>
+          <a:p>
+            <a:pPr marL="285750" indent="-285750">
+              <a:buFontTx/>
+              <a:buChar char="-"/>
+            </a:pPr>
+            <a:endParaRPr lang="en-US" sz="1400" dirty="0"/>
+          </a:p>
+          <a:p>
+            <a:r>
+              <a:rPr lang="en-US" sz="1400" dirty="0"/>
+              <a:t>- In Dallas a negligible percentage of healthy dogs are euthanized whereas in Sonoma, 1 in 6 healthy dogs are euthanized.</a:t>
+            </a:r>
+          </a:p>
+          <a:p>
+            <a:endParaRPr lang="en-US" sz="1400" dirty="0"/>
+          </a:p>
+          <a:p>
+            <a:r>
+              <a:rPr lang="en-US" sz="1400" dirty="0"/>
+              <a:t>- Over 85% of people seeking for adoption at Dallas takes in a dog with treatable condition and roughly the same percentage was taken in as healthy</a:t>
+            </a:r>
+          </a:p>
+          <a:p>
+            <a:endParaRPr lang="en-US" sz="1400" dirty="0"/>
           </a:p>
         </p:txBody>
       </p:sp>
       <p:pic>
         <p:nvPicPr>
-          <p:cNvPr id="5" name="Content Placeholder 4" descr="A screenshot of a video game&#10;&#10;Description automatically generated">
-            <a:extLst>
-              <a:ext uri="{FF2B5EF4-FFF2-40B4-BE49-F238E27FC236}">
-                <a16:creationId xmlns:a16="http://schemas.microsoft.com/office/drawing/2014/main" id="{829D8683-3601-403C-8B27-5AD3309D7FC8}"/>
+          <p:cNvPr id="15" name="Content Placeholder 14">
+            <a:extLst>
+              <a:ext uri="{FF2B5EF4-FFF2-40B4-BE49-F238E27FC236}">
+                <a16:creationId xmlns:a16="http://schemas.microsoft.com/office/drawing/2014/main" id="{0799D5A3-563A-4165-AA99-6C9B9D32FF3F}"/>
               </a:ext>
             </a:extLst>
           </p:cNvPr>
@@ -5406,77 +5467,15 @@
         </p:blipFill>
         <p:spPr>
           <a:xfrm>
-            <a:off x="6096000" y="574145"/>
-            <a:ext cx="5810846" cy="5709709"/>
+            <a:off x="5695571" y="730344"/>
+            <a:ext cx="5781059" cy="5762531"/>
           </a:xfrm>
         </p:spPr>
       </p:pic>
-      <p:sp>
-        <p:nvSpPr>
-          <p:cNvPr id="6" name="TextBox 5">
-            <a:extLst>
-              <a:ext uri="{FF2B5EF4-FFF2-40B4-BE49-F238E27FC236}">
-                <a16:creationId xmlns:a16="http://schemas.microsoft.com/office/drawing/2014/main" id="{95D25777-FBE7-422D-AE93-67E4ECC8B55F}"/>
-              </a:ext>
-            </a:extLst>
-          </p:cNvPr>
-          <p:cNvSpPr txBox="1"/>
-          <p:nvPr/>
-        </p:nvSpPr>
-        <p:spPr>
-          <a:xfrm>
-            <a:off x="838200" y="1510748"/>
-            <a:ext cx="5086222" cy="3970318"/>
-          </a:xfrm>
-          <a:prstGeom prst="rect">
-            <a:avLst/>
-          </a:prstGeom>
-          <a:noFill/>
-        </p:spPr>
-        <p:txBody>
-          <a:bodyPr wrap="square" rtlCol="0">
-            <a:spAutoFit/>
-          </a:bodyPr>
-          <a:lstStyle/>
-          <a:p>
-            <a:r>
-              <a:rPr lang="en-US" dirty="0"/>
-              <a:t>***Only Dallas and Sonoma record this information</a:t>
-            </a:r>
-          </a:p>
-          <a:p>
-            <a:endParaRPr lang="en-US" dirty="0"/>
-          </a:p>
-          <a:p>
-            <a:r>
-              <a:rPr lang="en-US" dirty="0"/>
-              <a:t>The leading factor into dogs in shelter is stray dogs taking up more than 60% of the population. </a:t>
-            </a:r>
-          </a:p>
-          <a:p>
-            <a:endParaRPr lang="en-US" dirty="0"/>
-          </a:p>
-          <a:p>
-            <a:r>
-              <a:rPr lang="en-US" dirty="0"/>
-              <a:t>Second most common is owner surrender, however, in Sonoma it only counts for about 10% nearly tie with confiscation.</a:t>
-            </a:r>
-          </a:p>
-          <a:p>
-            <a:endParaRPr lang="en-US" dirty="0"/>
-          </a:p>
-          <a:p>
-            <a:r>
-              <a:rPr lang="en-US" dirty="0"/>
-              <a:t>Owner surrender tends either be euthanized or adopted at 40% and 35% in Sonoma respectively and 25% and 20% in Dallas respectively compared to less than 30% and 10%  intake in Dallas and Sonoma respectively</a:t>
-            </a:r>
-          </a:p>
-        </p:txBody>
-      </p:sp>
     </p:spTree>
     <p:extLst>
       <p:ext uri="{BB962C8B-B14F-4D97-AF65-F5344CB8AC3E}">
-        <p14:creationId xmlns:p14="http://schemas.microsoft.com/office/powerpoint/2010/main" val="2607992789"/>
+        <p14:creationId xmlns:p14="http://schemas.microsoft.com/office/powerpoint/2010/main" val="2524194454"/>
       </p:ext>
     </p:extLst>
   </p:cSld>
@@ -5508,7 +5507,7 @@
           <p:cNvPr id="2" name="Title 1">
             <a:extLst>
               <a:ext uri="{FF2B5EF4-FFF2-40B4-BE49-F238E27FC236}">
-                <a16:creationId xmlns:a16="http://schemas.microsoft.com/office/drawing/2014/main" id="{46CFA21B-245F-4BBC-B064-E27E99B59B58}"/>
+                <a16:creationId xmlns:a16="http://schemas.microsoft.com/office/drawing/2014/main" id="{C261107C-6736-491F-AC7D-947E4844A1CB}"/>
               </a:ext>
             </a:extLst>
           </p:cNvPr>
@@ -5526,24 +5525,17 @@
           <a:p>
             <a:r>
               <a:rPr lang="en-US" dirty="0"/>
-              <a:t>Dog Health </a:t>
-            </a:r>
-            <a:br>
-              <a:rPr lang="en-US" dirty="0"/>
-            </a:br>
-            <a:r>
-              <a:rPr lang="en-US" dirty="0"/>
-              <a:t>and Outcome</a:t>
-            </a:r>
-          </a:p>
-        </p:txBody>
-      </p:sp>
-      <p:sp>
-        <p:nvSpPr>
-          <p:cNvPr id="7" name="TextBox 6">
-            <a:extLst>
-              <a:ext uri="{FF2B5EF4-FFF2-40B4-BE49-F238E27FC236}">
-                <a16:creationId xmlns:a16="http://schemas.microsoft.com/office/drawing/2014/main" id="{A8CF38E3-8066-47A8-A2E1-214AA0CC327E}"/>
+              <a:t>Time Series</a:t>
+            </a:r>
+          </a:p>
+        </p:txBody>
+      </p:sp>
+      <p:sp>
+        <p:nvSpPr>
+          <p:cNvPr id="8" name="TextBox 7">
+            <a:extLst>
+              <a:ext uri="{FF2B5EF4-FFF2-40B4-BE49-F238E27FC236}">
+                <a16:creationId xmlns:a16="http://schemas.microsoft.com/office/drawing/2014/main" id="{9774D2A0-1E3D-4451-8940-246F96DC60FC}"/>
               </a:ext>
             </a:extLst>
           </p:cNvPr>
@@ -5552,8 +5544,8 @@
         </p:nvSpPr>
         <p:spPr>
           <a:xfrm>
-            <a:off x="838200" y="1690688"/>
-            <a:ext cx="4579961" cy="4616648"/>
+            <a:off x="3802311" y="5567910"/>
+            <a:ext cx="4127037" cy="738664"/>
           </a:xfrm>
           <a:prstGeom prst="rect">
             <a:avLst/>
@@ -5568,94 +5560,124 @@
           <a:p>
             <a:r>
               <a:rPr lang="en-US" sz="1400" dirty="0"/>
-              <a:t>-80%% of dogs in Dallas is unhealthy but a little less than 80% is treatable </a:t>
-            </a:r>
-          </a:p>
-          <a:p>
-            <a:endParaRPr lang="en-US" sz="1400" dirty="0"/>
-          </a:p>
+              <a:t>-dramatic inconsistency for the first and last year of the data collected, likely a result of data collection break in the middle of the year</a:t>
+            </a:r>
+          </a:p>
+        </p:txBody>
+      </p:sp>
+      <p:sp>
+        <p:nvSpPr>
+          <p:cNvPr id="9" name="TextBox 8">
+            <a:extLst>
+              <a:ext uri="{FF2B5EF4-FFF2-40B4-BE49-F238E27FC236}">
+                <a16:creationId xmlns:a16="http://schemas.microsoft.com/office/drawing/2014/main" id="{BEBDBB6F-C3EF-491A-8041-1109F31CFE60}"/>
+              </a:ext>
+            </a:extLst>
+          </p:cNvPr>
+          <p:cNvSpPr txBox="1"/>
+          <p:nvPr/>
+        </p:nvSpPr>
+        <p:spPr>
+          <a:xfrm>
+            <a:off x="8188657" y="5567910"/>
+            <a:ext cx="3692713" cy="954107"/>
+          </a:xfrm>
+          <a:prstGeom prst="rect">
+            <a:avLst/>
+          </a:prstGeom>
+          <a:noFill/>
+        </p:spPr>
+        <p:txBody>
+          <a:bodyPr wrap="square" rtlCol="0">
+            <a:spAutoFit/>
+          </a:bodyPr>
+          <a:lstStyle/>
           <a:p>
             <a:r>
               <a:rPr lang="en-US" sz="1400" dirty="0"/>
-              <a:t>- Almost all of the dogs in Louisville is healthy, and therefore almost all of the dogs in any outcome are disproportionally healthy</a:t>
-            </a:r>
-          </a:p>
-          <a:p>
-            <a:endParaRPr lang="en-US" sz="1400" dirty="0"/>
+              <a:t>Can see that for some location, data towards the end deviates substantially</a:t>
+            </a:r>
           </a:p>
           <a:p>
             <a:r>
               <a:rPr lang="en-US" sz="1400" dirty="0"/>
-              <a:t>-In </a:t>
-            </a:r>
-            <a:r>
-              <a:rPr lang="en-US" sz="1400" dirty="0" err="1"/>
-              <a:t>Somona</a:t>
-            </a:r>
-            <a:r>
-              <a:rPr lang="en-US" sz="1400" dirty="0"/>
-              <a:t> the proportions are completely different with almost 80% of healthy dogs.</a:t>
-            </a:r>
-          </a:p>
-          <a:p>
-            <a:endParaRPr lang="en-US" sz="1400" dirty="0"/>
-          </a:p>
-          <a:p>
-            <a:r>
-              <a:rPr lang="en-US" sz="1400" dirty="0"/>
-              <a:t>-In all locations, untreatable sickness likely leads to </a:t>
-            </a:r>
-            <a:r>
-              <a:rPr lang="en-US" sz="1400" dirty="0" err="1"/>
-              <a:t>euthanization</a:t>
-            </a:r>
-            <a:r>
-              <a:rPr lang="en-US" sz="1400" dirty="0"/>
-              <a:t> negligible adoption and transfer frequency.</a:t>
-            </a:r>
-          </a:p>
-          <a:p>
-            <a:pPr marL="285750" indent="-285750">
-              <a:buFontTx/>
-              <a:buChar char="-"/>
-            </a:pPr>
-            <a:endParaRPr lang="en-US" sz="1400" dirty="0"/>
-          </a:p>
-          <a:p>
-            <a:r>
-              <a:rPr lang="en-US" sz="1400" dirty="0"/>
-              <a:t>- In Dallas a negligible percentage of healthy dogs are euthanized whereas in Sonoma, 1 in 6 healthy dogs are euthanized.</a:t>
-            </a:r>
-          </a:p>
-          <a:p>
-            <a:endParaRPr lang="en-US" sz="1400" dirty="0"/>
-          </a:p>
-          <a:p>
-            <a:r>
-              <a:rPr lang="en-US" sz="1400" dirty="0"/>
-              <a:t>- Over 85% of people seeking for adoption at Dallas takes in a dog with treatable condition and roughly the same percentage was taken in as healthy</a:t>
-            </a:r>
-          </a:p>
-          <a:p>
-            <a:endParaRPr lang="en-US" sz="1400" dirty="0"/>
+              <a:t>Also for Austin, data stops at September. These accounts for the inconsistency of year graph</a:t>
+            </a:r>
+          </a:p>
+        </p:txBody>
+      </p:sp>
+      <p:sp>
+        <p:nvSpPr>
+          <p:cNvPr id="10" name="TextBox 9">
+            <a:extLst>
+              <a:ext uri="{FF2B5EF4-FFF2-40B4-BE49-F238E27FC236}">
+                <a16:creationId xmlns:a16="http://schemas.microsoft.com/office/drawing/2014/main" id="{40D55C1F-52B7-44E5-AFE7-EF211C3426CD}"/>
+              </a:ext>
+            </a:extLst>
+          </p:cNvPr>
+          <p:cNvSpPr txBox="1"/>
+          <p:nvPr/>
+        </p:nvSpPr>
+        <p:spPr>
+          <a:xfrm>
+            <a:off x="696308" y="1690688"/>
+            <a:ext cx="3106003" cy="3693319"/>
+          </a:xfrm>
+          <a:prstGeom prst="rect">
+            <a:avLst/>
+          </a:prstGeom>
+          <a:noFill/>
+        </p:spPr>
+        <p:txBody>
+          <a:bodyPr wrap="square" rtlCol="0">
+            <a:spAutoFit/>
+          </a:bodyPr>
+          <a:lstStyle/>
+          <a:p>
+            <a:r>
+              <a:rPr lang="en-US" dirty="0"/>
+              <a:t>- Limited data from Dallas, Austin and Sonoma</a:t>
+            </a:r>
+          </a:p>
+          <a:p>
+            <a:endParaRPr lang="en-US" dirty="0"/>
+          </a:p>
+          <a:p>
+            <a:r>
+              <a:rPr lang="en-US" dirty="0"/>
+              <a:t>-For the most parts shelters have consistent outcome rates</a:t>
+            </a:r>
+          </a:p>
+          <a:p>
+            <a:endParaRPr lang="en-US" dirty="0"/>
+          </a:p>
+          <a:p>
+            <a:r>
+              <a:rPr lang="en-US" dirty="0"/>
+              <a:t> - Spikes and trough of outcome frequency occur roughly periodically in Austin, in other words, season by affect outcome rates</a:t>
+            </a:r>
+          </a:p>
+          <a:p>
+            <a:endParaRPr lang="en-US" dirty="0"/>
+          </a:p>
+          <a:p>
+            <a:endParaRPr lang="en-US" dirty="0"/>
           </a:p>
         </p:txBody>
       </p:sp>
       <p:pic>
         <p:nvPicPr>
-          <p:cNvPr id="15" name="Content Placeholder 14">
-            <a:extLst>
-              <a:ext uri="{FF2B5EF4-FFF2-40B4-BE49-F238E27FC236}">
-                <a16:creationId xmlns:a16="http://schemas.microsoft.com/office/drawing/2014/main" id="{0799D5A3-563A-4165-AA99-6C9B9D32FF3F}"/>
+          <p:cNvPr id="12" name="Picture 11" descr="A close up of text on a white background&#10;&#10;Description automatically generated">
+            <a:extLst>
+              <a:ext uri="{FF2B5EF4-FFF2-40B4-BE49-F238E27FC236}">
+                <a16:creationId xmlns:a16="http://schemas.microsoft.com/office/drawing/2014/main" id="{423977F6-1A88-4415-8669-28A7DA7696FC}"/>
               </a:ext>
             </a:extLst>
           </p:cNvPr>
           <p:cNvPicPr>
-            <a:picLocks noGrp="1" noChangeAspect="1"/>
+            <a:picLocks noChangeAspect="1"/>
           </p:cNvPicPr>
-          <p:nvPr>
-            <p:ph idx="1"/>
-          </p:nvPr>
+          <p:nvPr/>
         </p:nvPicPr>
         <p:blipFill>
           <a:blip r:embed="rId2">
@@ -5671,15 +5693,53 @@
         </p:blipFill>
         <p:spPr>
           <a:xfrm>
-            <a:off x="5695571" y="730344"/>
-            <a:ext cx="5781059" cy="5762531"/>
+            <a:off x="8035375" y="1404256"/>
+            <a:ext cx="3876518" cy="4049486"/>
+          </a:xfrm>
+          <a:prstGeom prst="rect">
+            <a:avLst/>
+          </a:prstGeom>
+        </p:spPr>
+      </p:pic>
+      <p:pic>
+        <p:nvPicPr>
+          <p:cNvPr id="16" name="Content Placeholder 15" descr="A close up of a map&#10;&#10;Description automatically generated">
+            <a:extLst>
+              <a:ext uri="{FF2B5EF4-FFF2-40B4-BE49-F238E27FC236}">
+                <a16:creationId xmlns:a16="http://schemas.microsoft.com/office/drawing/2014/main" id="{406526A5-5F44-4477-B91D-57F29ECB7EA3}"/>
+              </a:ext>
+            </a:extLst>
+          </p:cNvPr>
+          <p:cNvPicPr>
+            <a:picLocks noGrp="1" noChangeAspect="1"/>
+          </p:cNvPicPr>
+          <p:nvPr>
+            <p:ph idx="1"/>
+          </p:nvPr>
+        </p:nvPicPr>
+        <p:blipFill>
+          <a:blip r:embed="rId3">
+            <a:extLst>
+              <a:ext uri="{28A0092B-C50C-407E-A947-70E740481C1C}">
+                <a14:useLocalDpi xmlns:a14="http://schemas.microsoft.com/office/drawing/2010/main" val="0"/>
+              </a:ext>
+            </a:extLst>
+          </a:blip>
+          <a:stretch>
+            <a:fillRect/>
+          </a:stretch>
+        </p:blipFill>
+        <p:spPr>
+          <a:xfrm>
+            <a:off x="3826041" y="1404256"/>
+            <a:ext cx="4209334" cy="4049486"/>
           </a:xfrm>
         </p:spPr>
       </p:pic>
     </p:spTree>
     <p:extLst>
       <p:ext uri="{BB962C8B-B14F-4D97-AF65-F5344CB8AC3E}">
-        <p14:creationId xmlns:p14="http://schemas.microsoft.com/office/powerpoint/2010/main" val="2524194454"/>
+        <p14:creationId xmlns:p14="http://schemas.microsoft.com/office/powerpoint/2010/main" val="4067968578"/>
       </p:ext>
     </p:extLst>
   </p:cSld>
@@ -5711,7 +5771,7 @@
           <p:cNvPr id="2" name="Title 1">
             <a:extLst>
               <a:ext uri="{FF2B5EF4-FFF2-40B4-BE49-F238E27FC236}">
-                <a16:creationId xmlns:a16="http://schemas.microsoft.com/office/drawing/2014/main" id="{C261107C-6736-491F-AC7D-947E4844A1CB}"/>
+                <a16:creationId xmlns:a16="http://schemas.microsoft.com/office/drawing/2014/main" id="{5C10AC75-BB14-46C2-875F-6955CD75A032}"/>
               </a:ext>
             </a:extLst>
           </p:cNvPr>
@@ -5729,159 +5789,26 @@
           <a:p>
             <a:r>
               <a:rPr lang="en-US" dirty="0"/>
-              <a:t>Time Series</a:t>
-            </a:r>
-          </a:p>
-        </p:txBody>
-      </p:sp>
-      <p:sp>
-        <p:nvSpPr>
-          <p:cNvPr id="8" name="TextBox 7">
-            <a:extLst>
-              <a:ext uri="{FF2B5EF4-FFF2-40B4-BE49-F238E27FC236}">
-                <a16:creationId xmlns:a16="http://schemas.microsoft.com/office/drawing/2014/main" id="{9774D2A0-1E3D-4451-8940-246F96DC60FC}"/>
-              </a:ext>
-            </a:extLst>
-          </p:cNvPr>
-          <p:cNvSpPr txBox="1"/>
-          <p:nvPr/>
-        </p:nvSpPr>
-        <p:spPr>
-          <a:xfrm>
-            <a:off x="3802311" y="5567910"/>
-            <a:ext cx="4127037" cy="738664"/>
-          </a:xfrm>
-          <a:prstGeom prst="rect">
-            <a:avLst/>
-          </a:prstGeom>
-          <a:noFill/>
-        </p:spPr>
-        <p:txBody>
-          <a:bodyPr wrap="square" rtlCol="0">
-            <a:spAutoFit/>
-          </a:bodyPr>
-          <a:lstStyle/>
-          <a:p>
-            <a:r>
-              <a:rPr lang="en-US" sz="1400" dirty="0"/>
-              <a:t>-dramatic inconsistency for the first and last year of the data collected, likely a result of data collection break in the middle of the year</a:t>
-            </a:r>
-          </a:p>
-        </p:txBody>
-      </p:sp>
-      <p:sp>
-        <p:nvSpPr>
-          <p:cNvPr id="9" name="TextBox 8">
-            <a:extLst>
-              <a:ext uri="{FF2B5EF4-FFF2-40B4-BE49-F238E27FC236}">
-                <a16:creationId xmlns:a16="http://schemas.microsoft.com/office/drawing/2014/main" id="{BEBDBB6F-C3EF-491A-8041-1109F31CFE60}"/>
-              </a:ext>
-            </a:extLst>
-          </p:cNvPr>
-          <p:cNvSpPr txBox="1"/>
-          <p:nvPr/>
-        </p:nvSpPr>
-        <p:spPr>
-          <a:xfrm>
-            <a:off x="8188657" y="5567910"/>
-            <a:ext cx="3692713" cy="954107"/>
-          </a:xfrm>
-          <a:prstGeom prst="rect">
-            <a:avLst/>
-          </a:prstGeom>
-          <a:noFill/>
-        </p:spPr>
-        <p:txBody>
-          <a:bodyPr wrap="square" rtlCol="0">
-            <a:spAutoFit/>
-          </a:bodyPr>
-          <a:lstStyle/>
-          <a:p>
-            <a:r>
-              <a:rPr lang="en-US" sz="1400" dirty="0"/>
-              <a:t>Can see that for some location, data towards the end deviates substantially</a:t>
-            </a:r>
-          </a:p>
-          <a:p>
-            <a:r>
-              <a:rPr lang="en-US" sz="1400" dirty="0"/>
-              <a:t>Also for Austin, data stops at September. These accounts for the inconsistency of year graph</a:t>
-            </a:r>
-          </a:p>
-        </p:txBody>
-      </p:sp>
-      <p:sp>
-        <p:nvSpPr>
-          <p:cNvPr id="10" name="TextBox 9">
-            <a:extLst>
-              <a:ext uri="{FF2B5EF4-FFF2-40B4-BE49-F238E27FC236}">
-                <a16:creationId xmlns:a16="http://schemas.microsoft.com/office/drawing/2014/main" id="{40D55C1F-52B7-44E5-AFE7-EF211C3426CD}"/>
-              </a:ext>
-            </a:extLst>
-          </p:cNvPr>
-          <p:cNvSpPr txBox="1"/>
-          <p:nvPr/>
-        </p:nvSpPr>
-        <p:spPr>
-          <a:xfrm>
-            <a:off x="696308" y="1690688"/>
-            <a:ext cx="3106003" cy="3693319"/>
-          </a:xfrm>
-          <a:prstGeom prst="rect">
-            <a:avLst/>
-          </a:prstGeom>
-          <a:noFill/>
-        </p:spPr>
-        <p:txBody>
-          <a:bodyPr wrap="square" rtlCol="0">
-            <a:spAutoFit/>
-          </a:bodyPr>
-          <a:lstStyle/>
-          <a:p>
-            <a:r>
-              <a:rPr lang="en-US" dirty="0"/>
-              <a:t>- Limited data from Dallas, Austin and Sonoma</a:t>
-            </a:r>
-          </a:p>
-          <a:p>
-            <a:endParaRPr lang="en-US" dirty="0"/>
-          </a:p>
-          <a:p>
-            <a:r>
-              <a:rPr lang="en-US" dirty="0"/>
-              <a:t>-For the most parts shelters have consistent outcome rates</a:t>
-            </a:r>
-          </a:p>
-          <a:p>
-            <a:endParaRPr lang="en-US" dirty="0"/>
-          </a:p>
-          <a:p>
-            <a:r>
-              <a:rPr lang="en-US" dirty="0"/>
-              <a:t> - Spikes and trough of outcome frequency occur roughly periodically in Austin, in other words, season by affect outcome rates</a:t>
-            </a:r>
-          </a:p>
-          <a:p>
-            <a:endParaRPr lang="en-US" dirty="0"/>
-          </a:p>
-          <a:p>
-            <a:endParaRPr lang="en-US" dirty="0"/>
+              <a:t>Outcome by Month</a:t>
+            </a:r>
           </a:p>
         </p:txBody>
       </p:sp>
       <p:pic>
         <p:nvPicPr>
-          <p:cNvPr id="12" name="Picture 11" descr="A close up of text on a white background&#10;&#10;Description automatically generated">
-            <a:extLst>
-              <a:ext uri="{FF2B5EF4-FFF2-40B4-BE49-F238E27FC236}">
-                <a16:creationId xmlns:a16="http://schemas.microsoft.com/office/drawing/2014/main" id="{423977F6-1A88-4415-8669-28A7DA7696FC}"/>
+          <p:cNvPr id="5" name="Content Placeholder 4" descr="A close up of a map&#10;&#10;Description automatically generated">
+            <a:extLst>
+              <a:ext uri="{FF2B5EF4-FFF2-40B4-BE49-F238E27FC236}">
+                <a16:creationId xmlns:a16="http://schemas.microsoft.com/office/drawing/2014/main" id="{F9653C2C-0FB1-495C-8AF7-DE92451BC41B}"/>
               </a:ext>
             </a:extLst>
           </p:cNvPr>
           <p:cNvPicPr>
-            <a:picLocks noChangeAspect="1"/>
+            <a:picLocks noGrp="1" noChangeAspect="1"/>
           </p:cNvPicPr>
-          <p:nvPr/>
+          <p:nvPr>
+            <p:ph idx="1"/>
+          </p:nvPr>
         </p:nvPicPr>
         <p:blipFill>
           <a:blip r:embed="rId2">
@@ -5897,53 +5824,90 @@
         </p:blipFill>
         <p:spPr>
           <a:xfrm>
-            <a:off x="8035375" y="1404256"/>
-            <a:ext cx="3876518" cy="4049486"/>
+            <a:off x="6381722" y="1027906"/>
+            <a:ext cx="4972078" cy="5236416"/>
+          </a:xfrm>
+        </p:spPr>
+      </p:pic>
+      <p:sp>
+        <p:nvSpPr>
+          <p:cNvPr id="6" name="TextBox 5">
+            <a:extLst>
+              <a:ext uri="{FF2B5EF4-FFF2-40B4-BE49-F238E27FC236}">
+                <a16:creationId xmlns:a16="http://schemas.microsoft.com/office/drawing/2014/main" id="{B1F7F23F-B524-4381-9B52-12DD38958268}"/>
+              </a:ext>
+            </a:extLst>
+          </p:cNvPr>
+          <p:cNvSpPr txBox="1"/>
+          <p:nvPr/>
+        </p:nvSpPr>
+        <p:spPr>
+          <a:xfrm>
+            <a:off x="941695" y="1690688"/>
+            <a:ext cx="4972079" cy="4247317"/>
           </a:xfrm>
           <a:prstGeom prst="rect">
             <a:avLst/>
           </a:prstGeom>
-        </p:spPr>
-      </p:pic>
-      <p:pic>
-        <p:nvPicPr>
-          <p:cNvPr id="16" name="Content Placeholder 15" descr="A close up of a map&#10;&#10;Description automatically generated">
-            <a:extLst>
-              <a:ext uri="{FF2B5EF4-FFF2-40B4-BE49-F238E27FC236}">
-                <a16:creationId xmlns:a16="http://schemas.microsoft.com/office/drawing/2014/main" id="{406526A5-5F44-4477-B91D-57F29ECB7EA3}"/>
-              </a:ext>
-            </a:extLst>
-          </p:cNvPr>
-          <p:cNvPicPr>
-            <a:picLocks noGrp="1" noChangeAspect="1"/>
-          </p:cNvPicPr>
-          <p:nvPr>
-            <p:ph idx="1"/>
-          </p:nvPr>
-        </p:nvPicPr>
-        <p:blipFill>
-          <a:blip r:embed="rId3">
-            <a:extLst>
-              <a:ext uri="{28A0092B-C50C-407E-A947-70E740481C1C}">
-                <a14:useLocalDpi xmlns:a14="http://schemas.microsoft.com/office/drawing/2010/main" val="0"/>
-              </a:ext>
-            </a:extLst>
-          </a:blip>
-          <a:stretch>
-            <a:fillRect/>
-          </a:stretch>
-        </p:blipFill>
-        <p:spPr>
-          <a:xfrm>
-            <a:off x="3826041" y="1404256"/>
-            <a:ext cx="4209334" cy="4049486"/>
-          </a:xfrm>
-        </p:spPr>
-      </p:pic>
+          <a:noFill/>
+        </p:spPr>
+        <p:txBody>
+          <a:bodyPr wrap="square" rtlCol="0">
+            <a:spAutoFit/>
+          </a:bodyPr>
+          <a:lstStyle/>
+          <a:p>
+            <a:r>
+              <a:rPr lang="en-US" dirty="0"/>
+              <a:t>Sharp decline in outcome in October/November period. For Dallas, a peak in June to the tough in October experienced a decline of over 40%. </a:t>
+            </a:r>
+          </a:p>
+          <a:p>
+            <a:endParaRPr lang="en-US" dirty="0"/>
+          </a:p>
+          <a:p>
+            <a:r>
+              <a:rPr lang="en-US" dirty="0"/>
+              <a:t>- In all location, peak outcome rate surpass 9%.</a:t>
+            </a:r>
+          </a:p>
+          <a:p>
+            <a:endParaRPr lang="en-US" dirty="0"/>
+          </a:p>
+          <a:p>
+            <a:r>
+              <a:rPr lang="en-US" dirty="0"/>
+              <a:t>- Peak outcome rate is typically around summer for most location </a:t>
+            </a:r>
+          </a:p>
+          <a:p>
+            <a:pPr marL="285750" indent="-285750">
+              <a:buFontTx/>
+              <a:buChar char="-"/>
+            </a:pPr>
+            <a:endParaRPr lang="en-US" dirty="0"/>
+          </a:p>
+          <a:p>
+            <a:r>
+              <a:rPr lang="en-US" dirty="0"/>
+              <a:t>- Outcome rate early into the year is also a typical weak</a:t>
+            </a:r>
+          </a:p>
+          <a:p>
+            <a:endParaRPr lang="en-US" dirty="0"/>
+          </a:p>
+          <a:p>
+            <a:r>
+              <a:rPr lang="en-US" dirty="0"/>
+              <a:t>- Austin has the most consistent outcome rate hovering around 8% compared to and average of 8.33%</a:t>
+            </a:r>
+          </a:p>
+        </p:txBody>
+      </p:sp>
     </p:spTree>
     <p:extLst>
       <p:ext uri="{BB962C8B-B14F-4D97-AF65-F5344CB8AC3E}">
-        <p14:creationId xmlns:p14="http://schemas.microsoft.com/office/powerpoint/2010/main" val="4067968578"/>
+        <p14:creationId xmlns:p14="http://schemas.microsoft.com/office/powerpoint/2010/main" val="2169679374"/>
       </p:ext>
     </p:extLst>
   </p:cSld>
@@ -5975,7 +5939,7 @@
           <p:cNvPr id="2" name="Title 1">
             <a:extLst>
               <a:ext uri="{FF2B5EF4-FFF2-40B4-BE49-F238E27FC236}">
-                <a16:creationId xmlns:a16="http://schemas.microsoft.com/office/drawing/2014/main" id="{5C10AC75-BB14-46C2-875F-6955CD75A032}"/>
+                <a16:creationId xmlns:a16="http://schemas.microsoft.com/office/drawing/2014/main" id="{9FD6A720-1A67-4623-8528-2812B26894D2}"/>
               </a:ext>
             </a:extLst>
           </p:cNvPr>
@@ -5993,7 +5957,15 @@
           <a:p>
             <a:r>
               <a:rPr lang="en-US" dirty="0"/>
-              <a:t>Outcome by Month</a:t>
+              <a:t>Adoption and </a:t>
+            </a:r>
+            <a:r>
+              <a:rPr lang="en-US" dirty="0" err="1"/>
+              <a:t>Euthanization</a:t>
+            </a:r>
+            <a:r>
+              <a:rPr lang="en-US" dirty="0"/>
+              <a:t> dependency on Month of Year</a:t>
             </a:r>
           </a:p>
         </p:txBody>
@@ -6003,7 +5975,7 @@
           <p:cNvPr id="5" name="Content Placeholder 4" descr="A close up of a map&#10;&#10;Description automatically generated">
             <a:extLst>
               <a:ext uri="{FF2B5EF4-FFF2-40B4-BE49-F238E27FC236}">
-                <a16:creationId xmlns:a16="http://schemas.microsoft.com/office/drawing/2014/main" id="{F9653C2C-0FB1-495C-8AF7-DE92451BC41B}"/>
+                <a16:creationId xmlns:a16="http://schemas.microsoft.com/office/drawing/2014/main" id="{446DE3C7-4D6C-43DE-BA55-CE4C301AB5C4}"/>
               </a:ext>
             </a:extLst>
           </p:cNvPr>
@@ -6028,8 +6000,8 @@
         </p:blipFill>
         <p:spPr>
           <a:xfrm>
-            <a:off x="6381722" y="1027906"/>
-            <a:ext cx="4972078" cy="5236416"/>
+            <a:off x="8843750" y="1583076"/>
+            <a:ext cx="2938578" cy="3138586"/>
           </a:xfrm>
         </p:spPr>
       </p:pic>
@@ -6038,7 +6010,7 @@
           <p:cNvPr id="6" name="TextBox 5">
             <a:extLst>
               <a:ext uri="{FF2B5EF4-FFF2-40B4-BE49-F238E27FC236}">
-                <a16:creationId xmlns:a16="http://schemas.microsoft.com/office/drawing/2014/main" id="{B1F7F23F-B524-4381-9B52-12DD38958268}"/>
+                <a16:creationId xmlns:a16="http://schemas.microsoft.com/office/drawing/2014/main" id="{8A51BA31-8A3D-47E5-BC59-D1B63E70F841}"/>
               </a:ext>
             </a:extLst>
           </p:cNvPr>
@@ -6047,8 +6019,8 @@
         </p:nvSpPr>
         <p:spPr>
           <a:xfrm>
-            <a:off x="941695" y="1690688"/>
-            <a:ext cx="4972079" cy="4247317"/>
+            <a:off x="838200" y="1615996"/>
+            <a:ext cx="7697338" cy="3139321"/>
           </a:xfrm>
           <a:prstGeom prst="rect">
             <a:avLst/>
@@ -6063,25 +6035,23 @@
           <a:p>
             <a:r>
               <a:rPr lang="en-US" dirty="0"/>
-              <a:t>Sharp decline in outcome in October/November period. For Dallas, a peak in June to the tough in October experienced a decline of over 40%. </a:t>
-            </a:r>
-          </a:p>
-          <a:p>
-            <a:endParaRPr lang="en-US" dirty="0"/>
-          </a:p>
-          <a:p>
-            <a:r>
-              <a:rPr lang="en-US" dirty="0"/>
-              <a:t>- In all location, peak outcome rate surpass 9%.</a:t>
-            </a:r>
-          </a:p>
-          <a:p>
-            <a:endParaRPr lang="en-US" dirty="0"/>
-          </a:p>
-          <a:p>
-            <a:r>
-              <a:rPr lang="en-US" dirty="0"/>
-              <a:t>- Peak outcome rate is typically around summer for most location </a:t>
+              <a:t>- In Sonoma, it appears that the dependency between </a:t>
+            </a:r>
+            <a:r>
+              <a:rPr lang="en-US" dirty="0" err="1"/>
+              <a:t>euthanization</a:t>
+            </a:r>
+            <a:r>
+              <a:rPr lang="en-US" dirty="0"/>
+              <a:t> and adoption rate is very high and appears to align almost entirely above one another. This is surprising because assumption is that as adoption increase, </a:t>
+            </a:r>
+            <a:r>
+              <a:rPr lang="en-US" dirty="0" err="1"/>
+              <a:t>euthanization</a:t>
+            </a:r>
+            <a:r>
+              <a:rPr lang="en-US" dirty="0"/>
+              <a:t> decrease with other factors aside.</a:t>
             </a:r>
           </a:p>
           <a:p>
@@ -6094,24 +6064,108 @@
           <a:p>
             <a:r>
               <a:rPr lang="en-US" dirty="0"/>
-              <a:t>- Outcome rate early into the year is also a typical weak</a:t>
-            </a:r>
-          </a:p>
-          <a:p>
+              <a:t>- In Austin and Louisville, there doesn’t appear to be any patterns. But for Dallas, it may have some sort of delay.</a:t>
+            </a:r>
+          </a:p>
+          <a:p>
+            <a:pPr marL="285750" indent="-285750">
+              <a:buFontTx/>
+              <a:buChar char="-"/>
+            </a:pPr>
             <a:endParaRPr lang="en-US" dirty="0"/>
           </a:p>
           <a:p>
             <a:r>
               <a:rPr lang="en-US" dirty="0"/>
-              <a:t>- Austin has the most consistent outcome rate hovering around 8% compared to and average of 8.33%</a:t>
-            </a:r>
-          </a:p>
-        </p:txBody>
-      </p:sp>
+              <a:t>- p-value of the regression aligns with the claims. Sonoma has a statistically significant linear relationship between adoption and </a:t>
+            </a:r>
+            <a:r>
+              <a:rPr lang="en-US" dirty="0" err="1"/>
+              <a:t>euthanization</a:t>
+            </a:r>
+            <a:r>
+              <a:rPr lang="en-US" dirty="0"/>
+              <a:t> based on month whereas the other locations have weak/no dependency</a:t>
+            </a:r>
+          </a:p>
+        </p:txBody>
+      </p:sp>
+      <p:pic>
+        <p:nvPicPr>
+          <p:cNvPr id="8" name="Picture 7" descr="A screenshot of a cell phone&#10;&#10;Description automatically generated">
+            <a:extLst>
+              <a:ext uri="{FF2B5EF4-FFF2-40B4-BE49-F238E27FC236}">
+                <a16:creationId xmlns:a16="http://schemas.microsoft.com/office/drawing/2014/main" id="{F5FF4D88-7F6A-4314-9DA8-833DE75E75A9}"/>
+              </a:ext>
+            </a:extLst>
+          </p:cNvPr>
+          <p:cNvPicPr>
+            <a:picLocks noChangeAspect="1"/>
+          </p:cNvPicPr>
+          <p:nvPr/>
+        </p:nvPicPr>
+        <p:blipFill>
+          <a:blip r:embed="rId3">
+            <a:extLst>
+              <a:ext uri="{28A0092B-C50C-407E-A947-70E740481C1C}">
+                <a14:useLocalDpi xmlns:a14="http://schemas.microsoft.com/office/drawing/2010/main" val="0"/>
+              </a:ext>
+            </a:extLst>
+          </a:blip>
+          <a:stretch>
+            <a:fillRect/>
+          </a:stretch>
+        </p:blipFill>
+        <p:spPr>
+          <a:xfrm>
+            <a:off x="4543327" y="4755317"/>
+            <a:ext cx="7239000" cy="1819275"/>
+          </a:xfrm>
+          <a:prstGeom prst="rect">
+            <a:avLst/>
+          </a:prstGeom>
+        </p:spPr>
+      </p:pic>
+      <p:pic>
+        <p:nvPicPr>
+          <p:cNvPr id="10" name="Picture 9" descr="A screenshot of a cell phone&#10;&#10;Description automatically generated">
+            <a:extLst>
+              <a:ext uri="{FF2B5EF4-FFF2-40B4-BE49-F238E27FC236}">
+                <a16:creationId xmlns:a16="http://schemas.microsoft.com/office/drawing/2014/main" id="{714B29E6-AD57-40A8-89FA-298BC53F049B}"/>
+              </a:ext>
+            </a:extLst>
+          </p:cNvPr>
+          <p:cNvPicPr>
+            <a:picLocks noChangeAspect="1"/>
+          </p:cNvPicPr>
+          <p:nvPr/>
+        </p:nvPicPr>
+        <p:blipFill>
+          <a:blip r:embed="rId4">
+            <a:extLst>
+              <a:ext uri="{28A0092B-C50C-407E-A947-70E740481C1C}">
+                <a14:useLocalDpi xmlns:a14="http://schemas.microsoft.com/office/drawing/2010/main" val="0"/>
+              </a:ext>
+            </a:extLst>
+          </a:blip>
+          <a:stretch>
+            <a:fillRect/>
+          </a:stretch>
+        </p:blipFill>
+        <p:spPr>
+          <a:xfrm>
+            <a:off x="1037229" y="4755317"/>
+            <a:ext cx="3218154" cy="1737558"/>
+          </a:xfrm>
+          <a:prstGeom prst="rect">
+            <a:avLst/>
+          </a:prstGeom>
+        </p:spPr>
+      </p:pic>
     </p:spTree>
     <p:extLst>
       <p:ext uri="{BB962C8B-B14F-4D97-AF65-F5344CB8AC3E}">
-        <p14:creationId xmlns:p14="http://schemas.microsoft.com/office/powerpoint/2010/main" val="2169679374"/>
+        <p14:creationId xmlns:p14="http://schemas.microsoft.com/office/powerpoint/2010/main" val="3037670099"/>
       </p:ext>
     </p:extLst>
   </p:cSld>
@@ -6143,7 +6197,7 @@
           <p:cNvPr id="2" name="Title 1">
             <a:extLst>
               <a:ext uri="{FF2B5EF4-FFF2-40B4-BE49-F238E27FC236}">
-                <a16:creationId xmlns:a16="http://schemas.microsoft.com/office/drawing/2014/main" id="{9FD6A720-1A67-4623-8528-2812B26894D2}"/>
+                <a16:creationId xmlns:a16="http://schemas.microsoft.com/office/drawing/2014/main" id="{3536EAA8-CC72-47E1-A07A-96AF8ED57054}"/>
               </a:ext>
             </a:extLst>
           </p:cNvPr>
@@ -6169,7 +6223,7 @@
             </a:r>
             <a:r>
               <a:rPr lang="en-US" dirty="0"/>
-              <a:t> dependency on Month of Year</a:t>
+              <a:t> dependency on Month of Year cont.</a:t>
             </a:r>
           </a:p>
         </p:txBody>
@@ -6179,7 +6233,7 @@
           <p:cNvPr id="5" name="Content Placeholder 4" descr="A close up of a map&#10;&#10;Description automatically generated">
             <a:extLst>
               <a:ext uri="{FF2B5EF4-FFF2-40B4-BE49-F238E27FC236}">
-                <a16:creationId xmlns:a16="http://schemas.microsoft.com/office/drawing/2014/main" id="{446DE3C7-4D6C-43DE-BA55-CE4C301AB5C4}"/>
+                <a16:creationId xmlns:a16="http://schemas.microsoft.com/office/drawing/2014/main" id="{9346FB76-23F4-4C4D-A78A-A5249479E172}"/>
               </a:ext>
             </a:extLst>
           </p:cNvPr>
@@ -6204,8 +6258,8 @@
         </p:blipFill>
         <p:spPr>
           <a:xfrm>
-            <a:off x="8843750" y="1583076"/>
-            <a:ext cx="2938578" cy="3138586"/>
+            <a:off x="7648575" y="1690688"/>
+            <a:ext cx="3705225" cy="3905250"/>
           </a:xfrm>
         </p:spPr>
       </p:pic>
@@ -6214,7 +6268,7 @@
           <p:cNvPr id="6" name="TextBox 5">
             <a:extLst>
               <a:ext uri="{FF2B5EF4-FFF2-40B4-BE49-F238E27FC236}">
-                <a16:creationId xmlns:a16="http://schemas.microsoft.com/office/drawing/2014/main" id="{8A51BA31-8A3D-47E5-BC59-D1B63E70F841}"/>
+                <a16:creationId xmlns:a16="http://schemas.microsoft.com/office/drawing/2014/main" id="{87F95940-86E3-4094-BF85-FA943914A1FF}"/>
               </a:ext>
             </a:extLst>
           </p:cNvPr>
@@ -6223,8 +6277,8 @@
         </p:nvSpPr>
         <p:spPr>
           <a:xfrm>
-            <a:off x="838200" y="1615996"/>
-            <a:ext cx="7697338" cy="3139321"/>
+            <a:off x="838199" y="1767189"/>
+            <a:ext cx="5404514" cy="4524315"/>
           </a:xfrm>
           <a:prstGeom prst="rect">
             <a:avLst/>
@@ -6239,7 +6293,68 @@
           <a:p>
             <a:r>
               <a:rPr lang="en-US" dirty="0"/>
-              <a:t>- In Sonoma, it appears that the dependency between </a:t>
+              <a:t>Assumption: </a:t>
+            </a:r>
+          </a:p>
+          <a:p>
+            <a:pPr marL="342900" indent="-342900">
+              <a:buAutoNum type="arabicPeriod"/>
+            </a:pPr>
+            <a:r>
+              <a:rPr lang="en-US" dirty="0" err="1"/>
+              <a:t>Euthanization</a:t>
+            </a:r>
+            <a:r>
+              <a:rPr lang="en-US" dirty="0"/>
+              <a:t> frequency is delayed</a:t>
+            </a:r>
+          </a:p>
+          <a:p>
+            <a:pPr marL="342900" indent="-342900">
+              <a:buAutoNum type="arabicPeriod"/>
+            </a:pPr>
+            <a:r>
+              <a:rPr lang="en-US" dirty="0"/>
+              <a:t>The delay factor is less than 5 months</a:t>
+            </a:r>
+          </a:p>
+          <a:p>
+            <a:pPr marL="342900" indent="-342900">
+              <a:buAutoNum type="arabicPeriod" startAt="3"/>
+            </a:pPr>
+            <a:r>
+              <a:rPr lang="en-US" dirty="0"/>
+              <a:t>The dependency is inversely related (tough match up with peak)</a:t>
+            </a:r>
+          </a:p>
+          <a:p>
+            <a:pPr marL="342900" indent="-342900">
+              <a:buAutoNum type="arabicPeriod" startAt="3"/>
+            </a:pPr>
+            <a:endParaRPr lang="en-US" dirty="0"/>
+          </a:p>
+          <a:p>
+            <a:r>
+              <a:rPr lang="en-US" dirty="0"/>
+              <a:t>Algorithm:</a:t>
+            </a:r>
+          </a:p>
+          <a:p>
+            <a:pPr marL="342900" indent="-342900">
+              <a:buAutoNum type="arabicPeriod"/>
+            </a:pPr>
+            <a:r>
+              <a:rPr lang="en-US" dirty="0"/>
+              <a:t>Loop across delay time</a:t>
+            </a:r>
+          </a:p>
+          <a:p>
+            <a:pPr marL="342900" indent="-342900">
+              <a:buAutoNum type="arabicPeriod"/>
+            </a:pPr>
+            <a:r>
+              <a:rPr lang="en-US" dirty="0"/>
+              <a:t>Adjust </a:t>
             </a:r>
             <a:r>
               <a:rPr lang="en-US" dirty="0" err="1"/>
@@ -6247,59 +6362,55 @@
             </a:r>
             <a:r>
               <a:rPr lang="en-US" dirty="0"/>
-              <a:t> and adoption rate is very high and appears to align almost entirely above one another. This is surprising because assumption is that as adoption increase, </a:t>
+              <a:t> backwards by 1 month</a:t>
+            </a:r>
+          </a:p>
+          <a:p>
+            <a:pPr marL="342900" indent="-342900">
+              <a:buAutoNum type="arabicPeriod"/>
+            </a:pPr>
+            <a:r>
+              <a:rPr lang="en-US" dirty="0"/>
+              <a:t>Measure and save best </a:t>
             </a:r>
             <a:r>
               <a:rPr lang="en-US" dirty="0" err="1"/>
-              <a:t>euthanization</a:t>
-            </a:r>
-            <a:r>
-              <a:rPr lang="en-US" dirty="0"/>
-              <a:t> decrease with other factors aside.</a:t>
-            </a:r>
-          </a:p>
-          <a:p>
-            <a:pPr marL="285750" indent="-285750">
-              <a:buFontTx/>
-              <a:buChar char="-"/>
+              <a:t>r-value</a:t>
+            </a:r>
+            <a:r>
+              <a:rPr lang="en-US" dirty="0"/>
+              <a:t> with negative slope</a:t>
+            </a:r>
+          </a:p>
+          <a:p>
+            <a:pPr marL="342900" indent="-342900">
+              <a:buAutoNum type="arabicPeriod"/>
             </a:pPr>
             <a:endParaRPr lang="en-US" dirty="0"/>
           </a:p>
           <a:p>
-            <a:r>
-              <a:rPr lang="en-US" dirty="0"/>
-              <a:t>- In Austin and Louisville, there doesn’t appear to be any patterns. But for Dallas, it may have some sort of delay.</a:t>
-            </a:r>
-          </a:p>
-          <a:p>
-            <a:pPr marL="285750" indent="-285750">
-              <a:buFontTx/>
-              <a:buChar char="-"/>
+            <a:pPr marL="342900" indent="-342900">
+              <a:buAutoNum type="arabicPeriod"/>
             </a:pPr>
             <a:endParaRPr lang="en-US" dirty="0"/>
           </a:p>
           <a:p>
             <a:r>
               <a:rPr lang="en-US" dirty="0"/>
-              <a:t>- p-value of the regression aligns with the claims. Sonoma has a statistically significant linear relationship between adoption and </a:t>
-            </a:r>
-            <a:r>
-              <a:rPr lang="en-US" dirty="0" err="1"/>
-              <a:t>euthanization</a:t>
-            </a:r>
-            <a:r>
-              <a:rPr lang="en-US" dirty="0"/>
-              <a:t> based on month whereas the other locations have weak/no dependency</a:t>
-            </a:r>
+              <a:t>Visually, for the most part all locations have a good match up with Austin seemly having the best outcome from the frequency delay</a:t>
+            </a:r>
+          </a:p>
+          <a:p>
+            <a:endParaRPr lang="en-US" dirty="0"/>
           </a:p>
         </p:txBody>
       </p:sp>
       <p:pic>
         <p:nvPicPr>
-          <p:cNvPr id="8" name="Picture 7" descr="A screenshot of a cell phone&#10;&#10;Description automatically generated">
-            <a:extLst>
-              <a:ext uri="{FF2B5EF4-FFF2-40B4-BE49-F238E27FC236}">
-                <a16:creationId xmlns:a16="http://schemas.microsoft.com/office/drawing/2014/main" id="{F5FF4D88-7F6A-4314-9DA8-833DE75E75A9}"/>
+          <p:cNvPr id="9" name="Picture 8" descr="A screenshot of a cell phone&#10;&#10;Description automatically generated">
+            <a:extLst>
+              <a:ext uri="{FF2B5EF4-FFF2-40B4-BE49-F238E27FC236}">
+                <a16:creationId xmlns:a16="http://schemas.microsoft.com/office/drawing/2014/main" id="{C7AAC8A1-9007-4281-889C-DBA84F77F7C2}"/>
               </a:ext>
             </a:extLst>
           </p:cNvPr>
@@ -6322,44 +6433,8 @@
         </p:blipFill>
         <p:spPr>
           <a:xfrm>
-            <a:off x="4543327" y="4755317"/>
-            <a:ext cx="7239000" cy="1819275"/>
-          </a:xfrm>
-          <a:prstGeom prst="rect">
-            <a:avLst/>
-          </a:prstGeom>
-        </p:spPr>
-      </p:pic>
-      <p:pic>
-        <p:nvPicPr>
-          <p:cNvPr id="10" name="Picture 9" descr="A screenshot of a cell phone&#10;&#10;Description automatically generated">
-            <a:extLst>
-              <a:ext uri="{FF2B5EF4-FFF2-40B4-BE49-F238E27FC236}">
-                <a16:creationId xmlns:a16="http://schemas.microsoft.com/office/drawing/2014/main" id="{714B29E6-AD57-40A8-89FA-298BC53F049B}"/>
-              </a:ext>
-            </a:extLst>
-          </p:cNvPr>
-          <p:cNvPicPr>
-            <a:picLocks noChangeAspect="1"/>
-          </p:cNvPicPr>
-          <p:nvPr/>
-        </p:nvPicPr>
-        <p:blipFill>
-          <a:blip r:embed="rId4">
-            <a:extLst>
-              <a:ext uri="{28A0092B-C50C-407E-A947-70E740481C1C}">
-                <a14:useLocalDpi xmlns:a14="http://schemas.microsoft.com/office/drawing/2010/main" val="0"/>
-              </a:ext>
-            </a:extLst>
-          </a:blip>
-          <a:stretch>
-            <a:fillRect/>
-          </a:stretch>
-        </p:blipFill>
-        <p:spPr>
-          <a:xfrm>
-            <a:off x="1037229" y="4755317"/>
-            <a:ext cx="3218154" cy="1737558"/>
+            <a:off x="7648575" y="5595938"/>
+            <a:ext cx="3705226" cy="695566"/>
           </a:xfrm>
           <a:prstGeom prst="rect">
             <a:avLst/>
@@ -6369,7 +6444,7 @@
     </p:spTree>
     <p:extLst>
       <p:ext uri="{BB962C8B-B14F-4D97-AF65-F5344CB8AC3E}">
-        <p14:creationId xmlns:p14="http://schemas.microsoft.com/office/powerpoint/2010/main" val="3037670099"/>
+        <p14:creationId xmlns:p14="http://schemas.microsoft.com/office/powerpoint/2010/main" val="194520950"/>
       </p:ext>
     </p:extLst>
   </p:cSld>
@@ -6517,7 +6592,7 @@
           <p:cNvPr id="2" name="Title 1">
             <a:extLst>
               <a:ext uri="{FF2B5EF4-FFF2-40B4-BE49-F238E27FC236}">
-                <a16:creationId xmlns:a16="http://schemas.microsoft.com/office/drawing/2014/main" id="{3536EAA8-CC72-47E1-A07A-96AF8ED57054}"/>
+                <a16:creationId xmlns:a16="http://schemas.microsoft.com/office/drawing/2014/main" id="{748D60BA-3A56-4C87-8A5C-D00ABB4B9BB3}"/>
               </a:ext>
             </a:extLst>
           </p:cNvPr>
@@ -6550,10 +6625,10 @@
       </p:sp>
       <p:pic>
         <p:nvPicPr>
-          <p:cNvPr id="5" name="Content Placeholder 4" descr="A close up of a map&#10;&#10;Description automatically generated">
-            <a:extLst>
-              <a:ext uri="{FF2B5EF4-FFF2-40B4-BE49-F238E27FC236}">
-                <a16:creationId xmlns:a16="http://schemas.microsoft.com/office/drawing/2014/main" id="{9346FB76-23F4-4C4D-A78A-A5249479E172}"/>
+          <p:cNvPr id="5" name="Content Placeholder 4" descr="A screenshot of a cell phone&#10;&#10;Description automatically generated">
+            <a:extLst>
+              <a:ext uri="{FF2B5EF4-FFF2-40B4-BE49-F238E27FC236}">
+                <a16:creationId xmlns:a16="http://schemas.microsoft.com/office/drawing/2014/main" id="{5AF00B9B-44C7-48D5-BB11-69B167C37A75}"/>
               </a:ext>
             </a:extLst>
           </p:cNvPr>
@@ -6578,159 +6653,17 @@
         </p:blipFill>
         <p:spPr>
           <a:xfrm>
-            <a:off x="7648575" y="1690688"/>
-            <a:ext cx="3705225" cy="3905250"/>
+            <a:off x="995825" y="1641194"/>
+            <a:ext cx="2724150" cy="1323975"/>
           </a:xfrm>
         </p:spPr>
       </p:pic>
-      <p:sp>
-        <p:nvSpPr>
-          <p:cNvPr id="6" name="TextBox 5">
-            <a:extLst>
-              <a:ext uri="{FF2B5EF4-FFF2-40B4-BE49-F238E27FC236}">
-                <a16:creationId xmlns:a16="http://schemas.microsoft.com/office/drawing/2014/main" id="{87F95940-86E3-4094-BF85-FA943914A1FF}"/>
-              </a:ext>
-            </a:extLst>
-          </p:cNvPr>
-          <p:cNvSpPr txBox="1"/>
-          <p:nvPr/>
-        </p:nvSpPr>
-        <p:spPr>
-          <a:xfrm>
-            <a:off x="838199" y="1767189"/>
-            <a:ext cx="5404514" cy="4524315"/>
-          </a:xfrm>
-          <a:prstGeom prst="rect">
-            <a:avLst/>
-          </a:prstGeom>
-          <a:noFill/>
-        </p:spPr>
-        <p:txBody>
-          <a:bodyPr wrap="square" rtlCol="0">
-            <a:spAutoFit/>
-          </a:bodyPr>
-          <a:lstStyle/>
-          <a:p>
-            <a:r>
-              <a:rPr lang="en-US" dirty="0"/>
-              <a:t>Assumption: </a:t>
-            </a:r>
-          </a:p>
-          <a:p>
-            <a:pPr marL="342900" indent="-342900">
-              <a:buAutoNum type="arabicPeriod"/>
-            </a:pPr>
-            <a:r>
-              <a:rPr lang="en-US" dirty="0" err="1"/>
-              <a:t>Euthanization</a:t>
-            </a:r>
-            <a:r>
-              <a:rPr lang="en-US" dirty="0"/>
-              <a:t> frequency is delayed</a:t>
-            </a:r>
-          </a:p>
-          <a:p>
-            <a:pPr marL="342900" indent="-342900">
-              <a:buAutoNum type="arabicPeriod"/>
-            </a:pPr>
-            <a:r>
-              <a:rPr lang="en-US" dirty="0"/>
-              <a:t>The delay factor is less than 5 months</a:t>
-            </a:r>
-          </a:p>
-          <a:p>
-            <a:pPr marL="342900" indent="-342900">
-              <a:buAutoNum type="arabicPeriod" startAt="3"/>
-            </a:pPr>
-            <a:r>
-              <a:rPr lang="en-US" dirty="0"/>
-              <a:t>The dependency is inversely related (tough match up with peak)</a:t>
-            </a:r>
-          </a:p>
-          <a:p>
-            <a:pPr marL="342900" indent="-342900">
-              <a:buAutoNum type="arabicPeriod" startAt="3"/>
-            </a:pPr>
-            <a:endParaRPr lang="en-US" dirty="0"/>
-          </a:p>
-          <a:p>
-            <a:r>
-              <a:rPr lang="en-US" dirty="0"/>
-              <a:t>Algorithm:</a:t>
-            </a:r>
-          </a:p>
-          <a:p>
-            <a:pPr marL="342900" indent="-342900">
-              <a:buAutoNum type="arabicPeriod"/>
-            </a:pPr>
-            <a:r>
-              <a:rPr lang="en-US" dirty="0"/>
-              <a:t>Loop across delay time</a:t>
-            </a:r>
-          </a:p>
-          <a:p>
-            <a:pPr marL="342900" indent="-342900">
-              <a:buAutoNum type="arabicPeriod"/>
-            </a:pPr>
-            <a:r>
-              <a:rPr lang="en-US" dirty="0"/>
-              <a:t>Adjust </a:t>
-            </a:r>
-            <a:r>
-              <a:rPr lang="en-US" dirty="0" err="1"/>
-              <a:t>euthanization</a:t>
-            </a:r>
-            <a:r>
-              <a:rPr lang="en-US" dirty="0"/>
-              <a:t> backwards by 1 month</a:t>
-            </a:r>
-          </a:p>
-          <a:p>
-            <a:pPr marL="342900" indent="-342900">
-              <a:buAutoNum type="arabicPeriod"/>
-            </a:pPr>
-            <a:r>
-              <a:rPr lang="en-US" dirty="0"/>
-              <a:t>Measure and save best </a:t>
-            </a:r>
-            <a:r>
-              <a:rPr lang="en-US" dirty="0" err="1"/>
-              <a:t>r-value</a:t>
-            </a:r>
-            <a:r>
-              <a:rPr lang="en-US" dirty="0"/>
-              <a:t> with negative slope</a:t>
-            </a:r>
-          </a:p>
-          <a:p>
-            <a:pPr marL="342900" indent="-342900">
-              <a:buAutoNum type="arabicPeriod"/>
-            </a:pPr>
-            <a:endParaRPr lang="en-US" dirty="0"/>
-          </a:p>
-          <a:p>
-            <a:pPr marL="342900" indent="-342900">
-              <a:buAutoNum type="arabicPeriod"/>
-            </a:pPr>
-            <a:endParaRPr lang="en-US" dirty="0"/>
-          </a:p>
-          <a:p>
-            <a:r>
-              <a:rPr lang="en-US" dirty="0"/>
-              <a:t>Visually, for the most part all locations have a good match up with Austin seemly having the best outcome from the frequency delay</a:t>
-            </a:r>
-          </a:p>
-          <a:p>
-            <a:endParaRPr lang="en-US" dirty="0"/>
-          </a:p>
-        </p:txBody>
-      </p:sp>
       <p:pic>
         <p:nvPicPr>
-          <p:cNvPr id="9" name="Picture 8" descr="A screenshot of a cell phone&#10;&#10;Description automatically generated">
-            <a:extLst>
-              <a:ext uri="{FF2B5EF4-FFF2-40B4-BE49-F238E27FC236}">
-                <a16:creationId xmlns:a16="http://schemas.microsoft.com/office/drawing/2014/main" id="{C7AAC8A1-9007-4281-889C-DBA84F77F7C2}"/>
+          <p:cNvPr id="7" name="Picture 6" descr="A screenshot of a cell phone&#10;&#10;Description automatically generated">
+            <a:extLst>
+              <a:ext uri="{FF2B5EF4-FFF2-40B4-BE49-F238E27FC236}">
+                <a16:creationId xmlns:a16="http://schemas.microsoft.com/office/drawing/2014/main" id="{E2D0178C-5EF9-43ED-AB3F-694B27547B77}"/>
               </a:ext>
             </a:extLst>
           </p:cNvPr>
@@ -6753,18 +6686,112 @@
         </p:blipFill>
         <p:spPr>
           <a:xfrm>
-            <a:off x="7648575" y="5595938"/>
-            <a:ext cx="3705226" cy="695566"/>
+            <a:off x="4616746" y="1641194"/>
+            <a:ext cx="7213050" cy="1844082"/>
           </a:xfrm>
           <a:prstGeom prst="rect">
             <a:avLst/>
           </a:prstGeom>
         </p:spPr>
       </p:pic>
+      <p:pic>
+        <p:nvPicPr>
+          <p:cNvPr id="9" name="Picture 8" descr="A screenshot of a cell phone&#10;&#10;Description automatically generated">
+            <a:extLst>
+              <a:ext uri="{FF2B5EF4-FFF2-40B4-BE49-F238E27FC236}">
+                <a16:creationId xmlns:a16="http://schemas.microsoft.com/office/drawing/2014/main" id="{9FF84986-048D-4AE9-9D14-DEAEBF8E58D0}"/>
+              </a:ext>
+            </a:extLst>
+          </p:cNvPr>
+          <p:cNvPicPr>
+            <a:picLocks noChangeAspect="1"/>
+          </p:cNvPicPr>
+          <p:nvPr/>
+        </p:nvPicPr>
+        <p:blipFill>
+          <a:blip r:embed="rId4">
+            <a:extLst>
+              <a:ext uri="{28A0092B-C50C-407E-A947-70E740481C1C}">
+                <a14:useLocalDpi xmlns:a14="http://schemas.microsoft.com/office/drawing/2010/main" val="0"/>
+              </a:ext>
+            </a:extLst>
+          </a:blip>
+          <a:stretch>
+            <a:fillRect/>
+          </a:stretch>
+        </p:blipFill>
+        <p:spPr>
+          <a:xfrm>
+            <a:off x="4616747" y="3994943"/>
+            <a:ext cx="7213050" cy="1794952"/>
+          </a:xfrm>
+          <a:prstGeom prst="rect">
+            <a:avLst/>
+          </a:prstGeom>
+        </p:spPr>
+      </p:pic>
+      <p:sp>
+        <p:nvSpPr>
+          <p:cNvPr id="10" name="TextBox 9">
+            <a:extLst>
+              <a:ext uri="{FF2B5EF4-FFF2-40B4-BE49-F238E27FC236}">
+                <a16:creationId xmlns:a16="http://schemas.microsoft.com/office/drawing/2014/main" id="{78945966-B5FD-4D14-BAA2-033C01533C1E}"/>
+              </a:ext>
+            </a:extLst>
+          </p:cNvPr>
+          <p:cNvSpPr txBox="1"/>
+          <p:nvPr/>
+        </p:nvSpPr>
+        <p:spPr>
+          <a:xfrm>
+            <a:off x="995825" y="3353554"/>
+            <a:ext cx="3620921" cy="3416320"/>
+          </a:xfrm>
+          <a:prstGeom prst="rect">
+            <a:avLst/>
+          </a:prstGeom>
+          <a:noFill/>
+        </p:spPr>
+        <p:txBody>
+          <a:bodyPr wrap="square" rtlCol="0">
+            <a:spAutoFit/>
+          </a:bodyPr>
+          <a:lstStyle/>
+          <a:p>
+            <a:r>
+              <a:rPr lang="en-US" dirty="0"/>
+              <a:t>Dallas did not find any dependency based on the criteria whereas other have significant improvement in correlation values</a:t>
+            </a:r>
+          </a:p>
+          <a:p>
+            <a:endParaRPr lang="en-US" dirty="0"/>
+          </a:p>
+          <a:p>
+            <a:r>
+              <a:rPr lang="en-US" dirty="0"/>
+              <a:t>However, p-values shows there isn’t a statistically significant linear model that correlates </a:t>
+            </a:r>
+            <a:r>
+              <a:rPr lang="en-US" dirty="0" err="1"/>
+              <a:t>euthanization</a:t>
+            </a:r>
+            <a:r>
+              <a:rPr lang="en-US" dirty="0"/>
+              <a:t> and adoption in Louisville, Austin and Dallas using months</a:t>
+            </a:r>
+          </a:p>
+          <a:p>
+            <a:endParaRPr lang="en-US" dirty="0"/>
+          </a:p>
+          <a:p>
+            <a:endParaRPr lang="en-US" dirty="0"/>
+          </a:p>
+        </p:txBody>
+      </p:sp>
     </p:spTree>
     <p:extLst>
       <p:ext uri="{BB962C8B-B14F-4D97-AF65-F5344CB8AC3E}">
-        <p14:creationId xmlns:p14="http://schemas.microsoft.com/office/powerpoint/2010/main" val="194520950"/>
+        <p14:creationId xmlns:p14="http://schemas.microsoft.com/office/powerpoint/2010/main" val="1213509534"/>
       </p:ext>
     </p:extLst>
   </p:cSld>
@@ -6796,7 +6823,7 @@
           <p:cNvPr id="2" name="Title 1">
             <a:extLst>
               <a:ext uri="{FF2B5EF4-FFF2-40B4-BE49-F238E27FC236}">
-                <a16:creationId xmlns:a16="http://schemas.microsoft.com/office/drawing/2014/main" id="{748D60BA-3A56-4C87-8A5C-D00ABB4B9BB3}"/>
+                <a16:creationId xmlns:a16="http://schemas.microsoft.com/office/drawing/2014/main" id="{0D7C5939-0F9E-4A2C-B714-73662054798B}"/>
               </a:ext>
             </a:extLst>
           </p:cNvPr>
@@ -6814,7 +6841,7 @@
           <a:p>
             <a:r>
               <a:rPr lang="en-US" dirty="0"/>
-              <a:t>Adoption and </a:t>
+              <a:t>Intake Frequency and </a:t>
             </a:r>
             <a:r>
               <a:rPr lang="en-US" dirty="0" err="1"/>
@@ -6822,17 +6849,17 @@
             </a:r>
             <a:r>
               <a:rPr lang="en-US" dirty="0"/>
-              <a:t> dependency on Month of Year cont.</a:t>
+              <a:t> Temporal Relationship</a:t>
             </a:r>
           </a:p>
         </p:txBody>
       </p:sp>
       <p:pic>
         <p:nvPicPr>
-          <p:cNvPr id="5" name="Content Placeholder 4" descr="A screenshot of a cell phone&#10;&#10;Description automatically generated">
-            <a:extLst>
-              <a:ext uri="{FF2B5EF4-FFF2-40B4-BE49-F238E27FC236}">
-                <a16:creationId xmlns:a16="http://schemas.microsoft.com/office/drawing/2014/main" id="{5AF00B9B-44C7-48D5-BB11-69B167C37A75}"/>
+          <p:cNvPr id="5" name="Content Placeholder 4" descr="A close up of a map&#10;&#10;Description automatically generated">
+            <a:extLst>
+              <a:ext uri="{FF2B5EF4-FFF2-40B4-BE49-F238E27FC236}">
+                <a16:creationId xmlns:a16="http://schemas.microsoft.com/office/drawing/2014/main" id="{C6C094A9-26DA-43EB-A08C-290115D67108}"/>
               </a:ext>
             </a:extLst>
           </p:cNvPr>
@@ -6857,17 +6884,112 @@
         </p:blipFill>
         <p:spPr>
           <a:xfrm>
-            <a:off x="995825" y="1641194"/>
-            <a:ext cx="2724150" cy="1323975"/>
+            <a:off x="7111263" y="1682584"/>
+            <a:ext cx="4284260" cy="4456550"/>
           </a:xfrm>
         </p:spPr>
       </p:pic>
+      <p:sp>
+        <p:nvSpPr>
+          <p:cNvPr id="6" name="TextBox 5">
+            <a:extLst>
+              <a:ext uri="{FF2B5EF4-FFF2-40B4-BE49-F238E27FC236}">
+                <a16:creationId xmlns:a16="http://schemas.microsoft.com/office/drawing/2014/main" id="{6B7ABDCA-472D-46FD-B44B-6C57491605B8}"/>
+              </a:ext>
+            </a:extLst>
+          </p:cNvPr>
+          <p:cNvSpPr txBox="1"/>
+          <p:nvPr/>
+        </p:nvSpPr>
+        <p:spPr>
+          <a:xfrm>
+            <a:off x="7825449" y="6208222"/>
+            <a:ext cx="2022285" cy="307777"/>
+          </a:xfrm>
+          <a:prstGeom prst="rect">
+            <a:avLst/>
+          </a:prstGeom>
+          <a:noFill/>
+        </p:spPr>
+        <p:txBody>
+          <a:bodyPr wrap="none" rtlCol="0">
+            <a:spAutoFit/>
+          </a:bodyPr>
+          <a:lstStyle/>
+          <a:p>
+            <a:r>
+              <a:rPr lang="en-US" sz="1400" dirty="0"/>
+              <a:t>***Austin data is missing</a:t>
+            </a:r>
+          </a:p>
+        </p:txBody>
+      </p:sp>
+      <p:sp>
+        <p:nvSpPr>
+          <p:cNvPr id="7" name="TextBox 6">
+            <a:extLst>
+              <a:ext uri="{FF2B5EF4-FFF2-40B4-BE49-F238E27FC236}">
+                <a16:creationId xmlns:a16="http://schemas.microsoft.com/office/drawing/2014/main" id="{194ADC26-A583-4881-BEBD-F73180BB627F}"/>
+              </a:ext>
+            </a:extLst>
+          </p:cNvPr>
+          <p:cNvSpPr txBox="1"/>
+          <p:nvPr/>
+        </p:nvSpPr>
+        <p:spPr>
+          <a:xfrm>
+            <a:off x="838200" y="1839717"/>
+            <a:ext cx="5559305" cy="1754326"/>
+          </a:xfrm>
+          <a:prstGeom prst="rect">
+            <a:avLst/>
+          </a:prstGeom>
+          <a:noFill/>
+        </p:spPr>
+        <p:txBody>
+          <a:bodyPr wrap="square" rtlCol="0">
+            <a:spAutoFit/>
+          </a:bodyPr>
+          <a:lstStyle/>
+          <a:p>
+            <a:r>
+              <a:rPr lang="en-US" dirty="0"/>
+              <a:t>For Louisville has a high r-square value and low p-value. This corresponds to the fact that increase intake frequency correlates to spike in </a:t>
+            </a:r>
+            <a:r>
+              <a:rPr lang="en-US" dirty="0" err="1"/>
+              <a:t>euthanization</a:t>
+            </a:r>
+            <a:r>
+              <a:rPr lang="en-US" dirty="0"/>
+              <a:t>. This may be a result of space constraint in these facility</a:t>
+            </a:r>
+          </a:p>
+          <a:p>
+            <a:endParaRPr lang="en-US" dirty="0"/>
+          </a:p>
+          <a:p>
+            <a:r>
+              <a:rPr lang="en-US" dirty="0"/>
+              <a:t>This is also generally true in </a:t>
+            </a:r>
+            <a:r>
+              <a:rPr lang="en-US" dirty="0" err="1"/>
+              <a:t>dallas</a:t>
+            </a:r>
+            <a:r>
+              <a:rPr lang="en-US" dirty="0"/>
+              <a:t> with p-value of 0.015</a:t>
+            </a:r>
+          </a:p>
+        </p:txBody>
+      </p:sp>
       <p:pic>
         <p:nvPicPr>
-          <p:cNvPr id="7" name="Picture 6" descr="A screenshot of a cell phone&#10;&#10;Description automatically generated">
-            <a:extLst>
-              <a:ext uri="{FF2B5EF4-FFF2-40B4-BE49-F238E27FC236}">
-                <a16:creationId xmlns:a16="http://schemas.microsoft.com/office/drawing/2014/main" id="{E2D0178C-5EF9-43ED-AB3F-694B27547B77}"/>
+          <p:cNvPr id="9" name="Picture 8" descr="A screenshot of a cell phone&#10;&#10;Description automatically generated">
+            <a:extLst>
+              <a:ext uri="{FF2B5EF4-FFF2-40B4-BE49-F238E27FC236}">
+                <a16:creationId xmlns:a16="http://schemas.microsoft.com/office/drawing/2014/main" id="{C18E74EA-BBFB-42CB-A707-6FDEAB3685ED}"/>
               </a:ext>
             </a:extLst>
           </p:cNvPr>
@@ -6890,8 +7012,8 @@
         </p:blipFill>
         <p:spPr>
           <a:xfrm>
-            <a:off x="4616746" y="1641194"/>
-            <a:ext cx="7213050" cy="1844082"/>
+            <a:off x="6397505" y="2268480"/>
+            <a:ext cx="2855888" cy="1325563"/>
           </a:xfrm>
           <a:prstGeom prst="rect">
             <a:avLst/>
@@ -6900,10 +7022,10 @@
       </p:pic>
       <p:pic>
         <p:nvPicPr>
-          <p:cNvPr id="9" name="Picture 8" descr="A screenshot of a cell phone&#10;&#10;Description automatically generated">
-            <a:extLst>
-              <a:ext uri="{FF2B5EF4-FFF2-40B4-BE49-F238E27FC236}">
-                <a16:creationId xmlns:a16="http://schemas.microsoft.com/office/drawing/2014/main" id="{9FF84986-048D-4AE9-9D14-DEAEBF8E58D0}"/>
+          <p:cNvPr id="11" name="Picture 10" descr="A close up of a map&#10;&#10;Description automatically generated">
+            <a:extLst>
+              <a:ext uri="{FF2B5EF4-FFF2-40B4-BE49-F238E27FC236}">
+                <a16:creationId xmlns:a16="http://schemas.microsoft.com/office/drawing/2014/main" id="{633E44A9-EEA9-4B9B-BA17-91276FE1B8B3}"/>
               </a:ext>
             </a:extLst>
           </p:cNvPr>
@@ -6926,76 +7048,18 @@
         </p:blipFill>
         <p:spPr>
           <a:xfrm>
-            <a:off x="4616747" y="3994943"/>
-            <a:ext cx="7213050" cy="1794952"/>
+            <a:off x="838200" y="4059340"/>
+            <a:ext cx="6273063" cy="2079794"/>
           </a:xfrm>
           <a:prstGeom prst="rect">
             <a:avLst/>
           </a:prstGeom>
         </p:spPr>
       </p:pic>
-      <p:sp>
-        <p:nvSpPr>
-          <p:cNvPr id="10" name="TextBox 9">
-            <a:extLst>
-              <a:ext uri="{FF2B5EF4-FFF2-40B4-BE49-F238E27FC236}">
-                <a16:creationId xmlns:a16="http://schemas.microsoft.com/office/drawing/2014/main" id="{78945966-B5FD-4D14-BAA2-033C01533C1E}"/>
-              </a:ext>
-            </a:extLst>
-          </p:cNvPr>
-          <p:cNvSpPr txBox="1"/>
-          <p:nvPr/>
-        </p:nvSpPr>
-        <p:spPr>
-          <a:xfrm>
-            <a:off x="995825" y="3353554"/>
-            <a:ext cx="3620921" cy="3416320"/>
-          </a:xfrm>
-          <a:prstGeom prst="rect">
-            <a:avLst/>
-          </a:prstGeom>
-          <a:noFill/>
-        </p:spPr>
-        <p:txBody>
-          <a:bodyPr wrap="square" rtlCol="0">
-            <a:spAutoFit/>
-          </a:bodyPr>
-          <a:lstStyle/>
-          <a:p>
-            <a:r>
-              <a:rPr lang="en-US" dirty="0"/>
-              <a:t>Dallas did not find any dependency based on the criteria whereas other have significant improvement in correlation values</a:t>
-            </a:r>
-          </a:p>
-          <a:p>
-            <a:endParaRPr lang="en-US" dirty="0"/>
-          </a:p>
-          <a:p>
-            <a:r>
-              <a:rPr lang="en-US" dirty="0"/>
-              <a:t>However, p-values shows there isn’t a statistically significant linear model that correlates </a:t>
-            </a:r>
-            <a:r>
-              <a:rPr lang="en-US" dirty="0" err="1"/>
-              <a:t>euthanization</a:t>
-            </a:r>
-            <a:r>
-              <a:rPr lang="en-US" dirty="0"/>
-              <a:t> and adoption in Louisville, Austin and Dallas using months</a:t>
-            </a:r>
-          </a:p>
-          <a:p>
-            <a:endParaRPr lang="en-US" dirty="0"/>
-          </a:p>
-          <a:p>
-            <a:endParaRPr lang="en-US" dirty="0"/>
-          </a:p>
-        </p:txBody>
-      </p:sp>
     </p:spTree>
     <p:extLst>
       <p:ext uri="{BB962C8B-B14F-4D97-AF65-F5344CB8AC3E}">
-        <p14:creationId xmlns:p14="http://schemas.microsoft.com/office/powerpoint/2010/main" val="1213509534"/>
+        <p14:creationId xmlns:p14="http://schemas.microsoft.com/office/powerpoint/2010/main" val="3708795606"/>
       </p:ext>
     </p:extLst>
   </p:cSld>
@@ -7027,7 +7091,7 @@
           <p:cNvPr id="2" name="Title 1">
             <a:extLst>
               <a:ext uri="{FF2B5EF4-FFF2-40B4-BE49-F238E27FC236}">
-                <a16:creationId xmlns:a16="http://schemas.microsoft.com/office/drawing/2014/main" id="{0D7C5939-0F9E-4A2C-B714-73662054798B}"/>
+                <a16:creationId xmlns:a16="http://schemas.microsoft.com/office/drawing/2014/main" id="{9B798EC5-83A7-44B3-84DA-2FA6FACF1DD7}"/>
               </a:ext>
             </a:extLst>
           </p:cNvPr>
@@ -7045,34 +7109,81 @@
           <a:p>
             <a:r>
               <a:rPr lang="en-US" dirty="0"/>
-              <a:t>Intake Frequency and </a:t>
+              <a:t>Machine Learning</a:t>
+            </a:r>
+          </a:p>
+        </p:txBody>
+      </p:sp>
+      <p:sp>
+        <p:nvSpPr>
+          <p:cNvPr id="3" name="Content Placeholder 2">
+            <a:extLst>
+              <a:ext uri="{FF2B5EF4-FFF2-40B4-BE49-F238E27FC236}">
+                <a16:creationId xmlns:a16="http://schemas.microsoft.com/office/drawing/2014/main" id="{9235072E-EE68-4058-92E7-83974CA2EFC7}"/>
+              </a:ext>
+            </a:extLst>
+          </p:cNvPr>
+          <p:cNvSpPr>
+            <a:spLocks noGrp="1"/>
+          </p:cNvSpPr>
+          <p:nvPr>
+            <p:ph idx="1"/>
+          </p:nvPr>
+        </p:nvSpPr>
+        <p:spPr/>
+        <p:txBody>
+          <a:bodyPr/>
+          <a:lstStyle/>
+          <a:p>
+            <a:r>
+              <a:rPr lang="en-US" dirty="0"/>
+              <a:t>Strategy: Machine learning on every location independently with many important factors missing</a:t>
+            </a:r>
+          </a:p>
+          <a:p>
+            <a:r>
+              <a:rPr lang="en-US" dirty="0"/>
+              <a:t>Target = </a:t>
             </a:r>
             <a:r>
               <a:rPr lang="en-US" dirty="0" err="1"/>
-              <a:t>Euthanization</a:t>
-            </a:r>
-            <a:r>
-              <a:rPr lang="en-US" dirty="0"/>
-              <a:t> Temporal Relationship</a:t>
-            </a:r>
+              <a:t>Outcome_Type</a:t>
+            </a:r>
+            <a:endParaRPr lang="en-US" dirty="0"/>
+          </a:p>
+          <a:p>
+            <a:endParaRPr lang="en-US" dirty="0"/>
+          </a:p>
+          <a:p>
+            <a:endParaRPr lang="en-US" dirty="0"/>
+          </a:p>
+          <a:p>
+            <a:pPr marL="0" indent="0">
+              <a:buNone/>
+            </a:pPr>
+            <a:r>
+              <a:rPr lang="en-US" dirty="0"/>
+              <a:t>Louisville		Dallas			  Austin		 Sonoma </a:t>
+            </a:r>
+          </a:p>
+          <a:p>
+            <a:endParaRPr lang="en-US" dirty="0"/>
           </a:p>
         </p:txBody>
       </p:sp>
       <p:pic>
         <p:nvPicPr>
-          <p:cNvPr id="5" name="Content Placeholder 4" descr="A close up of a map&#10;&#10;Description automatically generated">
-            <a:extLst>
-              <a:ext uri="{FF2B5EF4-FFF2-40B4-BE49-F238E27FC236}">
-                <a16:creationId xmlns:a16="http://schemas.microsoft.com/office/drawing/2014/main" id="{C6C094A9-26DA-43EB-A08C-290115D67108}"/>
+          <p:cNvPr id="7" name="Picture 6" descr="A screenshot of a cell phone&#10;&#10;Description automatically generated">
+            <a:extLst>
+              <a:ext uri="{FF2B5EF4-FFF2-40B4-BE49-F238E27FC236}">
+                <a16:creationId xmlns:a16="http://schemas.microsoft.com/office/drawing/2014/main" id="{A12BA287-88B1-41F9-94C6-2F7F7C7706D1}"/>
               </a:ext>
             </a:extLst>
           </p:cNvPr>
           <p:cNvPicPr>
-            <a:picLocks noGrp="1" noChangeAspect="1"/>
+            <a:picLocks noChangeAspect="1"/>
           </p:cNvPicPr>
-          <p:nvPr>
-            <p:ph idx="1"/>
-          </p:nvPr>
+          <p:nvPr/>
         </p:nvPicPr>
         <p:blipFill>
           <a:blip r:embed="rId2">
@@ -7088,112 +7199,20 @@
         </p:blipFill>
         <p:spPr>
           <a:xfrm>
-            <a:off x="7111263" y="1682584"/>
-            <a:ext cx="4284260" cy="4456550"/>
-          </a:xfrm>
-        </p:spPr>
-      </p:pic>
-      <p:sp>
-        <p:nvSpPr>
-          <p:cNvPr id="6" name="TextBox 5">
-            <a:extLst>
-              <a:ext uri="{FF2B5EF4-FFF2-40B4-BE49-F238E27FC236}">
-                <a16:creationId xmlns:a16="http://schemas.microsoft.com/office/drawing/2014/main" id="{6B7ABDCA-472D-46FD-B44B-6C57491605B8}"/>
-              </a:ext>
-            </a:extLst>
-          </p:cNvPr>
-          <p:cNvSpPr txBox="1"/>
-          <p:nvPr/>
-        </p:nvSpPr>
-        <p:spPr>
-          <a:xfrm>
-            <a:off x="7825449" y="6208222"/>
-            <a:ext cx="2022285" cy="307777"/>
+            <a:off x="838200" y="4651643"/>
+            <a:ext cx="2305050" cy="1381125"/>
           </a:xfrm>
           <a:prstGeom prst="rect">
             <a:avLst/>
           </a:prstGeom>
-          <a:noFill/>
-        </p:spPr>
-        <p:txBody>
-          <a:bodyPr wrap="none" rtlCol="0">
-            <a:spAutoFit/>
-          </a:bodyPr>
-          <a:lstStyle/>
-          <a:p>
-            <a:r>
-              <a:rPr lang="en-US" sz="1400" dirty="0"/>
-              <a:t>***Austin data is missing</a:t>
-            </a:r>
-          </a:p>
-        </p:txBody>
-      </p:sp>
-      <p:sp>
-        <p:nvSpPr>
-          <p:cNvPr id="7" name="TextBox 6">
-            <a:extLst>
-              <a:ext uri="{FF2B5EF4-FFF2-40B4-BE49-F238E27FC236}">
-                <a16:creationId xmlns:a16="http://schemas.microsoft.com/office/drawing/2014/main" id="{194ADC26-A583-4881-BEBD-F73180BB627F}"/>
-              </a:ext>
-            </a:extLst>
-          </p:cNvPr>
-          <p:cNvSpPr txBox="1"/>
-          <p:nvPr/>
-        </p:nvSpPr>
-        <p:spPr>
-          <a:xfrm>
-            <a:off x="838200" y="1839717"/>
-            <a:ext cx="5559305" cy="1754326"/>
-          </a:xfrm>
-          <a:prstGeom prst="rect">
-            <a:avLst/>
-          </a:prstGeom>
-          <a:noFill/>
-        </p:spPr>
-        <p:txBody>
-          <a:bodyPr wrap="square" rtlCol="0">
-            <a:spAutoFit/>
-          </a:bodyPr>
-          <a:lstStyle/>
-          <a:p>
-            <a:r>
-              <a:rPr lang="en-US" dirty="0"/>
-              <a:t>For Louisville has a high r-square value and low p-value. This corresponds to the fact that increase intake frequency correlates to spike in </a:t>
-            </a:r>
-            <a:r>
-              <a:rPr lang="en-US" dirty="0" err="1"/>
-              <a:t>euthanization</a:t>
-            </a:r>
-            <a:r>
-              <a:rPr lang="en-US" dirty="0"/>
-              <a:t>. This may be a result of space constraint in these facility</a:t>
-            </a:r>
-          </a:p>
-          <a:p>
-            <a:endParaRPr lang="en-US" dirty="0"/>
-          </a:p>
-          <a:p>
-            <a:r>
-              <a:rPr lang="en-US" dirty="0"/>
-              <a:t>This is also generally true in </a:t>
-            </a:r>
-            <a:r>
-              <a:rPr lang="en-US" dirty="0" err="1"/>
-              <a:t>dallas</a:t>
-            </a:r>
-            <a:r>
-              <a:rPr lang="en-US" dirty="0"/>
-              <a:t> with p-value of 0.015</a:t>
-            </a:r>
-          </a:p>
-        </p:txBody>
-      </p:sp>
+        </p:spPr>
+      </p:pic>
       <p:pic>
         <p:nvPicPr>
-          <p:cNvPr id="9" name="Picture 8" descr="A screenshot of a cell phone&#10;&#10;Description automatically generated">
-            <a:extLst>
-              <a:ext uri="{FF2B5EF4-FFF2-40B4-BE49-F238E27FC236}">
-                <a16:creationId xmlns:a16="http://schemas.microsoft.com/office/drawing/2014/main" id="{C18E74EA-BBFB-42CB-A707-6FDEAB3685ED}"/>
+          <p:cNvPr id="9" name="Picture 8" descr="A close up of text on a white background&#10;&#10;Description automatically generated">
+            <a:extLst>
+              <a:ext uri="{FF2B5EF4-FFF2-40B4-BE49-F238E27FC236}">
+                <a16:creationId xmlns:a16="http://schemas.microsoft.com/office/drawing/2014/main" id="{92239E2F-4377-4EC5-B2C1-5810A9406D4F}"/>
               </a:ext>
             </a:extLst>
           </p:cNvPr>
@@ -7216,8 +7235,8 @@
         </p:blipFill>
         <p:spPr>
           <a:xfrm>
-            <a:off x="6397505" y="2268480"/>
-            <a:ext cx="2855888" cy="1325563"/>
+            <a:off x="3621167" y="4651643"/>
+            <a:ext cx="2390775" cy="1085850"/>
           </a:xfrm>
           <a:prstGeom prst="rect">
             <a:avLst/>
@@ -7226,10 +7245,10 @@
       </p:pic>
       <p:pic>
         <p:nvPicPr>
-          <p:cNvPr id="11" name="Picture 10" descr="A close up of a map&#10;&#10;Description automatically generated">
-            <a:extLst>
-              <a:ext uri="{FF2B5EF4-FFF2-40B4-BE49-F238E27FC236}">
-                <a16:creationId xmlns:a16="http://schemas.microsoft.com/office/drawing/2014/main" id="{633E44A9-EEA9-4B9B-BA17-91276FE1B8B3}"/>
+          <p:cNvPr id="11" name="Picture 10" descr="A screenshot of a cell phone&#10;&#10;Description automatically generated">
+            <a:extLst>
+              <a:ext uri="{FF2B5EF4-FFF2-40B4-BE49-F238E27FC236}">
+                <a16:creationId xmlns:a16="http://schemas.microsoft.com/office/drawing/2014/main" id="{F872511A-8597-4BCC-9538-04ED59389BEC}"/>
               </a:ext>
             </a:extLst>
           </p:cNvPr>
@@ -7252,8 +7271,44 @@
         </p:blipFill>
         <p:spPr>
           <a:xfrm>
-            <a:off x="838200" y="4059340"/>
-            <a:ext cx="6273063" cy="2079794"/>
+            <a:off x="6456283" y="4651643"/>
+            <a:ext cx="2200275" cy="1076325"/>
+          </a:xfrm>
+          <a:prstGeom prst="rect">
+            <a:avLst/>
+          </a:prstGeom>
+        </p:spPr>
+      </p:pic>
+      <p:pic>
+        <p:nvPicPr>
+          <p:cNvPr id="13" name="Picture 12" descr="A close up of text on a white background&#10;&#10;Description automatically generated">
+            <a:extLst>
+              <a:ext uri="{FF2B5EF4-FFF2-40B4-BE49-F238E27FC236}">
+                <a16:creationId xmlns:a16="http://schemas.microsoft.com/office/drawing/2014/main" id="{D22724D3-EE1C-4E20-BDB7-007BAB55E22D}"/>
+              </a:ext>
+            </a:extLst>
+          </p:cNvPr>
+          <p:cNvPicPr>
+            <a:picLocks noChangeAspect="1"/>
+          </p:cNvPicPr>
+          <p:nvPr/>
+        </p:nvPicPr>
+        <p:blipFill>
+          <a:blip r:embed="rId5">
+            <a:extLst>
+              <a:ext uri="{28A0092B-C50C-407E-A947-70E740481C1C}">
+                <a14:useLocalDpi xmlns:a14="http://schemas.microsoft.com/office/drawing/2010/main" val="0"/>
+              </a:ext>
+            </a:extLst>
+          </a:blip>
+          <a:stretch>
+            <a:fillRect/>
+          </a:stretch>
+        </p:blipFill>
+        <p:spPr>
+          <a:xfrm>
+            <a:off x="9134475" y="4651643"/>
+            <a:ext cx="2219325" cy="1181100"/>
           </a:xfrm>
           <a:prstGeom prst="rect">
             <a:avLst/>
@@ -7263,7 +7318,7 @@
     </p:spTree>
     <p:extLst>
       <p:ext uri="{BB962C8B-B14F-4D97-AF65-F5344CB8AC3E}">
-        <p14:creationId xmlns:p14="http://schemas.microsoft.com/office/powerpoint/2010/main" val="3708795606"/>
+        <p14:creationId xmlns:p14="http://schemas.microsoft.com/office/powerpoint/2010/main" val="3477617408"/>
       </p:ext>
     </p:extLst>
   </p:cSld>
@@ -7295,7 +7350,7 @@
           <p:cNvPr id="2" name="Title 1">
             <a:extLst>
               <a:ext uri="{FF2B5EF4-FFF2-40B4-BE49-F238E27FC236}">
-                <a16:creationId xmlns:a16="http://schemas.microsoft.com/office/drawing/2014/main" id="{9B798EC5-83A7-44B3-84DA-2FA6FACF1DD7}"/>
+                <a16:creationId xmlns:a16="http://schemas.microsoft.com/office/drawing/2014/main" id="{13B424DC-D463-4977-80F1-9BF5FF5A9ACD}"/>
               </a:ext>
             </a:extLst>
           </p:cNvPr>
@@ -7313,7 +7368,7 @@
           <a:p>
             <a:r>
               <a:rPr lang="en-US" dirty="0"/>
-              <a:t>Machine Learning</a:t>
+              <a:t>Machine Learning cont.</a:t>
             </a:r>
           </a:p>
         </p:txBody>
@@ -7323,7 +7378,7 @@
           <p:cNvPr id="3" name="Content Placeholder 2">
             <a:extLst>
               <a:ext uri="{FF2B5EF4-FFF2-40B4-BE49-F238E27FC236}">
-                <a16:creationId xmlns:a16="http://schemas.microsoft.com/office/drawing/2014/main" id="{9235072E-EE68-4058-92E7-83974CA2EFC7}"/>
+                <a16:creationId xmlns:a16="http://schemas.microsoft.com/office/drawing/2014/main" id="{D5B988C1-8C4E-4558-9AE3-E527BFC8F0CF}"/>
               </a:ext>
             </a:extLst>
           </p:cNvPr>
@@ -7336,26 +7391,145 @@
         </p:nvSpPr>
         <p:spPr/>
         <p:txBody>
-          <a:bodyPr/>
-          <a:lstStyle/>
-          <a:p>
-            <a:r>
-              <a:rPr lang="en-US" dirty="0"/>
-              <a:t>Strategy: Machine learning on every location independently with many important factors missing</a:t>
-            </a:r>
-          </a:p>
-          <a:p>
-            <a:r>
-              <a:rPr lang="en-US" dirty="0"/>
-              <a:t>Target = </a:t>
+          <a:bodyPr>
+            <a:normAutofit fontScale="92500" lnSpcReduction="10000"/>
+          </a:bodyPr>
+          <a:lstStyle/>
+          <a:p>
+            <a:r>
+              <a:rPr lang="en-US" dirty="0"/>
+              <a:t>Logistic regression model (cv= 3, ‘C’ </a:t>
             </a:r>
             <a:r>
               <a:rPr lang="en-US" dirty="0" err="1"/>
-              <a:t>Outcome_Type</a:t>
-            </a:r>
-            <a:endParaRPr lang="en-US" dirty="0"/>
-          </a:p>
-          <a:p>
+              <a:t>hypertuning</a:t>
+            </a:r>
+            <a:r>
+              <a:rPr lang="en-US" dirty="0"/>
+              <a:t>)</a:t>
+            </a:r>
+          </a:p>
+          <a:p>
+            <a:r>
+              <a:rPr lang="en-US" dirty="0"/>
+              <a:t>Bernoulli naïve </a:t>
+            </a:r>
+            <a:r>
+              <a:rPr lang="en-US" dirty="0" err="1"/>
+              <a:t>bayes</a:t>
+            </a:r>
+            <a:r>
+              <a:rPr lang="en-US" dirty="0"/>
+              <a:t> (cv = 3, ‘alpha’ </a:t>
+            </a:r>
+            <a:r>
+              <a:rPr lang="en-US" dirty="0" err="1"/>
+              <a:t>hypertuning</a:t>
+            </a:r>
+            <a:r>
+              <a:rPr lang="en-US" dirty="0"/>
+              <a:t>)</a:t>
+            </a:r>
+          </a:p>
+          <a:p>
+            <a:r>
+              <a:rPr lang="en-US" dirty="0"/>
+              <a:t>Support vector machine (cv = 3, ‘C’ </a:t>
+            </a:r>
+            <a:r>
+              <a:rPr lang="en-US" dirty="0" err="1"/>
+              <a:t>hypertuning</a:t>
+            </a:r>
+            <a:r>
+              <a:rPr lang="en-US" dirty="0"/>
+              <a:t>)</a:t>
+            </a:r>
+          </a:p>
+          <a:p>
+            <a:r>
+              <a:rPr lang="en-US" dirty="0"/>
+              <a:t>K-Nearest Neighbor (cv = 3, ‘</a:t>
+            </a:r>
+            <a:r>
+              <a:rPr lang="en-US" dirty="0" err="1"/>
+              <a:t>n_neighbors</a:t>
+            </a:r>
+            <a:r>
+              <a:rPr lang="en-US" dirty="0"/>
+              <a:t>’ </a:t>
+            </a:r>
+            <a:r>
+              <a:rPr lang="en-US" dirty="0" err="1"/>
+              <a:t>hypertuning</a:t>
+            </a:r>
+            <a:r>
+              <a:rPr lang="en-US" dirty="0"/>
+              <a:t>)</a:t>
+            </a:r>
+          </a:p>
+          <a:p>
+            <a:r>
+              <a:rPr lang="en-US" dirty="0"/>
+              <a:t>Random forest (cv = 3, ‘</a:t>
+            </a:r>
+            <a:r>
+              <a:rPr lang="en-US" dirty="0" err="1"/>
+              <a:t>n_estimator</a:t>
+            </a:r>
+            <a:r>
+              <a:rPr lang="en-US" dirty="0"/>
+              <a:t>’ </a:t>
+            </a:r>
+            <a:r>
+              <a:rPr lang="en-US" dirty="0" err="1"/>
+              <a:t>hypertuning</a:t>
+            </a:r>
+            <a:r>
+              <a:rPr lang="en-US" dirty="0"/>
+              <a:t>)</a:t>
+            </a:r>
+          </a:p>
+          <a:p>
+            <a:r>
+              <a:rPr lang="en-US" dirty="0"/>
+              <a:t>Deep learning(6 hidden layer, Batch normalization every other layer, dropout for all other layers, ‘</a:t>
+            </a:r>
+            <a:r>
+              <a:rPr lang="en-US" dirty="0" err="1"/>
+              <a:t>relu</a:t>
+            </a:r>
+            <a:r>
+              <a:rPr lang="en-US" dirty="0"/>
+              <a:t>’ activations, loss = ‘</a:t>
+            </a:r>
+            <a:r>
+              <a:rPr lang="en-US" dirty="0" err="1"/>
+              <a:t>categorical_crossentropy</a:t>
+            </a:r>
+            <a:r>
+              <a:rPr lang="en-US" dirty="0"/>
+              <a:t>’, </a:t>
+            </a:r>
+            <a:r>
+              <a:rPr lang="en-US" dirty="0" err="1"/>
+              <a:t>batch_size</a:t>
+            </a:r>
+            <a:r>
+              <a:rPr lang="en-US" dirty="0"/>
+              <a:t> = 256, </a:t>
+            </a:r>
+            <a:r>
+              <a:rPr lang="en-US" dirty="0" err="1"/>
+              <a:t>eposch</a:t>
+            </a:r>
+            <a:r>
+              <a:rPr lang="en-US" dirty="0"/>
+              <a:t> = 50, validation split = </a:t>
+            </a:r>
+            <a:r>
+              <a:rPr lang="en-US"/>
+              <a:t>0.3)</a:t>
+            </a:r>
             <a:endParaRPr lang="en-US" dirty="0"/>
           </a:p>
           <a:p>
@@ -7366,163 +7540,16 @@
               <a:buNone/>
             </a:pPr>
             <a:r>
-              <a:rPr lang="en-US" dirty="0"/>
-              <a:t>Louisville		Dallas			  Austin		 Sonoma </a:t>
-            </a:r>
-          </a:p>
-          <a:p>
-            <a:endParaRPr lang="en-US" dirty="0"/>
-          </a:p>
-        </p:txBody>
-      </p:sp>
-      <p:pic>
-        <p:nvPicPr>
-          <p:cNvPr id="7" name="Picture 6" descr="A screenshot of a cell phone&#10;&#10;Description automatically generated">
-            <a:extLst>
-              <a:ext uri="{FF2B5EF4-FFF2-40B4-BE49-F238E27FC236}">
-                <a16:creationId xmlns:a16="http://schemas.microsoft.com/office/drawing/2014/main" id="{A12BA287-88B1-41F9-94C6-2F7F7C7706D1}"/>
-              </a:ext>
-            </a:extLst>
-          </p:cNvPr>
-          <p:cNvPicPr>
-            <a:picLocks noChangeAspect="1"/>
-          </p:cNvPicPr>
-          <p:nvPr/>
-        </p:nvPicPr>
-        <p:blipFill>
-          <a:blip r:embed="rId2">
-            <a:extLst>
-              <a:ext uri="{28A0092B-C50C-407E-A947-70E740481C1C}">
-                <a14:useLocalDpi xmlns:a14="http://schemas.microsoft.com/office/drawing/2010/main" val="0"/>
-              </a:ext>
-            </a:extLst>
-          </a:blip>
-          <a:stretch>
-            <a:fillRect/>
-          </a:stretch>
-        </p:blipFill>
-        <p:spPr>
-          <a:xfrm>
-            <a:off x="838200" y="4651643"/>
-            <a:ext cx="2305050" cy="1381125"/>
-          </a:xfrm>
-          <a:prstGeom prst="rect">
-            <a:avLst/>
-          </a:prstGeom>
-        </p:spPr>
-      </p:pic>
-      <p:pic>
-        <p:nvPicPr>
-          <p:cNvPr id="9" name="Picture 8" descr="A close up of text on a white background&#10;&#10;Description automatically generated">
-            <a:extLst>
-              <a:ext uri="{FF2B5EF4-FFF2-40B4-BE49-F238E27FC236}">
-                <a16:creationId xmlns:a16="http://schemas.microsoft.com/office/drawing/2014/main" id="{92239E2F-4377-4EC5-B2C1-5810A9406D4F}"/>
-              </a:ext>
-            </a:extLst>
-          </p:cNvPr>
-          <p:cNvPicPr>
-            <a:picLocks noChangeAspect="1"/>
-          </p:cNvPicPr>
-          <p:nvPr/>
-        </p:nvPicPr>
-        <p:blipFill>
-          <a:blip r:embed="rId3">
-            <a:extLst>
-              <a:ext uri="{28A0092B-C50C-407E-A947-70E740481C1C}">
-                <a14:useLocalDpi xmlns:a14="http://schemas.microsoft.com/office/drawing/2010/main" val="0"/>
-              </a:ext>
-            </a:extLst>
-          </a:blip>
-          <a:stretch>
-            <a:fillRect/>
-          </a:stretch>
-        </p:blipFill>
-        <p:spPr>
-          <a:xfrm>
-            <a:off x="3621167" y="4651643"/>
-            <a:ext cx="2390775" cy="1085850"/>
-          </a:xfrm>
-          <a:prstGeom prst="rect">
-            <a:avLst/>
-          </a:prstGeom>
-        </p:spPr>
-      </p:pic>
-      <p:pic>
-        <p:nvPicPr>
-          <p:cNvPr id="11" name="Picture 10" descr="A screenshot of a cell phone&#10;&#10;Description automatically generated">
-            <a:extLst>
-              <a:ext uri="{FF2B5EF4-FFF2-40B4-BE49-F238E27FC236}">
-                <a16:creationId xmlns:a16="http://schemas.microsoft.com/office/drawing/2014/main" id="{F872511A-8597-4BCC-9538-04ED59389BEC}"/>
-              </a:ext>
-            </a:extLst>
-          </p:cNvPr>
-          <p:cNvPicPr>
-            <a:picLocks noChangeAspect="1"/>
-          </p:cNvPicPr>
-          <p:nvPr/>
-        </p:nvPicPr>
-        <p:blipFill>
-          <a:blip r:embed="rId4">
-            <a:extLst>
-              <a:ext uri="{28A0092B-C50C-407E-A947-70E740481C1C}">
-                <a14:useLocalDpi xmlns:a14="http://schemas.microsoft.com/office/drawing/2010/main" val="0"/>
-              </a:ext>
-            </a:extLst>
-          </a:blip>
-          <a:stretch>
-            <a:fillRect/>
-          </a:stretch>
-        </p:blipFill>
-        <p:spPr>
-          <a:xfrm>
-            <a:off x="6456283" y="4651643"/>
-            <a:ext cx="2200275" cy="1076325"/>
-          </a:xfrm>
-          <a:prstGeom prst="rect">
-            <a:avLst/>
-          </a:prstGeom>
-        </p:spPr>
-      </p:pic>
-      <p:pic>
-        <p:nvPicPr>
-          <p:cNvPr id="13" name="Picture 12" descr="A close up of text on a white background&#10;&#10;Description automatically generated">
-            <a:extLst>
-              <a:ext uri="{FF2B5EF4-FFF2-40B4-BE49-F238E27FC236}">
-                <a16:creationId xmlns:a16="http://schemas.microsoft.com/office/drawing/2014/main" id="{D22724D3-EE1C-4E20-BDB7-007BAB55E22D}"/>
-              </a:ext>
-            </a:extLst>
-          </p:cNvPr>
-          <p:cNvPicPr>
-            <a:picLocks noChangeAspect="1"/>
-          </p:cNvPicPr>
-          <p:nvPr/>
-        </p:nvPicPr>
-        <p:blipFill>
-          <a:blip r:embed="rId5">
-            <a:extLst>
-              <a:ext uri="{28A0092B-C50C-407E-A947-70E740481C1C}">
-                <a14:useLocalDpi xmlns:a14="http://schemas.microsoft.com/office/drawing/2010/main" val="0"/>
-              </a:ext>
-            </a:extLst>
-          </a:blip>
-          <a:stretch>
-            <a:fillRect/>
-          </a:stretch>
-        </p:blipFill>
-        <p:spPr>
-          <a:xfrm>
-            <a:off x="9134475" y="4651643"/>
-            <a:ext cx="2219325" cy="1181100"/>
-          </a:xfrm>
-          <a:prstGeom prst="rect">
-            <a:avLst/>
-          </a:prstGeom>
-        </p:spPr>
-      </p:pic>
+              <a:rPr lang="en-US" sz="1400" dirty="0"/>
+              <a:t>***cv: cross validation</a:t>
+            </a:r>
+          </a:p>
+        </p:txBody>
+      </p:sp>
     </p:spTree>
     <p:extLst>
       <p:ext uri="{BB962C8B-B14F-4D97-AF65-F5344CB8AC3E}">
-        <p14:creationId xmlns:p14="http://schemas.microsoft.com/office/powerpoint/2010/main" val="3477617408"/>
+        <p14:creationId xmlns:p14="http://schemas.microsoft.com/office/powerpoint/2010/main" val="1396798215"/>
       </p:ext>
     </p:extLst>
   </p:cSld>
@@ -7554,7 +7581,7 @@
           <p:cNvPr id="2" name="Title 1">
             <a:extLst>
               <a:ext uri="{FF2B5EF4-FFF2-40B4-BE49-F238E27FC236}">
-                <a16:creationId xmlns:a16="http://schemas.microsoft.com/office/drawing/2014/main" id="{13B424DC-D463-4977-80F1-9BF5FF5A9ACD}"/>
+                <a16:creationId xmlns:a16="http://schemas.microsoft.com/office/drawing/2014/main" id="{F402BA7C-74B0-4B58-AA2A-2728181DFB7A}"/>
               </a:ext>
             </a:extLst>
           </p:cNvPr>
@@ -7572,7 +7599,7 @@
           <a:p>
             <a:r>
               <a:rPr lang="en-US" dirty="0"/>
-              <a:t>Machine Learning cont.</a:t>
+              <a:t>Best Accuracy on Test and Train Data</a:t>
             </a:r>
           </a:p>
         </p:txBody>
@@ -7582,7 +7609,7 @@
           <p:cNvPr id="3" name="Content Placeholder 2">
             <a:extLst>
               <a:ext uri="{FF2B5EF4-FFF2-40B4-BE49-F238E27FC236}">
-                <a16:creationId xmlns:a16="http://schemas.microsoft.com/office/drawing/2014/main" id="{D5B988C1-8C4E-4558-9AE3-E527BFC8F0CF}"/>
+                <a16:creationId xmlns:a16="http://schemas.microsoft.com/office/drawing/2014/main" id="{CFC65256-EE00-4E22-A5A1-9FFFAF328B4D}"/>
               </a:ext>
             </a:extLst>
           </p:cNvPr>
@@ -7593,167 +7620,212 @@
             <p:ph idx="1"/>
           </p:nvPr>
         </p:nvSpPr>
-        <p:spPr/>
+        <p:spPr>
+          <a:xfrm>
+            <a:off x="838200" y="1825625"/>
+            <a:ext cx="6547338" cy="4351338"/>
+          </a:xfrm>
+        </p:spPr>
         <p:txBody>
           <a:bodyPr>
-            <a:normAutofit fontScale="92500" lnSpcReduction="10000"/>
+            <a:normAutofit fontScale="92500" lnSpcReduction="20000"/>
           </a:bodyPr>
           <a:lstStyle/>
           <a:p>
             <a:r>
-              <a:rPr lang="en-US" dirty="0"/>
-              <a:t>Logistic regression model (cv= 3, ‘C’ </a:t>
-            </a:r>
-            <a:r>
-              <a:rPr lang="en-US" dirty="0" err="1"/>
-              <a:t>hypertuning</a:t>
-            </a:r>
-            <a:r>
-              <a:rPr lang="en-US" dirty="0"/>
-              <a:t>)</a:t>
-            </a:r>
-          </a:p>
-          <a:p>
-            <a:r>
-              <a:rPr lang="en-US" dirty="0"/>
-              <a:t>Bernoulli naïve </a:t>
-            </a:r>
-            <a:r>
-              <a:rPr lang="en-US" dirty="0" err="1"/>
-              <a:t>bayes</a:t>
-            </a:r>
-            <a:r>
-              <a:rPr lang="en-US" dirty="0"/>
-              <a:t> (cv = 3, ‘alpha’ </a:t>
-            </a:r>
-            <a:r>
-              <a:rPr lang="en-US" dirty="0" err="1"/>
-              <a:t>hypertuning</a:t>
-            </a:r>
-            <a:r>
-              <a:rPr lang="en-US" dirty="0"/>
-              <a:t>)</a:t>
-            </a:r>
-          </a:p>
-          <a:p>
-            <a:r>
-              <a:rPr lang="en-US" dirty="0"/>
-              <a:t>Support vector machine (cv = 3, ‘C’ </a:t>
-            </a:r>
-            <a:r>
-              <a:rPr lang="en-US" dirty="0" err="1"/>
-              <a:t>hypertuning</a:t>
-            </a:r>
-            <a:r>
-              <a:rPr lang="en-US" dirty="0"/>
-              <a:t>)</a:t>
-            </a:r>
-          </a:p>
-          <a:p>
-            <a:r>
-              <a:rPr lang="en-US" dirty="0"/>
-              <a:t>K-Nearest Neighbor (cv = 3, ‘</a:t>
-            </a:r>
-            <a:r>
-              <a:rPr lang="en-US" dirty="0" err="1"/>
-              <a:t>n_neighbors</a:t>
-            </a:r>
-            <a:r>
-              <a:rPr lang="en-US" dirty="0"/>
-              <a:t>’ </a:t>
-            </a:r>
-            <a:r>
-              <a:rPr lang="en-US" dirty="0" err="1"/>
-              <a:t>hypertuning</a:t>
-            </a:r>
-            <a:r>
-              <a:rPr lang="en-US" dirty="0"/>
-              <a:t>)</a:t>
-            </a:r>
-          </a:p>
-          <a:p>
-            <a:r>
-              <a:rPr lang="en-US" dirty="0"/>
-              <a:t>Random forest (cv = 3, ‘</a:t>
-            </a:r>
-            <a:r>
-              <a:rPr lang="en-US" dirty="0" err="1"/>
-              <a:t>n_estimator</a:t>
-            </a:r>
-            <a:r>
-              <a:rPr lang="en-US" dirty="0"/>
-              <a:t>’ </a:t>
-            </a:r>
-            <a:r>
-              <a:rPr lang="en-US" dirty="0" err="1"/>
-              <a:t>hypertuning</a:t>
-            </a:r>
-            <a:r>
-              <a:rPr lang="en-US" dirty="0"/>
-              <a:t>)</a:t>
-            </a:r>
-          </a:p>
-          <a:p>
-            <a:r>
-              <a:rPr lang="en-US" dirty="0"/>
-              <a:t>Deep learning(6 hidden layer, Batch normalization every other layer, dropout for all other layers, ‘</a:t>
-            </a:r>
-            <a:r>
-              <a:rPr lang="en-US" dirty="0" err="1"/>
-              <a:t>relu</a:t>
-            </a:r>
-            <a:r>
-              <a:rPr lang="en-US" dirty="0"/>
-              <a:t>’ activations, loss = ‘</a:t>
-            </a:r>
-            <a:r>
-              <a:rPr lang="en-US" dirty="0" err="1"/>
-              <a:t>categorical_crossentropy</a:t>
-            </a:r>
-            <a:r>
-              <a:rPr lang="en-US" dirty="0"/>
-              <a:t>’, </a:t>
-            </a:r>
-            <a:r>
-              <a:rPr lang="en-US" dirty="0" err="1"/>
-              <a:t>batch_size</a:t>
-            </a:r>
-            <a:r>
-              <a:rPr lang="en-US" dirty="0"/>
-              <a:t> = 256, </a:t>
-            </a:r>
-            <a:r>
-              <a:rPr lang="en-US" dirty="0" err="1"/>
-              <a:t>eposch</a:t>
-            </a:r>
-            <a:r>
-              <a:rPr lang="en-US" dirty="0"/>
-              <a:t> = 50, validation split = </a:t>
-            </a:r>
-            <a:r>
-              <a:rPr lang="en-US"/>
-              <a:t>0.3)</a:t>
-            </a:r>
-            <a:endParaRPr lang="en-US" dirty="0"/>
-          </a:p>
-          <a:p>
-            <a:endParaRPr lang="en-US" dirty="0"/>
-          </a:p>
-          <a:p>
-            <a:pPr marL="0" indent="0">
-              <a:buNone/>
-            </a:pPr>
-            <a:r>
-              <a:rPr lang="en-US" sz="1400" dirty="0"/>
-              <a:t>***cv: cross validation</a:t>
-            </a:r>
-          </a:p>
-        </p:txBody>
-      </p:sp>
+              <a:rPr lang="en-US" sz="2500" dirty="0"/>
+              <a:t>Louisville: Deep learning model with 68.3% on validation data, 68.2% on test data</a:t>
+            </a:r>
+          </a:p>
+          <a:p>
+            <a:endParaRPr lang="en-US" sz="2500" dirty="0"/>
+          </a:p>
+          <a:p>
+            <a:r>
+              <a:rPr lang="en-US" sz="2500" dirty="0"/>
+              <a:t>Dallas: Deep learning model with 55.3% on validation data, 55.6% on test data</a:t>
+            </a:r>
+          </a:p>
+          <a:p>
+            <a:endParaRPr lang="en-US" sz="2500" dirty="0"/>
+          </a:p>
+          <a:p>
+            <a:r>
+              <a:rPr lang="en-US" sz="2500" dirty="0"/>
+              <a:t>Austin: Deep learning model with 59% on validation data, 60.1% on test data</a:t>
+            </a:r>
+          </a:p>
+          <a:p>
+            <a:endParaRPr lang="en-US" sz="2500" dirty="0"/>
+          </a:p>
+          <a:p>
+            <a:r>
+              <a:rPr lang="en-US" sz="2500" dirty="0"/>
+              <a:t>Sonoma: Deep learning model with 78.2% on validation data, 77.2% on test data</a:t>
+            </a:r>
+          </a:p>
+          <a:p>
+            <a:endParaRPr lang="en-US" sz="2500" dirty="0"/>
+          </a:p>
+          <a:p>
+            <a:r>
+              <a:rPr lang="en-US" sz="2500" dirty="0"/>
+              <a:t>Bad accuracy for Dallas, is the data useless?</a:t>
+            </a:r>
+          </a:p>
+          <a:p>
+            <a:endParaRPr lang="en-US" sz="2600" dirty="0"/>
+          </a:p>
+        </p:txBody>
+      </p:sp>
+      <p:pic>
+        <p:nvPicPr>
+          <p:cNvPr id="15" name="Picture 14" descr="A screenshot of a cell phone&#10;&#10;Description automatically generated">
+            <a:extLst>
+              <a:ext uri="{FF2B5EF4-FFF2-40B4-BE49-F238E27FC236}">
+                <a16:creationId xmlns:a16="http://schemas.microsoft.com/office/drawing/2014/main" id="{D59244E8-B469-4DF9-AC19-6C188CF8B2C0}"/>
+              </a:ext>
+            </a:extLst>
+          </p:cNvPr>
+          <p:cNvPicPr>
+            <a:picLocks noChangeAspect="1"/>
+          </p:cNvPicPr>
+          <p:nvPr/>
+        </p:nvPicPr>
+        <p:blipFill>
+          <a:blip r:embed="rId2">
+            <a:extLst>
+              <a:ext uri="{28A0092B-C50C-407E-A947-70E740481C1C}">
+                <a14:useLocalDpi xmlns:a14="http://schemas.microsoft.com/office/drawing/2010/main" val="0"/>
+              </a:ext>
+            </a:extLst>
+          </a:blip>
+          <a:stretch>
+            <a:fillRect/>
+          </a:stretch>
+        </p:blipFill>
+        <p:spPr>
+          <a:xfrm>
+            <a:off x="7697153" y="1198326"/>
+            <a:ext cx="3050564" cy="1254598"/>
+          </a:xfrm>
+          <a:prstGeom prst="rect">
+            <a:avLst/>
+          </a:prstGeom>
+        </p:spPr>
+      </p:pic>
+      <p:pic>
+        <p:nvPicPr>
+          <p:cNvPr id="17" name="Picture 16" descr="A screenshot of a cell phone&#10;&#10;Description automatically generated">
+            <a:extLst>
+              <a:ext uri="{FF2B5EF4-FFF2-40B4-BE49-F238E27FC236}">
+                <a16:creationId xmlns:a16="http://schemas.microsoft.com/office/drawing/2014/main" id="{B01DAD04-8CEA-4794-9FDF-FB4D181212F8}"/>
+              </a:ext>
+            </a:extLst>
+          </p:cNvPr>
+          <p:cNvPicPr>
+            <a:picLocks noChangeAspect="1"/>
+          </p:cNvPicPr>
+          <p:nvPr/>
+        </p:nvPicPr>
+        <p:blipFill>
+          <a:blip r:embed="rId3">
+            <a:extLst>
+              <a:ext uri="{28A0092B-C50C-407E-A947-70E740481C1C}">
+                <a14:useLocalDpi xmlns:a14="http://schemas.microsoft.com/office/drawing/2010/main" val="0"/>
+              </a:ext>
+            </a:extLst>
+          </a:blip>
+          <a:stretch>
+            <a:fillRect/>
+          </a:stretch>
+        </p:blipFill>
+        <p:spPr>
+          <a:xfrm>
+            <a:off x="7697153" y="2452924"/>
+            <a:ext cx="3050564" cy="1298306"/>
+          </a:xfrm>
+          <a:prstGeom prst="rect">
+            <a:avLst/>
+          </a:prstGeom>
+        </p:spPr>
+      </p:pic>
+      <p:pic>
+        <p:nvPicPr>
+          <p:cNvPr id="19" name="Picture 18" descr="A picture containing electronics&#10;&#10;Description automatically generated">
+            <a:extLst>
+              <a:ext uri="{FF2B5EF4-FFF2-40B4-BE49-F238E27FC236}">
+                <a16:creationId xmlns:a16="http://schemas.microsoft.com/office/drawing/2014/main" id="{B5566EF7-50BA-430E-9BF6-ADCB6F958AD3}"/>
+              </a:ext>
+            </a:extLst>
+          </p:cNvPr>
+          <p:cNvPicPr>
+            <a:picLocks noChangeAspect="1"/>
+          </p:cNvPicPr>
+          <p:nvPr/>
+        </p:nvPicPr>
+        <p:blipFill>
+          <a:blip r:embed="rId4">
+            <a:extLst>
+              <a:ext uri="{28A0092B-C50C-407E-A947-70E740481C1C}">
+                <a14:useLocalDpi xmlns:a14="http://schemas.microsoft.com/office/drawing/2010/main" val="0"/>
+              </a:ext>
+            </a:extLst>
+          </a:blip>
+          <a:stretch>
+            <a:fillRect/>
+          </a:stretch>
+        </p:blipFill>
+        <p:spPr>
+          <a:xfrm>
+            <a:off x="7697153" y="3751230"/>
+            <a:ext cx="3050564" cy="1337485"/>
+          </a:xfrm>
+          <a:prstGeom prst="rect">
+            <a:avLst/>
+          </a:prstGeom>
+        </p:spPr>
+      </p:pic>
+      <p:pic>
+        <p:nvPicPr>
+          <p:cNvPr id="21" name="Picture 20" descr="A picture containing electronics, telephone&#10;&#10;Description automatically generated">
+            <a:extLst>
+              <a:ext uri="{FF2B5EF4-FFF2-40B4-BE49-F238E27FC236}">
+                <a16:creationId xmlns:a16="http://schemas.microsoft.com/office/drawing/2014/main" id="{DBC1FDFA-ECD4-4216-9385-4552277ECA0D}"/>
+              </a:ext>
+            </a:extLst>
+          </p:cNvPr>
+          <p:cNvPicPr>
+            <a:picLocks noChangeAspect="1"/>
+          </p:cNvPicPr>
+          <p:nvPr/>
+        </p:nvPicPr>
+        <p:blipFill>
+          <a:blip r:embed="rId5">
+            <a:extLst>
+              <a:ext uri="{28A0092B-C50C-407E-A947-70E740481C1C}">
+                <a14:useLocalDpi xmlns:a14="http://schemas.microsoft.com/office/drawing/2010/main" val="0"/>
+              </a:ext>
+            </a:extLst>
+          </a:blip>
+          <a:stretch>
+            <a:fillRect/>
+          </a:stretch>
+        </p:blipFill>
+        <p:spPr>
+          <a:xfrm>
+            <a:off x="7697154" y="5088716"/>
+            <a:ext cx="3050564" cy="1328324"/>
+          </a:xfrm>
+          <a:prstGeom prst="rect">
+            <a:avLst/>
+          </a:prstGeom>
+        </p:spPr>
+      </p:pic>
     </p:spTree>
     <p:extLst>
       <p:ext uri="{BB962C8B-B14F-4D97-AF65-F5344CB8AC3E}">
-        <p14:creationId xmlns:p14="http://schemas.microsoft.com/office/powerpoint/2010/main" val="1396798215"/>
+        <p14:creationId xmlns:p14="http://schemas.microsoft.com/office/powerpoint/2010/main" val="2327191018"/>
       </p:ext>
     </p:extLst>
   </p:cSld>
@@ -7785,282 +7857,6 @@
           <p:cNvPr id="2" name="Title 1">
             <a:extLst>
               <a:ext uri="{FF2B5EF4-FFF2-40B4-BE49-F238E27FC236}">
-                <a16:creationId xmlns:a16="http://schemas.microsoft.com/office/drawing/2014/main" id="{F402BA7C-74B0-4B58-AA2A-2728181DFB7A}"/>
-              </a:ext>
-            </a:extLst>
-          </p:cNvPr>
-          <p:cNvSpPr>
-            <a:spLocks noGrp="1"/>
-          </p:cNvSpPr>
-          <p:nvPr>
-            <p:ph type="title"/>
-          </p:nvPr>
-        </p:nvSpPr>
-        <p:spPr/>
-        <p:txBody>
-          <a:bodyPr/>
-          <a:lstStyle/>
-          <a:p>
-            <a:r>
-              <a:rPr lang="en-US" dirty="0"/>
-              <a:t>Best Accuracy on Test and Train Data</a:t>
-            </a:r>
-          </a:p>
-        </p:txBody>
-      </p:sp>
-      <p:sp>
-        <p:nvSpPr>
-          <p:cNvPr id="3" name="Content Placeholder 2">
-            <a:extLst>
-              <a:ext uri="{FF2B5EF4-FFF2-40B4-BE49-F238E27FC236}">
-                <a16:creationId xmlns:a16="http://schemas.microsoft.com/office/drawing/2014/main" id="{CFC65256-EE00-4E22-A5A1-9FFFAF328B4D}"/>
-              </a:ext>
-            </a:extLst>
-          </p:cNvPr>
-          <p:cNvSpPr>
-            <a:spLocks noGrp="1"/>
-          </p:cNvSpPr>
-          <p:nvPr>
-            <p:ph idx="1"/>
-          </p:nvPr>
-        </p:nvSpPr>
-        <p:spPr>
-          <a:xfrm>
-            <a:off x="838200" y="1825625"/>
-            <a:ext cx="6547338" cy="4351338"/>
-          </a:xfrm>
-        </p:spPr>
-        <p:txBody>
-          <a:bodyPr>
-            <a:normAutofit fontScale="92500" lnSpcReduction="20000"/>
-          </a:bodyPr>
-          <a:lstStyle/>
-          <a:p>
-            <a:r>
-              <a:rPr lang="en-US" sz="2500" dirty="0"/>
-              <a:t>Louisville: Deep learning model with 68.3% on validation data, 68.2% on test data</a:t>
-            </a:r>
-          </a:p>
-          <a:p>
-            <a:endParaRPr lang="en-US" sz="2500" dirty="0"/>
-          </a:p>
-          <a:p>
-            <a:r>
-              <a:rPr lang="en-US" sz="2500" dirty="0"/>
-              <a:t>Dallas: Deep learning model with 55.3% on validation data, 55.6% on test data</a:t>
-            </a:r>
-          </a:p>
-          <a:p>
-            <a:endParaRPr lang="en-US" sz="2500" dirty="0"/>
-          </a:p>
-          <a:p>
-            <a:r>
-              <a:rPr lang="en-US" sz="2500" dirty="0"/>
-              <a:t>Austin: Deep learning model with 59% on validation data, 60.1% on test data</a:t>
-            </a:r>
-          </a:p>
-          <a:p>
-            <a:endParaRPr lang="en-US" sz="2500" dirty="0"/>
-          </a:p>
-          <a:p>
-            <a:r>
-              <a:rPr lang="en-US" sz="2500" dirty="0"/>
-              <a:t>Sonoma: Deep learning model with 78.2% on validation data, 77.2% on test data</a:t>
-            </a:r>
-          </a:p>
-          <a:p>
-            <a:endParaRPr lang="en-US" sz="2500" dirty="0"/>
-          </a:p>
-          <a:p>
-            <a:r>
-              <a:rPr lang="en-US" sz="2500" dirty="0"/>
-              <a:t>Bad accuracy for Dallas, is the data useless?</a:t>
-            </a:r>
-          </a:p>
-          <a:p>
-            <a:endParaRPr lang="en-US" sz="2600" dirty="0"/>
-          </a:p>
-        </p:txBody>
-      </p:sp>
-      <p:pic>
-        <p:nvPicPr>
-          <p:cNvPr id="15" name="Picture 14" descr="A screenshot of a cell phone&#10;&#10;Description automatically generated">
-            <a:extLst>
-              <a:ext uri="{FF2B5EF4-FFF2-40B4-BE49-F238E27FC236}">
-                <a16:creationId xmlns:a16="http://schemas.microsoft.com/office/drawing/2014/main" id="{D59244E8-B469-4DF9-AC19-6C188CF8B2C0}"/>
-              </a:ext>
-            </a:extLst>
-          </p:cNvPr>
-          <p:cNvPicPr>
-            <a:picLocks noChangeAspect="1"/>
-          </p:cNvPicPr>
-          <p:nvPr/>
-        </p:nvPicPr>
-        <p:blipFill>
-          <a:blip r:embed="rId2">
-            <a:extLst>
-              <a:ext uri="{28A0092B-C50C-407E-A947-70E740481C1C}">
-                <a14:useLocalDpi xmlns:a14="http://schemas.microsoft.com/office/drawing/2010/main" val="0"/>
-              </a:ext>
-            </a:extLst>
-          </a:blip>
-          <a:stretch>
-            <a:fillRect/>
-          </a:stretch>
-        </p:blipFill>
-        <p:spPr>
-          <a:xfrm>
-            <a:off x="7697153" y="1198326"/>
-            <a:ext cx="3050564" cy="1254598"/>
-          </a:xfrm>
-          <a:prstGeom prst="rect">
-            <a:avLst/>
-          </a:prstGeom>
-        </p:spPr>
-      </p:pic>
-      <p:pic>
-        <p:nvPicPr>
-          <p:cNvPr id="17" name="Picture 16" descr="A screenshot of a cell phone&#10;&#10;Description automatically generated">
-            <a:extLst>
-              <a:ext uri="{FF2B5EF4-FFF2-40B4-BE49-F238E27FC236}">
-                <a16:creationId xmlns:a16="http://schemas.microsoft.com/office/drawing/2014/main" id="{B01DAD04-8CEA-4794-9FDF-FB4D181212F8}"/>
-              </a:ext>
-            </a:extLst>
-          </p:cNvPr>
-          <p:cNvPicPr>
-            <a:picLocks noChangeAspect="1"/>
-          </p:cNvPicPr>
-          <p:nvPr/>
-        </p:nvPicPr>
-        <p:blipFill>
-          <a:blip r:embed="rId3">
-            <a:extLst>
-              <a:ext uri="{28A0092B-C50C-407E-A947-70E740481C1C}">
-                <a14:useLocalDpi xmlns:a14="http://schemas.microsoft.com/office/drawing/2010/main" val="0"/>
-              </a:ext>
-            </a:extLst>
-          </a:blip>
-          <a:stretch>
-            <a:fillRect/>
-          </a:stretch>
-        </p:blipFill>
-        <p:spPr>
-          <a:xfrm>
-            <a:off x="7697153" y="2452924"/>
-            <a:ext cx="3050564" cy="1298306"/>
-          </a:xfrm>
-          <a:prstGeom prst="rect">
-            <a:avLst/>
-          </a:prstGeom>
-        </p:spPr>
-      </p:pic>
-      <p:pic>
-        <p:nvPicPr>
-          <p:cNvPr id="19" name="Picture 18" descr="A picture containing electronics&#10;&#10;Description automatically generated">
-            <a:extLst>
-              <a:ext uri="{FF2B5EF4-FFF2-40B4-BE49-F238E27FC236}">
-                <a16:creationId xmlns:a16="http://schemas.microsoft.com/office/drawing/2014/main" id="{B5566EF7-50BA-430E-9BF6-ADCB6F958AD3}"/>
-              </a:ext>
-            </a:extLst>
-          </p:cNvPr>
-          <p:cNvPicPr>
-            <a:picLocks noChangeAspect="1"/>
-          </p:cNvPicPr>
-          <p:nvPr/>
-        </p:nvPicPr>
-        <p:blipFill>
-          <a:blip r:embed="rId4">
-            <a:extLst>
-              <a:ext uri="{28A0092B-C50C-407E-A947-70E740481C1C}">
-                <a14:useLocalDpi xmlns:a14="http://schemas.microsoft.com/office/drawing/2010/main" val="0"/>
-              </a:ext>
-            </a:extLst>
-          </a:blip>
-          <a:stretch>
-            <a:fillRect/>
-          </a:stretch>
-        </p:blipFill>
-        <p:spPr>
-          <a:xfrm>
-            <a:off x="7697153" y="3751230"/>
-            <a:ext cx="3050564" cy="1337485"/>
-          </a:xfrm>
-          <a:prstGeom prst="rect">
-            <a:avLst/>
-          </a:prstGeom>
-        </p:spPr>
-      </p:pic>
-      <p:pic>
-        <p:nvPicPr>
-          <p:cNvPr id="21" name="Picture 20" descr="A picture containing electronics, telephone&#10;&#10;Description automatically generated">
-            <a:extLst>
-              <a:ext uri="{FF2B5EF4-FFF2-40B4-BE49-F238E27FC236}">
-                <a16:creationId xmlns:a16="http://schemas.microsoft.com/office/drawing/2014/main" id="{DBC1FDFA-ECD4-4216-9385-4552277ECA0D}"/>
-              </a:ext>
-            </a:extLst>
-          </p:cNvPr>
-          <p:cNvPicPr>
-            <a:picLocks noChangeAspect="1"/>
-          </p:cNvPicPr>
-          <p:nvPr/>
-        </p:nvPicPr>
-        <p:blipFill>
-          <a:blip r:embed="rId5">
-            <a:extLst>
-              <a:ext uri="{28A0092B-C50C-407E-A947-70E740481C1C}">
-                <a14:useLocalDpi xmlns:a14="http://schemas.microsoft.com/office/drawing/2010/main" val="0"/>
-              </a:ext>
-            </a:extLst>
-          </a:blip>
-          <a:stretch>
-            <a:fillRect/>
-          </a:stretch>
-        </p:blipFill>
-        <p:spPr>
-          <a:xfrm>
-            <a:off x="7697154" y="5088716"/>
-            <a:ext cx="3050564" cy="1328324"/>
-          </a:xfrm>
-          <a:prstGeom prst="rect">
-            <a:avLst/>
-          </a:prstGeom>
-        </p:spPr>
-      </p:pic>
-    </p:spTree>
-    <p:extLst>
-      <p:ext uri="{BB962C8B-B14F-4D97-AF65-F5344CB8AC3E}">
-        <p14:creationId xmlns:p14="http://schemas.microsoft.com/office/powerpoint/2010/main" val="2327191018"/>
-      </p:ext>
-    </p:extLst>
-  </p:cSld>
-  <p:clrMapOvr>
-    <a:masterClrMapping/>
-  </p:clrMapOvr>
-</p:sld>
-</file>
-
-<file path=ppt/slides/slide26.xml><?xml version="1.0" encoding="utf-8"?>
-<p:sld xmlns:a="http://schemas.openxmlformats.org/drawingml/2006/main" xmlns:r="http://schemas.openxmlformats.org/officeDocument/2006/relationships" xmlns:p="http://schemas.openxmlformats.org/presentationml/2006/main">
-  <p:cSld>
-    <p:spTree>
-      <p:nvGrpSpPr>
-        <p:cNvPr id="1" name=""/>
-        <p:cNvGrpSpPr/>
-        <p:nvPr/>
-      </p:nvGrpSpPr>
-      <p:grpSpPr>
-        <a:xfrm>
-          <a:off x="0" y="0"/>
-          <a:ext cx="0" cy="0"/>
-          <a:chOff x="0" y="0"/>
-          <a:chExt cx="0" cy="0"/>
-        </a:xfrm>
-      </p:grpSpPr>
-      <p:sp>
-        <p:nvSpPr>
-          <p:cNvPr id="2" name="Title 1">
-            <a:extLst>
-              <a:ext uri="{FF2B5EF4-FFF2-40B4-BE49-F238E27FC236}">
                 <a16:creationId xmlns:a16="http://schemas.microsoft.com/office/drawing/2014/main" id="{C52D1C09-BF60-4050-9CA4-100F87D5F036}"/>
               </a:ext>
             </a:extLst>
@@ -8314,7 +8110,7 @@
 </p:sld>
 </file>
 
-<file path=ppt/slides/slide27.xml><?xml version="1.0" encoding="utf-8"?>
+<file path=ppt/slides/slide26.xml><?xml version="1.0" encoding="utf-8"?>
 <p:sld xmlns:a="http://schemas.openxmlformats.org/drawingml/2006/main" xmlns:r="http://schemas.openxmlformats.org/officeDocument/2006/relationships" xmlns:p="http://schemas.openxmlformats.org/presentationml/2006/main">
   <p:cSld>
     <p:spTree>
@@ -8531,7 +8327,7 @@
             </a:pPr>
             <a:r>
               <a:rPr lang="en-US" dirty="0"/>
-              <a:t>1 .5 million shelter animals is euthanized every year</a:t>
+              <a:t>-6.5 million animals enter a shelter every year and 1 .5 million shelter animals is euthanized every year</a:t>
             </a:r>
           </a:p>
           <a:p>
@@ -8540,7 +8336,7 @@
             </a:pPr>
             <a:r>
               <a:rPr lang="en-US" dirty="0"/>
-              <a:t>1 in 5 animals don’t leave the shelter</a:t>
+              <a:t>-1 in 5 animals don’t leave the shelter</a:t>
             </a:r>
           </a:p>
           <a:p>
@@ -8563,7 +8359,7 @@
             </a:r>
             <a:r>
               <a:rPr lang="en-US" dirty="0"/>
-              <a:t> rates and isolate factors that attribute to improved adoption rates whereby we can transfer animals from one shelter to another in a more automated and systematic way.</a:t>
+              <a:t> rates and identify leading factors that attribute to improved adoption rates and build a machine learning model to determine at risk animals</a:t>
             </a:r>
           </a:p>
         </p:txBody>
@@ -8571,7 +8367,7 @@
     </p:spTree>
     <p:extLst>
       <p:ext uri="{BB962C8B-B14F-4D97-AF65-F5344CB8AC3E}">
-        <p14:creationId xmlns:p14="http://schemas.microsoft.com/office/powerpoint/2010/main" val="3870679477"/>
+        <p14:creationId xmlns:p14="http://schemas.microsoft.com/office/powerpoint/2010/main" val="3320010199"/>
       </p:ext>
     </p:extLst>
   </p:cSld>
@@ -8603,7 +8399,7 @@
           <p:cNvPr id="2" name="Title 1">
             <a:extLst>
               <a:ext uri="{FF2B5EF4-FFF2-40B4-BE49-F238E27FC236}">
-                <a16:creationId xmlns:a16="http://schemas.microsoft.com/office/drawing/2014/main" id="{5AB05344-9F63-40C0-9150-9D6B1631CFCC}"/>
+                <a16:creationId xmlns:a16="http://schemas.microsoft.com/office/drawing/2014/main" id="{F74E4252-6A11-4469-BB17-95E38FB62FD3}"/>
               </a:ext>
             </a:extLst>
           </p:cNvPr>
@@ -8621,70 +8417,224 @@
           <a:p>
             <a:r>
               <a:rPr lang="en-US" dirty="0"/>
-              <a:t>Problem Statement</a:t>
-            </a:r>
-          </a:p>
-        </p:txBody>
-      </p:sp>
-      <p:sp>
-        <p:nvSpPr>
-          <p:cNvPr id="3" name="Content Placeholder 2">
-            <a:extLst>
-              <a:ext uri="{FF2B5EF4-FFF2-40B4-BE49-F238E27FC236}">
-                <a16:creationId xmlns:a16="http://schemas.microsoft.com/office/drawing/2014/main" id="{D55BBC28-92C6-4193-9864-5E5859A07575}"/>
-              </a:ext>
-            </a:extLst>
-          </p:cNvPr>
-          <p:cNvSpPr>
-            <a:spLocks noGrp="1"/>
-          </p:cNvSpPr>
-          <p:nvPr>
-            <p:ph idx="1"/>
-          </p:nvPr>
-        </p:nvSpPr>
-        <p:spPr/>
-        <p:txBody>
-          <a:bodyPr/>
-          <a:lstStyle/>
-          <a:p>
-            <a:pPr marL="0" indent="0">
-              <a:buNone/>
-            </a:pPr>
-            <a:r>
-              <a:rPr lang="en-US" dirty="0"/>
-              <a:t>-6.5 million animals enter a shelter every year and 1 .5 million shelter animals is euthanized every year</a:t>
-            </a:r>
-          </a:p>
-          <a:p>
-            <a:pPr marL="0" indent="0">
-              <a:buNone/>
-            </a:pPr>
-            <a:r>
-              <a:rPr lang="en-US" dirty="0"/>
-              <a:t>-1 in 5 animals don’t leave the shelter</a:t>
-            </a:r>
-          </a:p>
-          <a:p>
-            <a:pPr marL="0" indent="0">
-              <a:buNone/>
-            </a:pPr>
+              <a:t>Datasets</a:t>
+            </a:r>
+          </a:p>
+        </p:txBody>
+      </p:sp>
+      <p:sp>
+        <p:nvSpPr>
+          <p:cNvPr id="4" name="TextBox 3">
+            <a:extLst>
+              <a:ext uri="{FF2B5EF4-FFF2-40B4-BE49-F238E27FC236}">
+                <a16:creationId xmlns:a16="http://schemas.microsoft.com/office/drawing/2014/main" id="{1D55C150-B5F9-4226-A69C-A32044A58773}"/>
+              </a:ext>
+            </a:extLst>
+          </p:cNvPr>
+          <p:cNvSpPr txBox="1"/>
+          <p:nvPr/>
+        </p:nvSpPr>
+        <p:spPr>
+          <a:xfrm>
+            <a:off x="838200" y="5498624"/>
+            <a:ext cx="10136749" cy="1477328"/>
+          </a:xfrm>
+          <a:prstGeom prst="rect">
+            <a:avLst/>
+          </a:prstGeom>
+          <a:noFill/>
+        </p:spPr>
+        <p:txBody>
+          <a:bodyPr wrap="none" rtlCol="0">
+            <a:spAutoFit/>
+          </a:bodyPr>
+          <a:lstStyle/>
+          <a:p>
+            <a:r>
+              <a:rPr lang="en-US" u="sng" dirty="0">
+                <a:hlinkClick r:id="rId2"/>
+              </a:rPr>
+              <a:t>https://data.austintexas.gov/Health-and-Community-Services/Austin-Animal-Center-Outcomes/9t4d-g238</a:t>
+            </a:r>
             <a:endParaRPr lang="en-US" dirty="0"/>
           </a:p>
           <a:p>
-            <a:pPr marL="0" indent="0">
-              <a:buNone/>
-            </a:pPr>
-            <a:r>
-              <a:rPr lang="en-US" dirty="0"/>
-              <a:t>The goal of this project is to understand dependencies between adoption and </a:t>
-            </a:r>
-            <a:r>
-              <a:rPr lang="en-US" dirty="0" err="1"/>
-              <a:t>euthanization</a:t>
-            </a:r>
-            <a:r>
-              <a:rPr lang="en-US" dirty="0"/>
-              <a:t> rates and isolate factors that attribute to improved adoption rates whereby we can transfer animals from one shelter to another in a more automated and systematic way.</a:t>
+            <a:r>
+              <a:rPr lang="en-US" u="sng" dirty="0">
+                <a:hlinkClick r:id="rId3"/>
+              </a:rPr>
+              <a:t>https://www.dallasopendata.com/City-Services/Dallas-Animal-Shelter-Data/7h2m-3um5</a:t>
+            </a:r>
+            <a:endParaRPr lang="en-US" dirty="0"/>
+          </a:p>
+          <a:p>
+            <a:r>
+              <a:rPr lang="en-US" u="sng" dirty="0">
+                <a:hlinkClick r:id="rId4"/>
+              </a:rPr>
+              <a:t>https://data.louisvilleky.gov/dataset/animal-service-intake-and-outcome</a:t>
+            </a:r>
+            <a:endParaRPr lang="en-US" dirty="0"/>
+          </a:p>
+          <a:p>
+            <a:r>
+              <a:rPr lang="en-US" u="sng" dirty="0">
+                <a:hlinkClick r:id="rId5"/>
+              </a:rPr>
+              <a:t>https://data.sonomacounty.ca.gov/Government/Animal-Shelter-Intake-and-Outcome/924a-vesw</a:t>
+            </a:r>
+            <a:endParaRPr lang="en-US" dirty="0"/>
+          </a:p>
+          <a:p>
+            <a:endParaRPr lang="en-US" dirty="0"/>
+          </a:p>
+        </p:txBody>
+      </p:sp>
+      <p:pic>
+        <p:nvPicPr>
+          <p:cNvPr id="6" name="Picture 5" descr="A close up of a piece of paper&#10;&#10;Description automatically generated">
+            <a:extLst>
+              <a:ext uri="{FF2B5EF4-FFF2-40B4-BE49-F238E27FC236}">
+                <a16:creationId xmlns:a16="http://schemas.microsoft.com/office/drawing/2014/main" id="{9984E476-2A53-4C11-A1EE-1A1A45A8041B}"/>
+              </a:ext>
+            </a:extLst>
+          </p:cNvPr>
+          <p:cNvPicPr>
+            <a:picLocks noChangeAspect="1"/>
+          </p:cNvPicPr>
+          <p:nvPr/>
+        </p:nvPicPr>
+        <p:blipFill>
+          <a:blip r:embed="rId6">
+            <a:extLst>
+              <a:ext uri="{28A0092B-C50C-407E-A947-70E740481C1C}">
+                <a14:useLocalDpi xmlns:a14="http://schemas.microsoft.com/office/drawing/2010/main" val="0"/>
+              </a:ext>
+            </a:extLst>
+          </a:blip>
+          <a:stretch>
+            <a:fillRect/>
+          </a:stretch>
+        </p:blipFill>
+        <p:spPr>
+          <a:xfrm>
+            <a:off x="4965979" y="3410189"/>
+            <a:ext cx="5955430" cy="1860074"/>
+          </a:xfrm>
+          <a:prstGeom prst="rect">
+            <a:avLst/>
+          </a:prstGeom>
+        </p:spPr>
+      </p:pic>
+      <p:pic>
+        <p:nvPicPr>
+          <p:cNvPr id="8" name="Picture 7" descr="A picture containing text, receipt&#10;&#10;Description automatically generated">
+            <a:extLst>
+              <a:ext uri="{FF2B5EF4-FFF2-40B4-BE49-F238E27FC236}">
+                <a16:creationId xmlns:a16="http://schemas.microsoft.com/office/drawing/2014/main" id="{B6516C03-03DD-4443-ADD7-5EDECCC38E0C}"/>
+              </a:ext>
+            </a:extLst>
+          </p:cNvPr>
+          <p:cNvPicPr>
+            <a:picLocks noChangeAspect="1"/>
+          </p:cNvPicPr>
+          <p:nvPr/>
+        </p:nvPicPr>
+        <p:blipFill>
+          <a:blip r:embed="rId7">
+            <a:extLst>
+              <a:ext uri="{28A0092B-C50C-407E-A947-70E740481C1C}">
+                <a14:useLocalDpi xmlns:a14="http://schemas.microsoft.com/office/drawing/2010/main" val="0"/>
+              </a:ext>
+            </a:extLst>
+          </a:blip>
+          <a:stretch>
+            <a:fillRect/>
+          </a:stretch>
+        </p:blipFill>
+        <p:spPr>
+          <a:xfrm>
+            <a:off x="4965979" y="1301826"/>
+            <a:ext cx="2996609" cy="2108363"/>
+          </a:xfrm>
+          <a:prstGeom prst="rect">
+            <a:avLst/>
+          </a:prstGeom>
+        </p:spPr>
+      </p:pic>
+      <p:pic>
+        <p:nvPicPr>
+          <p:cNvPr id="12" name="Picture 11" descr="A close up of text on a white background&#10;&#10;Description automatically generated">
+            <a:extLst>
+              <a:ext uri="{FF2B5EF4-FFF2-40B4-BE49-F238E27FC236}">
+                <a16:creationId xmlns:a16="http://schemas.microsoft.com/office/drawing/2014/main" id="{2777C438-8F04-4A40-93DC-F9A2B581BF44}"/>
+              </a:ext>
+            </a:extLst>
+          </p:cNvPr>
+          <p:cNvPicPr>
+            <a:picLocks noChangeAspect="1"/>
+          </p:cNvPicPr>
+          <p:nvPr/>
+        </p:nvPicPr>
+        <p:blipFill>
+          <a:blip r:embed="rId8">
+            <a:extLst>
+              <a:ext uri="{28A0092B-C50C-407E-A947-70E740481C1C}">
+                <a14:useLocalDpi xmlns:a14="http://schemas.microsoft.com/office/drawing/2010/main" val="0"/>
+              </a:ext>
+            </a:extLst>
+          </a:blip>
+          <a:stretch>
+            <a:fillRect/>
+          </a:stretch>
+        </p:blipFill>
+        <p:spPr>
+          <a:xfrm>
+            <a:off x="1014101" y="1281307"/>
+            <a:ext cx="3424237" cy="4217317"/>
+          </a:xfrm>
+          <a:prstGeom prst="rect">
+            <a:avLst/>
+          </a:prstGeom>
+        </p:spPr>
+      </p:pic>
+      <p:sp>
+        <p:nvSpPr>
+          <p:cNvPr id="13" name="TextBox 12">
+            <a:extLst>
+              <a:ext uri="{FF2B5EF4-FFF2-40B4-BE49-F238E27FC236}">
+                <a16:creationId xmlns:a16="http://schemas.microsoft.com/office/drawing/2014/main" id="{559BD522-EDE5-4D57-86F1-DE1DDF49EF8D}"/>
+              </a:ext>
+            </a:extLst>
+          </p:cNvPr>
+          <p:cNvSpPr txBox="1"/>
+          <p:nvPr/>
+        </p:nvSpPr>
+        <p:spPr>
+          <a:xfrm>
+            <a:off x="8487823" y="1904107"/>
+            <a:ext cx="2865977" cy="646331"/>
+          </a:xfrm>
+          <a:prstGeom prst="rect">
+            <a:avLst/>
+          </a:prstGeom>
+          <a:noFill/>
+        </p:spPr>
+        <p:txBody>
+          <a:bodyPr wrap="none" rtlCol="0">
+            <a:spAutoFit/>
+          </a:bodyPr>
+          <a:lstStyle/>
+          <a:p>
+            <a:r>
+              <a:rPr lang="en-US" dirty="0"/>
+              <a:t>Working with common and </a:t>
+            </a:r>
+          </a:p>
+          <a:p>
+            <a:r>
+              <a:rPr lang="en-US" dirty="0"/>
+              <a:t>uncommon features </a:t>
             </a:r>
           </a:p>
         </p:txBody>
@@ -8692,7 +8642,7 @@
     </p:spTree>
     <p:extLst>
       <p:ext uri="{BB962C8B-B14F-4D97-AF65-F5344CB8AC3E}">
-        <p14:creationId xmlns:p14="http://schemas.microsoft.com/office/powerpoint/2010/main" val="3320010199"/>
+        <p14:creationId xmlns:p14="http://schemas.microsoft.com/office/powerpoint/2010/main" val="4044323760"/>
       </p:ext>
     </p:extLst>
   </p:cSld>
@@ -8724,7 +8674,7 @@
           <p:cNvPr id="2" name="Title 1">
             <a:extLst>
               <a:ext uri="{FF2B5EF4-FFF2-40B4-BE49-F238E27FC236}">
-                <a16:creationId xmlns:a16="http://schemas.microsoft.com/office/drawing/2014/main" id="{F74E4252-6A11-4469-BB17-95E38FB62FD3}"/>
+                <a16:creationId xmlns:a16="http://schemas.microsoft.com/office/drawing/2014/main" id="{643AD86F-D6AF-43E3-B0C1-D5C61481FD83}"/>
               </a:ext>
             </a:extLst>
           </p:cNvPr>
@@ -8742,232 +8692,125 @@
           <a:p>
             <a:r>
               <a:rPr lang="en-US" dirty="0"/>
-              <a:t>Datasets</a:t>
-            </a:r>
-          </a:p>
-        </p:txBody>
-      </p:sp>
-      <p:sp>
-        <p:nvSpPr>
-          <p:cNvPr id="4" name="TextBox 3">
-            <a:extLst>
-              <a:ext uri="{FF2B5EF4-FFF2-40B4-BE49-F238E27FC236}">
-                <a16:creationId xmlns:a16="http://schemas.microsoft.com/office/drawing/2014/main" id="{1D55C150-B5F9-4226-A69C-A32044A58773}"/>
-              </a:ext>
-            </a:extLst>
-          </p:cNvPr>
-          <p:cNvSpPr txBox="1"/>
-          <p:nvPr/>
-        </p:nvSpPr>
-        <p:spPr>
-          <a:xfrm>
-            <a:off x="838200" y="5498624"/>
-            <a:ext cx="10136749" cy="1477328"/>
-          </a:xfrm>
-          <a:prstGeom prst="rect">
-            <a:avLst/>
-          </a:prstGeom>
-          <a:noFill/>
-        </p:spPr>
-        <p:txBody>
-          <a:bodyPr wrap="none" rtlCol="0">
-            <a:spAutoFit/>
+              <a:t>Data Wrangling</a:t>
+            </a:r>
+          </a:p>
+        </p:txBody>
+      </p:sp>
+      <p:sp>
+        <p:nvSpPr>
+          <p:cNvPr id="3" name="Content Placeholder 2">
+            <a:extLst>
+              <a:ext uri="{FF2B5EF4-FFF2-40B4-BE49-F238E27FC236}">
+                <a16:creationId xmlns:a16="http://schemas.microsoft.com/office/drawing/2014/main" id="{9D7F67B4-292D-434B-AEE3-A5ADC545FBE2}"/>
+              </a:ext>
+            </a:extLst>
+          </p:cNvPr>
+          <p:cNvSpPr>
+            <a:spLocks noGrp="1"/>
+          </p:cNvSpPr>
+          <p:nvPr>
+            <p:ph idx="1"/>
+          </p:nvPr>
+        </p:nvSpPr>
+        <p:spPr/>
+        <p:txBody>
+          <a:bodyPr>
+            <a:normAutofit fontScale="92500" lnSpcReduction="20000"/>
           </a:bodyPr>
           <a:lstStyle/>
           <a:p>
-            <a:r>
-              <a:rPr lang="en-US" u="sng" dirty="0">
-                <a:hlinkClick r:id="rId2"/>
-              </a:rPr>
-              <a:t>https://data.austintexas.gov/Health-and-Community-Services/Austin-Animal-Center-Outcomes/9t4d-g238</a:t>
-            </a:r>
+            <a:pPr marL="0" indent="0">
+              <a:buNone/>
+            </a:pPr>
+            <a:r>
+              <a:rPr lang="en-US" dirty="0"/>
+              <a:t>- Rename uncommon description </a:t>
+            </a:r>
+          </a:p>
+          <a:p>
+            <a:pPr marL="0" indent="0">
+              <a:buNone/>
+            </a:pPr>
+            <a:r>
+              <a:rPr lang="en-US" dirty="0"/>
+              <a:t>- Drop unneeded columns</a:t>
+            </a:r>
+          </a:p>
+          <a:p>
+            <a:pPr marL="0" indent="0">
+              <a:buNone/>
+            </a:pPr>
+            <a:r>
+              <a:rPr lang="en-US" dirty="0"/>
+              <a:t>- Create month and year column from datetime column</a:t>
+            </a:r>
+          </a:p>
+          <a:p>
+            <a:pPr>
+              <a:buFontTx/>
+              <a:buChar char="-"/>
+            </a:pPr>
+            <a:r>
+              <a:rPr lang="en-US" dirty="0"/>
+              <a:t>Create new columns from existing column (like neutered male to Neutered column and Sex column)</a:t>
+            </a:r>
+          </a:p>
+          <a:p>
+            <a:pPr>
+              <a:buFontTx/>
+              <a:buChar char="-"/>
+            </a:pPr>
+            <a:r>
+              <a:rPr lang="en-US" dirty="0"/>
+              <a:t>Merge dataset</a:t>
+            </a:r>
+          </a:p>
+          <a:p>
+            <a:pPr>
+              <a:buFontTx/>
+              <a:buChar char="-"/>
+            </a:pPr>
+            <a:r>
+              <a:rPr lang="en-US" dirty="0"/>
+              <a:t>Mislabel data set to average (dogs &gt; 20yo to average)</a:t>
+            </a:r>
+          </a:p>
+          <a:p>
+            <a:pPr>
+              <a:buFontTx/>
+              <a:buChar char="-"/>
+            </a:pPr>
             <a:endParaRPr lang="en-US" dirty="0"/>
           </a:p>
           <a:p>
-            <a:r>
-              <a:rPr lang="en-US" u="sng" dirty="0">
-                <a:hlinkClick r:id="rId3"/>
-              </a:rPr>
-              <a:t>https://www.dallasopendata.com/City-Services/Dallas-Animal-Shelter-Data/7h2m-3um5</a:t>
-            </a:r>
+            <a:pPr>
+              <a:buFontTx/>
+              <a:buChar char="-"/>
+            </a:pPr>
             <a:endParaRPr lang="en-US" dirty="0"/>
           </a:p>
           <a:p>
-            <a:r>
-              <a:rPr lang="en-US" u="sng" dirty="0">
-                <a:hlinkClick r:id="rId4"/>
-              </a:rPr>
-              <a:t>https://data.louisvilleky.gov/dataset/animal-service-intake-and-outcome</a:t>
+            <a:pPr>
+              <a:buFontTx/>
+              <a:buChar char="-"/>
+            </a:pPr>
+            <a:r>
+              <a:rPr lang="en-US" dirty="0"/>
+              <a:t>Uncommon features remain in dataset to analysis impact of important features on adoption and </a:t>
+            </a:r>
+            <a:r>
+              <a:rPr lang="en-US" dirty="0" err="1"/>
+              <a:t>euthanization</a:t>
             </a:r>
             <a:endParaRPr lang="en-US" dirty="0"/>
-          </a:p>
-          <a:p>
-            <a:r>
-              <a:rPr lang="en-US" u="sng" dirty="0">
-                <a:hlinkClick r:id="rId5"/>
-              </a:rPr>
-              <a:t>https://data.sonomacounty.ca.gov/Government/Animal-Shelter-Intake-and-Outcome/924a-vesw</a:t>
-            </a:r>
-            <a:endParaRPr lang="en-US" dirty="0"/>
-          </a:p>
-          <a:p>
-            <a:endParaRPr lang="en-US" dirty="0"/>
-          </a:p>
-        </p:txBody>
-      </p:sp>
-      <p:pic>
-        <p:nvPicPr>
-          <p:cNvPr id="6" name="Picture 5" descr="A close up of a piece of paper&#10;&#10;Description automatically generated">
-            <a:extLst>
-              <a:ext uri="{FF2B5EF4-FFF2-40B4-BE49-F238E27FC236}">
-                <a16:creationId xmlns:a16="http://schemas.microsoft.com/office/drawing/2014/main" id="{9984E476-2A53-4C11-A1EE-1A1A45A8041B}"/>
-              </a:ext>
-            </a:extLst>
-          </p:cNvPr>
-          <p:cNvPicPr>
-            <a:picLocks noChangeAspect="1"/>
-          </p:cNvPicPr>
-          <p:nvPr/>
-        </p:nvPicPr>
-        <p:blipFill>
-          <a:blip r:embed="rId6">
-            <a:extLst>
-              <a:ext uri="{28A0092B-C50C-407E-A947-70E740481C1C}">
-                <a14:useLocalDpi xmlns:a14="http://schemas.microsoft.com/office/drawing/2010/main" val="0"/>
-              </a:ext>
-            </a:extLst>
-          </a:blip>
-          <a:stretch>
-            <a:fillRect/>
-          </a:stretch>
-        </p:blipFill>
-        <p:spPr>
-          <a:xfrm>
-            <a:off x="4965979" y="3410189"/>
-            <a:ext cx="5955430" cy="1860074"/>
-          </a:xfrm>
-          <a:prstGeom prst="rect">
-            <a:avLst/>
-          </a:prstGeom>
-        </p:spPr>
-      </p:pic>
-      <p:pic>
-        <p:nvPicPr>
-          <p:cNvPr id="8" name="Picture 7" descr="A picture containing text, receipt&#10;&#10;Description automatically generated">
-            <a:extLst>
-              <a:ext uri="{FF2B5EF4-FFF2-40B4-BE49-F238E27FC236}">
-                <a16:creationId xmlns:a16="http://schemas.microsoft.com/office/drawing/2014/main" id="{B6516C03-03DD-4443-ADD7-5EDECCC38E0C}"/>
-              </a:ext>
-            </a:extLst>
-          </p:cNvPr>
-          <p:cNvPicPr>
-            <a:picLocks noChangeAspect="1"/>
-          </p:cNvPicPr>
-          <p:nvPr/>
-        </p:nvPicPr>
-        <p:blipFill>
-          <a:blip r:embed="rId7">
-            <a:extLst>
-              <a:ext uri="{28A0092B-C50C-407E-A947-70E740481C1C}">
-                <a14:useLocalDpi xmlns:a14="http://schemas.microsoft.com/office/drawing/2010/main" val="0"/>
-              </a:ext>
-            </a:extLst>
-          </a:blip>
-          <a:stretch>
-            <a:fillRect/>
-          </a:stretch>
-        </p:blipFill>
-        <p:spPr>
-          <a:xfrm>
-            <a:off x="4965979" y="1301826"/>
-            <a:ext cx="2996609" cy="2108363"/>
-          </a:xfrm>
-          <a:prstGeom prst="rect">
-            <a:avLst/>
-          </a:prstGeom>
-        </p:spPr>
-      </p:pic>
-      <p:pic>
-        <p:nvPicPr>
-          <p:cNvPr id="12" name="Picture 11" descr="A close up of text on a white background&#10;&#10;Description automatically generated">
-            <a:extLst>
-              <a:ext uri="{FF2B5EF4-FFF2-40B4-BE49-F238E27FC236}">
-                <a16:creationId xmlns:a16="http://schemas.microsoft.com/office/drawing/2014/main" id="{2777C438-8F04-4A40-93DC-F9A2B581BF44}"/>
-              </a:ext>
-            </a:extLst>
-          </p:cNvPr>
-          <p:cNvPicPr>
-            <a:picLocks noChangeAspect="1"/>
-          </p:cNvPicPr>
-          <p:nvPr/>
-        </p:nvPicPr>
-        <p:blipFill>
-          <a:blip r:embed="rId8">
-            <a:extLst>
-              <a:ext uri="{28A0092B-C50C-407E-A947-70E740481C1C}">
-                <a14:useLocalDpi xmlns:a14="http://schemas.microsoft.com/office/drawing/2010/main" val="0"/>
-              </a:ext>
-            </a:extLst>
-          </a:blip>
-          <a:stretch>
-            <a:fillRect/>
-          </a:stretch>
-        </p:blipFill>
-        <p:spPr>
-          <a:xfrm>
-            <a:off x="1014101" y="1281307"/>
-            <a:ext cx="3424237" cy="4217317"/>
-          </a:xfrm>
-          <a:prstGeom prst="rect">
-            <a:avLst/>
-          </a:prstGeom>
-        </p:spPr>
-      </p:pic>
-      <p:sp>
-        <p:nvSpPr>
-          <p:cNvPr id="13" name="TextBox 12">
-            <a:extLst>
-              <a:ext uri="{FF2B5EF4-FFF2-40B4-BE49-F238E27FC236}">
-                <a16:creationId xmlns:a16="http://schemas.microsoft.com/office/drawing/2014/main" id="{559BD522-EDE5-4D57-86F1-DE1DDF49EF8D}"/>
-              </a:ext>
-            </a:extLst>
-          </p:cNvPr>
-          <p:cNvSpPr txBox="1"/>
-          <p:nvPr/>
-        </p:nvSpPr>
-        <p:spPr>
-          <a:xfrm>
-            <a:off x="8487823" y="1904107"/>
-            <a:ext cx="2865977" cy="646331"/>
-          </a:xfrm>
-          <a:prstGeom prst="rect">
-            <a:avLst/>
-          </a:prstGeom>
-          <a:noFill/>
-        </p:spPr>
-        <p:txBody>
-          <a:bodyPr wrap="none" rtlCol="0">
-            <a:spAutoFit/>
-          </a:bodyPr>
-          <a:lstStyle/>
-          <a:p>
-            <a:r>
-              <a:rPr lang="en-US" dirty="0"/>
-              <a:t>Working with common and </a:t>
-            </a:r>
-          </a:p>
-          <a:p>
-            <a:r>
-              <a:rPr lang="en-US" dirty="0"/>
-              <a:t>uncommon features </a:t>
-            </a:r>
           </a:p>
         </p:txBody>
       </p:sp>
     </p:spTree>
     <p:extLst>
       <p:ext uri="{BB962C8B-B14F-4D97-AF65-F5344CB8AC3E}">
-        <p14:creationId xmlns:p14="http://schemas.microsoft.com/office/powerpoint/2010/main" val="4044323760"/>
+        <p14:creationId xmlns:p14="http://schemas.microsoft.com/office/powerpoint/2010/main" val="1679789322"/>
       </p:ext>
     </p:extLst>
   </p:cSld>
@@ -8999,7 +8842,7 @@
           <p:cNvPr id="2" name="Title 1">
             <a:extLst>
               <a:ext uri="{FF2B5EF4-FFF2-40B4-BE49-F238E27FC236}">
-                <a16:creationId xmlns:a16="http://schemas.microsoft.com/office/drawing/2014/main" id="{643AD86F-D6AF-43E3-B0C1-D5C61481FD83}"/>
+                <a16:creationId xmlns:a16="http://schemas.microsoft.com/office/drawing/2014/main" id="{B049796D-6335-43E7-83DF-4DBEBCB74157}"/>
               </a:ext>
             </a:extLst>
           </p:cNvPr>
@@ -9017,125 +8860,180 @@
           <a:p>
             <a:r>
               <a:rPr lang="en-US" dirty="0"/>
-              <a:t>Data Wrangling</a:t>
-            </a:r>
-          </a:p>
-        </p:txBody>
-      </p:sp>
-      <p:sp>
-        <p:nvSpPr>
-          <p:cNvPr id="3" name="Content Placeholder 2">
-            <a:extLst>
-              <a:ext uri="{FF2B5EF4-FFF2-40B4-BE49-F238E27FC236}">
-                <a16:creationId xmlns:a16="http://schemas.microsoft.com/office/drawing/2014/main" id="{9D7F67B4-292D-434B-AEE3-A5ADC545FBE2}"/>
-              </a:ext>
-            </a:extLst>
-          </p:cNvPr>
-          <p:cNvSpPr>
-            <a:spLocks noGrp="1"/>
-          </p:cNvSpPr>
-          <p:nvPr>
-            <p:ph idx="1"/>
-          </p:nvPr>
-        </p:nvSpPr>
-        <p:spPr/>
-        <p:txBody>
-          <a:bodyPr>
-            <a:normAutofit fontScale="92500" lnSpcReduction="20000"/>
+              <a:t>Outcome Rates</a:t>
+            </a:r>
+          </a:p>
+        </p:txBody>
+      </p:sp>
+      <p:pic>
+        <p:nvPicPr>
+          <p:cNvPr id="7" name="Picture 6" descr="A close up of a logo&#10;&#10;Description automatically generated">
+            <a:extLst>
+              <a:ext uri="{FF2B5EF4-FFF2-40B4-BE49-F238E27FC236}">
+                <a16:creationId xmlns:a16="http://schemas.microsoft.com/office/drawing/2014/main" id="{76E8F360-BB75-475B-9A9D-5419C01C0EC3}"/>
+              </a:ext>
+            </a:extLst>
+          </p:cNvPr>
+          <p:cNvPicPr>
+            <a:picLocks noChangeAspect="1"/>
+          </p:cNvPicPr>
+          <p:nvPr/>
+        </p:nvPicPr>
+        <p:blipFill>
+          <a:blip r:embed="rId2">
+            <a:extLst>
+              <a:ext uri="{28A0092B-C50C-407E-A947-70E740481C1C}">
+                <a14:useLocalDpi xmlns:a14="http://schemas.microsoft.com/office/drawing/2010/main" val="0"/>
+              </a:ext>
+            </a:extLst>
+          </a:blip>
+          <a:stretch>
+            <a:fillRect/>
+          </a:stretch>
+        </p:blipFill>
+        <p:spPr>
+          <a:xfrm>
+            <a:off x="6209260" y="575278"/>
+            <a:ext cx="5399646" cy="5707444"/>
+          </a:xfrm>
+          <a:prstGeom prst="rect">
+            <a:avLst/>
+          </a:prstGeom>
+        </p:spPr>
+      </p:pic>
+      <p:pic>
+        <p:nvPicPr>
+          <p:cNvPr id="9" name="Picture 8" descr="A screenshot of a cell phone&#10;&#10;Description automatically generated">
+            <a:extLst>
+              <a:ext uri="{FF2B5EF4-FFF2-40B4-BE49-F238E27FC236}">
+                <a16:creationId xmlns:a16="http://schemas.microsoft.com/office/drawing/2014/main" id="{86E0EFE4-4350-491F-954E-4E84EEB5F6CF}"/>
+              </a:ext>
+            </a:extLst>
+          </p:cNvPr>
+          <p:cNvPicPr>
+            <a:picLocks noChangeAspect="1"/>
+          </p:cNvPicPr>
+          <p:nvPr/>
+        </p:nvPicPr>
+        <p:blipFill>
+          <a:blip r:embed="rId3">
+            <a:extLst>
+              <a:ext uri="{28A0092B-C50C-407E-A947-70E740481C1C}">
+                <a14:useLocalDpi xmlns:a14="http://schemas.microsoft.com/office/drawing/2010/main" val="0"/>
+              </a:ext>
+            </a:extLst>
+          </a:blip>
+          <a:stretch>
+            <a:fillRect/>
+          </a:stretch>
+        </p:blipFill>
+        <p:spPr>
+          <a:xfrm>
+            <a:off x="838200" y="1445348"/>
+            <a:ext cx="4899691" cy="2567093"/>
+          </a:xfrm>
+          <a:prstGeom prst="rect">
+            <a:avLst/>
+          </a:prstGeom>
+        </p:spPr>
+      </p:pic>
+      <p:sp>
+        <p:nvSpPr>
+          <p:cNvPr id="10" name="TextBox 9">
+            <a:extLst>
+              <a:ext uri="{FF2B5EF4-FFF2-40B4-BE49-F238E27FC236}">
+                <a16:creationId xmlns:a16="http://schemas.microsoft.com/office/drawing/2014/main" id="{1ECD1262-C2C9-4F96-A2AD-4F5C1FE8CFA2}"/>
+              </a:ext>
+            </a:extLst>
+          </p:cNvPr>
+          <p:cNvSpPr txBox="1"/>
+          <p:nvPr/>
+        </p:nvSpPr>
+        <p:spPr>
+          <a:xfrm>
+            <a:off x="838200" y="4158376"/>
+            <a:ext cx="5144542" cy="2339102"/>
+          </a:xfrm>
+          <a:prstGeom prst="rect">
+            <a:avLst/>
+          </a:prstGeom>
+          <a:noFill/>
+        </p:spPr>
+        <p:txBody>
+          <a:bodyPr wrap="square" rtlCol="0">
+            <a:spAutoFit/>
           </a:bodyPr>
           <a:lstStyle/>
           <a:p>
-            <a:pPr marL="0" indent="0">
-              <a:buNone/>
-            </a:pPr>
-            <a:r>
-              <a:rPr lang="en-US" dirty="0"/>
-              <a:t>- Rename uncommon description </a:t>
-            </a:r>
-          </a:p>
-          <a:p>
-            <a:pPr marL="0" indent="0">
-              <a:buNone/>
-            </a:pPr>
-            <a:r>
-              <a:rPr lang="en-US" dirty="0"/>
-              <a:t>- Drop unneeded columns</a:t>
-            </a:r>
-          </a:p>
-          <a:p>
-            <a:pPr marL="0" indent="0">
-              <a:buNone/>
-            </a:pPr>
-            <a:r>
-              <a:rPr lang="en-US" dirty="0"/>
-              <a:t>- Create month and year column from datetime column</a:t>
-            </a:r>
-          </a:p>
-          <a:p>
-            <a:pPr>
-              <a:buFontTx/>
-              <a:buChar char="-"/>
-            </a:pPr>
-            <a:r>
-              <a:rPr lang="en-US" dirty="0"/>
-              <a:t>Create new columns from existing column (like neutered male to Neutered column and Sex column)</a:t>
-            </a:r>
-          </a:p>
-          <a:p>
-            <a:pPr>
-              <a:buFontTx/>
-              <a:buChar char="-"/>
-            </a:pPr>
-            <a:r>
-              <a:rPr lang="en-US" dirty="0"/>
-              <a:t>Merge dataset</a:t>
-            </a:r>
-          </a:p>
-          <a:p>
-            <a:pPr>
-              <a:buFontTx/>
-              <a:buChar char="-"/>
-            </a:pPr>
-            <a:r>
-              <a:rPr lang="en-US" dirty="0"/>
-              <a:t>Mislabel data set to average (dogs &gt; 20yo to average)</a:t>
-            </a:r>
-          </a:p>
-          <a:p>
-            <a:pPr>
-              <a:buFontTx/>
-              <a:buChar char="-"/>
-            </a:pPr>
-            <a:endParaRPr lang="en-US" dirty="0"/>
-          </a:p>
-          <a:p>
-            <a:pPr>
-              <a:buFontTx/>
-              <a:buChar char="-"/>
-            </a:pPr>
-            <a:endParaRPr lang="en-US" dirty="0"/>
-          </a:p>
-          <a:p>
-            <a:pPr>
-              <a:buFontTx/>
-              <a:buChar char="-"/>
-            </a:pPr>
-            <a:r>
-              <a:rPr lang="en-US" dirty="0"/>
-              <a:t>Uncommon features remain in dataset to analysis impact of important features on adoption and </a:t>
-            </a:r>
-            <a:r>
-              <a:rPr lang="en-US" dirty="0" err="1"/>
+            <a:r>
+              <a:rPr lang="en-US" dirty="0"/>
+              <a:t> </a:t>
+            </a:r>
+            <a:r>
+              <a:rPr lang="en-US" sz="1600" dirty="0"/>
+              <a:t>- Overall dog </a:t>
+            </a:r>
+            <a:r>
+              <a:rPr lang="en-US" sz="1600" dirty="0" err="1"/>
               <a:t>euthanization</a:t>
             </a:r>
-            <a:endParaRPr lang="en-US" dirty="0"/>
+            <a:r>
+              <a:rPr lang="en-US" sz="1600" dirty="0"/>
+              <a:t> is 23%</a:t>
+            </a:r>
+          </a:p>
+          <a:p>
+            <a:r>
+              <a:rPr lang="en-US" sz="1600" dirty="0"/>
+              <a:t> - Adoption is only 31% where all others were either returned to owner or transferred away </a:t>
+            </a:r>
+          </a:p>
+          <a:p>
+            <a:endParaRPr lang="en-US" sz="1600" dirty="0"/>
+          </a:p>
+          <a:p>
+            <a:r>
+              <a:rPr lang="en-US" sz="1600" dirty="0"/>
+              <a:t>-Louisville has 40% </a:t>
+            </a:r>
+            <a:r>
+              <a:rPr lang="en-US" sz="1600" dirty="0" err="1"/>
+              <a:t>Euthanization</a:t>
+            </a:r>
+            <a:r>
+              <a:rPr lang="en-US" sz="1600" dirty="0"/>
+              <a:t> and Austin have 3%</a:t>
+            </a:r>
+          </a:p>
+          <a:p>
+            <a:r>
+              <a:rPr lang="en-US" sz="1600" dirty="0"/>
+              <a:t>-Austin leads as having the highest adoption rate of 46%</a:t>
+            </a:r>
+          </a:p>
+          <a:p>
+            <a:r>
+              <a:rPr lang="en-US" sz="1600" dirty="0"/>
+              <a:t>- Transfer across all region is about 20%</a:t>
+            </a:r>
+          </a:p>
+          <a:p>
+            <a:r>
+              <a:rPr lang="en-US" sz="1600" dirty="0"/>
+              <a:t>In this project, the scope would only be concentrated on adoption and </a:t>
+            </a:r>
+            <a:r>
+              <a:rPr lang="en-US" sz="1600" dirty="0" err="1"/>
+              <a:t>euthanization</a:t>
+            </a:r>
+            <a:endParaRPr lang="en-US" sz="1600" dirty="0"/>
           </a:p>
         </p:txBody>
       </p:sp>
     </p:spTree>
     <p:extLst>
       <p:ext uri="{BB962C8B-B14F-4D97-AF65-F5344CB8AC3E}">
-        <p14:creationId xmlns:p14="http://schemas.microsoft.com/office/powerpoint/2010/main" val="1679789322"/>
+        <p14:creationId xmlns:p14="http://schemas.microsoft.com/office/powerpoint/2010/main" val="2687340562"/>
       </p:ext>
     </p:extLst>
   </p:cSld>
@@ -9167,7 +9065,7 @@
           <p:cNvPr id="2" name="Title 1">
             <a:extLst>
               <a:ext uri="{FF2B5EF4-FFF2-40B4-BE49-F238E27FC236}">
-                <a16:creationId xmlns:a16="http://schemas.microsoft.com/office/drawing/2014/main" id="{B049796D-6335-43E7-83DF-4DBEBCB74157}"/>
+                <a16:creationId xmlns:a16="http://schemas.microsoft.com/office/drawing/2014/main" id="{2833D648-3BC5-410C-A113-7AB7793BD302}"/>
               </a:ext>
             </a:extLst>
           </p:cNvPr>
@@ -9185,17 +9083,17 @@
           <a:p>
             <a:r>
               <a:rPr lang="en-US" dirty="0"/>
-              <a:t>Outcome Rates</a:t>
+              <a:t>Adoption by Breed</a:t>
             </a:r>
           </a:p>
         </p:txBody>
       </p:sp>
       <p:pic>
         <p:nvPicPr>
-          <p:cNvPr id="7" name="Picture 6" descr="A close up of a logo&#10;&#10;Description automatically generated">
-            <a:extLst>
-              <a:ext uri="{FF2B5EF4-FFF2-40B4-BE49-F238E27FC236}">
-                <a16:creationId xmlns:a16="http://schemas.microsoft.com/office/drawing/2014/main" id="{76E8F360-BB75-475B-9A9D-5419C01C0EC3}"/>
+          <p:cNvPr id="15" name="Picture 14" descr="A screenshot of a computer&#10;&#10;Description automatically generated">
+            <a:extLst>
+              <a:ext uri="{FF2B5EF4-FFF2-40B4-BE49-F238E27FC236}">
+                <a16:creationId xmlns:a16="http://schemas.microsoft.com/office/drawing/2014/main" id="{8C296E79-EC00-4D14-A046-D0F08C3D2C54}"/>
               </a:ext>
             </a:extLst>
           </p:cNvPr>
@@ -9218,56 +9116,20 @@
         </p:blipFill>
         <p:spPr>
           <a:xfrm>
-            <a:off x="6209260" y="575278"/>
-            <a:ext cx="5399646" cy="5707444"/>
+            <a:off x="5944378" y="365125"/>
+            <a:ext cx="5852627" cy="6127750"/>
           </a:xfrm>
           <a:prstGeom prst="rect">
             <a:avLst/>
           </a:prstGeom>
         </p:spPr>
       </p:pic>
-      <p:pic>
-        <p:nvPicPr>
-          <p:cNvPr id="9" name="Picture 8" descr="A screenshot of a cell phone&#10;&#10;Description automatically generated">
-            <a:extLst>
-              <a:ext uri="{FF2B5EF4-FFF2-40B4-BE49-F238E27FC236}">
-                <a16:creationId xmlns:a16="http://schemas.microsoft.com/office/drawing/2014/main" id="{86E0EFE4-4350-491F-954E-4E84EEB5F6CF}"/>
-              </a:ext>
-            </a:extLst>
-          </p:cNvPr>
-          <p:cNvPicPr>
-            <a:picLocks noChangeAspect="1"/>
-          </p:cNvPicPr>
-          <p:nvPr/>
-        </p:nvPicPr>
-        <p:blipFill>
-          <a:blip r:embed="rId3">
-            <a:extLst>
-              <a:ext uri="{28A0092B-C50C-407E-A947-70E740481C1C}">
-                <a14:useLocalDpi xmlns:a14="http://schemas.microsoft.com/office/drawing/2010/main" val="0"/>
-              </a:ext>
-            </a:extLst>
-          </a:blip>
-          <a:stretch>
-            <a:fillRect/>
-          </a:stretch>
-        </p:blipFill>
-        <p:spPr>
-          <a:xfrm>
-            <a:off x="838200" y="1445348"/>
-            <a:ext cx="4899691" cy="2567093"/>
-          </a:xfrm>
-          <a:prstGeom prst="rect">
-            <a:avLst/>
-          </a:prstGeom>
-        </p:spPr>
-      </p:pic>
-      <p:sp>
-        <p:nvSpPr>
-          <p:cNvPr id="10" name="TextBox 9">
-            <a:extLst>
-              <a:ext uri="{FF2B5EF4-FFF2-40B4-BE49-F238E27FC236}">
-                <a16:creationId xmlns:a16="http://schemas.microsoft.com/office/drawing/2014/main" id="{1ECD1262-C2C9-4F96-A2AD-4F5C1FE8CFA2}"/>
+      <p:sp>
+        <p:nvSpPr>
+          <p:cNvPr id="16" name="TextBox 15">
+            <a:extLst>
+              <a:ext uri="{FF2B5EF4-FFF2-40B4-BE49-F238E27FC236}">
+                <a16:creationId xmlns:a16="http://schemas.microsoft.com/office/drawing/2014/main" id="{8F9404E3-DEC7-4393-9A52-9920C69D7664}"/>
               </a:ext>
             </a:extLst>
           </p:cNvPr>
@@ -9276,8 +9138,8 @@
         </p:nvSpPr>
         <p:spPr>
           <a:xfrm>
-            <a:off x="838200" y="4158376"/>
-            <a:ext cx="5144542" cy="2339102"/>
+            <a:off x="838200" y="1690688"/>
+            <a:ext cx="4731224" cy="4247317"/>
           </a:xfrm>
           <a:prstGeom prst="rect">
             <a:avLst/>
@@ -9292,73 +9154,42 @@
           <a:p>
             <a:r>
               <a:rPr lang="en-US" dirty="0"/>
-              <a:t> </a:t>
-            </a:r>
-            <a:r>
-              <a:rPr lang="en-US" sz="1600" dirty="0"/>
-              <a:t>- Overall dog </a:t>
-            </a:r>
-            <a:r>
-              <a:rPr lang="en-US" sz="1600" dirty="0" err="1"/>
-              <a:t>euthanization</a:t>
-            </a:r>
-            <a:r>
-              <a:rPr lang="en-US" sz="1600" dirty="0"/>
-              <a:t> is 23%</a:t>
-            </a:r>
-          </a:p>
-          <a:p>
-            <a:r>
-              <a:rPr lang="en-US" sz="1600" dirty="0"/>
-              <a:t> - Adoption is only 31% where all others were either returned to owner or transferred away </a:t>
-            </a:r>
-          </a:p>
-          <a:p>
-            <a:endParaRPr lang="en-US" sz="1600" dirty="0"/>
-          </a:p>
-          <a:p>
-            <a:r>
-              <a:rPr lang="en-US" sz="1600" dirty="0"/>
-              <a:t>-Louisville has 40% </a:t>
-            </a:r>
-            <a:r>
-              <a:rPr lang="en-US" sz="1600" dirty="0" err="1"/>
-              <a:t>Euthanization</a:t>
-            </a:r>
-            <a:r>
-              <a:rPr lang="en-US" sz="1600" dirty="0"/>
-              <a:t> and Austin have 3%</a:t>
-            </a:r>
-          </a:p>
-          <a:p>
-            <a:r>
-              <a:rPr lang="en-US" sz="1600" dirty="0"/>
-              <a:t>-Austin leads as having the highest adoption rate of 46%</a:t>
-            </a:r>
-          </a:p>
-          <a:p>
-            <a:r>
-              <a:rPr lang="en-US" sz="1600" dirty="0"/>
-              <a:t>- Transfer across all region is about 20%</a:t>
-            </a:r>
-          </a:p>
-          <a:p>
-            <a:r>
-              <a:rPr lang="en-US" sz="1600" dirty="0"/>
-              <a:t>In this project, the scope would only be concentrated on adoption and </a:t>
-            </a:r>
-            <a:r>
-              <a:rPr lang="en-US" sz="1600" dirty="0" err="1"/>
-              <a:t>euthanization</a:t>
-            </a:r>
-            <a:endParaRPr lang="en-US" sz="1600" dirty="0"/>
+              <a:t>-Comparing to intake distribution, owners tend to adopt toy breed across all region whereas miscellaneous breed is the least favored breed to adopt</a:t>
+            </a:r>
+          </a:p>
+          <a:p>
+            <a:endParaRPr lang="en-US" dirty="0"/>
+          </a:p>
+          <a:p>
+            <a:r>
+              <a:rPr lang="en-US" dirty="0"/>
+              <a:t>-In Louisville, toy breed accounts for 20% of all adoption whereas miscellaneous breed only accounts for 10% even though intake frequency is 21%</a:t>
+            </a:r>
+          </a:p>
+          <a:p>
+            <a:endParaRPr lang="en-US" dirty="0"/>
+          </a:p>
+          <a:p>
+            <a:r>
+              <a:rPr lang="en-US" dirty="0"/>
+              <a:t>-Dallas and Austin has intake distribution similar to adoption distribution</a:t>
+            </a:r>
+          </a:p>
+          <a:p>
+            <a:endParaRPr lang="en-US" dirty="0"/>
+          </a:p>
+          <a:p>
+            <a:r>
+              <a:rPr lang="en-US" dirty="0"/>
+              <a:t>-Other breeds tends to fall along with the distribution</a:t>
+            </a:r>
           </a:p>
         </p:txBody>
       </p:sp>
     </p:spTree>
     <p:extLst>
       <p:ext uri="{BB962C8B-B14F-4D97-AF65-F5344CB8AC3E}">
-        <p14:creationId xmlns:p14="http://schemas.microsoft.com/office/powerpoint/2010/main" val="2687340562"/>
+        <p14:creationId xmlns:p14="http://schemas.microsoft.com/office/powerpoint/2010/main" val="3956580717"/>
       </p:ext>
     </p:extLst>
   </p:cSld>
@@ -9390,7 +9221,7 @@
           <p:cNvPr id="2" name="Title 1">
             <a:extLst>
               <a:ext uri="{FF2B5EF4-FFF2-40B4-BE49-F238E27FC236}">
-                <a16:creationId xmlns:a16="http://schemas.microsoft.com/office/drawing/2014/main" id="{2833D648-3BC5-410C-A113-7AB7793BD302}"/>
+                <a16:creationId xmlns:a16="http://schemas.microsoft.com/office/drawing/2014/main" id="{6140D029-73AD-4771-A99E-56B76915E32B}"/>
               </a:ext>
             </a:extLst>
           </p:cNvPr>
@@ -9407,25 +9238,38 @@
           <a:lstStyle/>
           <a:p>
             <a:r>
-              <a:rPr lang="en-US" dirty="0"/>
-              <a:t>Adoption by Breed</a:t>
+              <a:rPr lang="en-US" dirty="0" err="1"/>
+              <a:t>Euthanization</a:t>
+            </a:r>
+            <a:r>
+              <a:rPr lang="en-US" dirty="0"/>
+              <a:t> </a:t>
+            </a:r>
+            <a:br>
+              <a:rPr lang="en-US" dirty="0"/>
+            </a:br>
+            <a:r>
+              <a:rPr lang="en-US" dirty="0"/>
+              <a:t>by Breed</a:t>
             </a:r>
           </a:p>
         </p:txBody>
       </p:sp>
       <p:pic>
         <p:nvPicPr>
-          <p:cNvPr id="15" name="Picture 14" descr="A screenshot of a computer&#10;&#10;Description automatically generated">
-            <a:extLst>
-              <a:ext uri="{FF2B5EF4-FFF2-40B4-BE49-F238E27FC236}">
-                <a16:creationId xmlns:a16="http://schemas.microsoft.com/office/drawing/2014/main" id="{8C296E79-EC00-4D14-A046-D0F08C3D2C54}"/>
+          <p:cNvPr id="5" name="Content Placeholder 4" descr="A screenshot of a computer&#10;&#10;Description automatically generated">
+            <a:extLst>
+              <a:ext uri="{FF2B5EF4-FFF2-40B4-BE49-F238E27FC236}">
+                <a16:creationId xmlns:a16="http://schemas.microsoft.com/office/drawing/2014/main" id="{D41E901B-8490-4509-8EFC-F8C3CFF87E69}"/>
               </a:ext>
             </a:extLst>
           </p:cNvPr>
           <p:cNvPicPr>
-            <a:picLocks noChangeAspect="1"/>
+            <a:picLocks noGrp="1" noChangeAspect="1"/>
           </p:cNvPicPr>
-          <p:nvPr/>
+          <p:nvPr>
+            <p:ph idx="1"/>
+          </p:nvPr>
         </p:nvPicPr>
         <p:blipFill>
           <a:blip r:embed="rId2">
@@ -9441,20 +9285,17 @@
         </p:blipFill>
         <p:spPr>
           <a:xfrm>
-            <a:off x="5944378" y="365125"/>
-            <a:ext cx="5852627" cy="6127750"/>
-          </a:xfrm>
-          <a:prstGeom prst="rect">
-            <a:avLst/>
-          </a:prstGeom>
+            <a:off x="5791200" y="397179"/>
+            <a:ext cx="5945389" cy="6095696"/>
+          </a:xfrm>
         </p:spPr>
       </p:pic>
       <p:sp>
         <p:nvSpPr>
-          <p:cNvPr id="16" name="TextBox 15">
-            <a:extLst>
-              <a:ext uri="{FF2B5EF4-FFF2-40B4-BE49-F238E27FC236}">
-                <a16:creationId xmlns:a16="http://schemas.microsoft.com/office/drawing/2014/main" id="{8F9404E3-DEC7-4393-9A52-9920C69D7664}"/>
+          <p:cNvPr id="6" name="TextBox 5">
+            <a:extLst>
+              <a:ext uri="{FF2B5EF4-FFF2-40B4-BE49-F238E27FC236}">
+                <a16:creationId xmlns:a16="http://schemas.microsoft.com/office/drawing/2014/main" id="{62C1CE46-D9F8-4280-AE3E-BF69EFC8421F}"/>
               </a:ext>
             </a:extLst>
           </p:cNvPr>
@@ -9463,8 +9304,8 @@
         </p:nvSpPr>
         <p:spPr>
           <a:xfrm>
-            <a:off x="838200" y="1690688"/>
-            <a:ext cx="4731224" cy="4247317"/>
+            <a:off x="838200" y="1997839"/>
+            <a:ext cx="4953000" cy="2862322"/>
           </a:xfrm>
           <a:prstGeom prst="rect">
             <a:avLst/>
@@ -9479,7 +9320,7 @@
           <a:p>
             <a:r>
               <a:rPr lang="en-US" dirty="0"/>
-              <a:t>-Comparing to intake distribution, owners tend to adopt toy breed across all region whereas miscellaneous breed is the least favored breed to adopt</a:t>
+              <a:t>-Comparing to intake distribution, miscellaneous breed tends to be euthanized with some location accounting for more than 40%</a:t>
             </a:r>
           </a:p>
           <a:p>
@@ -9488,7 +9329,15 @@
           <a:p>
             <a:r>
               <a:rPr lang="en-US" dirty="0"/>
-              <a:t>-In Louisville, toy breed accounts for 20% of all adoption whereas miscellaneous breed only accounts for 10% even though intake frequency is 21%</a:t>
+              <a:t>Toy breed has the lowest </a:t>
+            </a:r>
+            <a:r>
+              <a:rPr lang="en-US" dirty="0" err="1"/>
+              <a:t>euthanization</a:t>
+            </a:r>
+            <a:r>
+              <a:rPr lang="en-US" dirty="0"/>
+              <a:t> /intake ratio</a:t>
             </a:r>
           </a:p>
           <a:p>
@@ -9497,16 +9346,15 @@
           <a:p>
             <a:r>
               <a:rPr lang="en-US" dirty="0"/>
-              <a:t>-Dallas and Austin has intake distribution similar to adoption distribution</a:t>
-            </a:r>
-          </a:p>
-          <a:p>
-            <a:endParaRPr lang="en-US" dirty="0"/>
-          </a:p>
-          <a:p>
-            <a:r>
-              <a:rPr lang="en-US" dirty="0"/>
-              <a:t>-Other breeds tends to fall along with the distribution</a:t>
+              <a:t>Sporting breed also have low </a:t>
+            </a:r>
+            <a:r>
+              <a:rPr lang="en-US" dirty="0" err="1"/>
+              <a:t>euthanization</a:t>
+            </a:r>
+            <a:r>
+              <a:rPr lang="en-US" dirty="0"/>
+              <a:t> rate for sporting breeds that tends to be higher in Dallas and Louisville</a:t>
             </a:r>
           </a:p>
         </p:txBody>
@@ -9514,7 +9362,7 @@
     </p:spTree>
     <p:extLst>
       <p:ext uri="{BB962C8B-B14F-4D97-AF65-F5344CB8AC3E}">
-        <p14:creationId xmlns:p14="http://schemas.microsoft.com/office/powerpoint/2010/main" val="3956580717"/>
+        <p14:creationId xmlns:p14="http://schemas.microsoft.com/office/powerpoint/2010/main" val="3241797409"/>
       </p:ext>
     </p:extLst>
   </p:cSld>
@@ -9546,7 +9394,7 @@
           <p:cNvPr id="2" name="Title 1">
             <a:extLst>
               <a:ext uri="{FF2B5EF4-FFF2-40B4-BE49-F238E27FC236}">
-                <a16:creationId xmlns:a16="http://schemas.microsoft.com/office/drawing/2014/main" id="{6140D029-73AD-4771-A99E-56B76915E32B}"/>
+                <a16:creationId xmlns:a16="http://schemas.microsoft.com/office/drawing/2014/main" id="{FF21516C-C13E-45D9-B723-F4F177A7F63D}"/>
               </a:ext>
             </a:extLst>
           </p:cNvPr>
@@ -9563,29 +9411,97 @@
           <a:lstStyle/>
           <a:p>
             <a:r>
+              <a:rPr lang="en-US" dirty="0"/>
+              <a:t>Gender</a:t>
+            </a:r>
+          </a:p>
+        </p:txBody>
+      </p:sp>
+      <p:sp>
+        <p:nvSpPr>
+          <p:cNvPr id="6" name="TextBox 5">
+            <a:extLst>
+              <a:ext uri="{FF2B5EF4-FFF2-40B4-BE49-F238E27FC236}">
+                <a16:creationId xmlns:a16="http://schemas.microsoft.com/office/drawing/2014/main" id="{D3ADCC77-41B7-4A24-B63A-B49DECE9B597}"/>
+              </a:ext>
+            </a:extLst>
+          </p:cNvPr>
+          <p:cNvSpPr txBox="1"/>
+          <p:nvPr/>
+        </p:nvSpPr>
+        <p:spPr>
+          <a:xfrm>
+            <a:off x="1050234" y="1472739"/>
+            <a:ext cx="4235355" cy="4801314"/>
+          </a:xfrm>
+          <a:prstGeom prst="rect">
+            <a:avLst/>
+          </a:prstGeom>
+          <a:noFill/>
+        </p:spPr>
+        <p:txBody>
+          <a:bodyPr wrap="square" rtlCol="0">
+            <a:spAutoFit/>
+          </a:bodyPr>
+          <a:lstStyle/>
+          <a:p>
+            <a:r>
+              <a:rPr lang="en-US" dirty="0"/>
+              <a:t>Assumption: Outcome = Intake</a:t>
+            </a:r>
+          </a:p>
+          <a:p>
+            <a:endParaRPr lang="en-US" dirty="0"/>
+          </a:p>
+          <a:p>
+            <a:r>
+              <a:rPr lang="en-US" dirty="0"/>
+              <a:t>- Intake of male dogs (53.8%) is higher than female dogs (45%)</a:t>
+            </a:r>
+          </a:p>
+          <a:p>
+            <a:endParaRPr lang="en-US" dirty="0"/>
+          </a:p>
+          <a:p>
+            <a:r>
+              <a:rPr lang="en-US" dirty="0"/>
+              <a:t>-Relative percentage of female adoption is higher in all location than male in all location</a:t>
+            </a:r>
+          </a:p>
+          <a:p>
+            <a:endParaRPr lang="en-US" dirty="0"/>
+          </a:p>
+          <a:p>
+            <a:r>
+              <a:rPr lang="en-US" dirty="0"/>
+              <a:t>-Unknown gender is more likely to be euthanized. Female has the lowest relative </a:t>
+            </a:r>
+            <a:r>
               <a:rPr lang="en-US" dirty="0" err="1"/>
-              <a:t>Euthanization</a:t>
-            </a:r>
-            <a:r>
-              <a:rPr lang="en-US" dirty="0"/>
-              <a:t> </a:t>
-            </a:r>
-            <a:br>
-              <a:rPr lang="en-US" dirty="0"/>
-            </a:br>
-            <a:r>
-              <a:rPr lang="en-US" dirty="0"/>
-              <a:t>by Breed</a:t>
+              <a:t>euthanization</a:t>
+            </a:r>
+            <a:r>
+              <a:rPr lang="en-US" dirty="0"/>
+              <a:t> rate</a:t>
+            </a:r>
+          </a:p>
+          <a:p>
+            <a:endParaRPr lang="en-US" dirty="0"/>
+          </a:p>
+          <a:p>
+            <a:r>
+              <a:rPr lang="en-US" dirty="0"/>
+              <a:t>Is intake of male dogs actually higher than intake of female dogs? Also is the adoption rate of female dog higher than that of male dog?</a:t>
             </a:r>
           </a:p>
         </p:txBody>
       </p:sp>
       <p:pic>
         <p:nvPicPr>
-          <p:cNvPr id="5" name="Content Placeholder 4" descr="A screenshot of a computer&#10;&#10;Description automatically generated">
-            <a:extLst>
-              <a:ext uri="{FF2B5EF4-FFF2-40B4-BE49-F238E27FC236}">
-                <a16:creationId xmlns:a16="http://schemas.microsoft.com/office/drawing/2014/main" id="{D41E901B-8490-4509-8EFC-F8C3CFF87E69}"/>
+          <p:cNvPr id="10" name="Content Placeholder 9" descr="A screenshot of a cell phone&#10;&#10;Description automatically generated">
+            <a:extLst>
+              <a:ext uri="{FF2B5EF4-FFF2-40B4-BE49-F238E27FC236}">
+                <a16:creationId xmlns:a16="http://schemas.microsoft.com/office/drawing/2014/main" id="{F2957712-801F-4942-AB68-582B777DA470}"/>
               </a:ext>
             </a:extLst>
           </p:cNvPr>
@@ -9610,84 +9526,51 @@
         </p:blipFill>
         <p:spPr>
           <a:xfrm>
-            <a:off x="5791200" y="397179"/>
-            <a:ext cx="5945389" cy="6095696"/>
+            <a:off x="6096000" y="3429001"/>
+            <a:ext cx="5368119" cy="2998890"/>
           </a:xfrm>
         </p:spPr>
       </p:pic>
-      <p:sp>
-        <p:nvSpPr>
-          <p:cNvPr id="6" name="TextBox 5">
-            <a:extLst>
-              <a:ext uri="{FF2B5EF4-FFF2-40B4-BE49-F238E27FC236}">
-                <a16:creationId xmlns:a16="http://schemas.microsoft.com/office/drawing/2014/main" id="{62C1CE46-D9F8-4280-AE3E-BF69EFC8421F}"/>
-              </a:ext>
-            </a:extLst>
-          </p:cNvPr>
-          <p:cNvSpPr txBox="1"/>
+      <p:pic>
+        <p:nvPicPr>
+          <p:cNvPr id="12" name="Picture 11" descr="A screenshot of a cell phone&#10;&#10;Description automatically generated">
+            <a:extLst>
+              <a:ext uri="{FF2B5EF4-FFF2-40B4-BE49-F238E27FC236}">
+                <a16:creationId xmlns:a16="http://schemas.microsoft.com/office/drawing/2014/main" id="{40F7BBF6-8363-4D99-B436-03B513C3A498}"/>
+              </a:ext>
+            </a:extLst>
+          </p:cNvPr>
+          <p:cNvPicPr>
+            <a:picLocks noChangeAspect="1"/>
+          </p:cNvPicPr>
           <p:nvPr/>
-        </p:nvSpPr>
-        <p:spPr>
-          <a:xfrm>
-            <a:off x="838200" y="1997839"/>
-            <a:ext cx="4953000" cy="2862322"/>
+        </p:nvPicPr>
+        <p:blipFill>
+          <a:blip r:embed="rId3">
+            <a:extLst>
+              <a:ext uri="{28A0092B-C50C-407E-A947-70E740481C1C}">
+                <a14:useLocalDpi xmlns:a14="http://schemas.microsoft.com/office/drawing/2010/main" val="0"/>
+              </a:ext>
+            </a:extLst>
+          </a:blip>
+          <a:stretch>
+            <a:fillRect/>
+          </a:stretch>
+        </p:blipFill>
+        <p:spPr>
+          <a:xfrm>
+            <a:off x="7422215" y="570758"/>
+            <a:ext cx="2909140" cy="2756410"/>
           </a:xfrm>
           <a:prstGeom prst="rect">
             <a:avLst/>
           </a:prstGeom>
-          <a:noFill/>
-        </p:spPr>
-        <p:txBody>
-          <a:bodyPr wrap="square" rtlCol="0">
-            <a:spAutoFit/>
-          </a:bodyPr>
-          <a:lstStyle/>
-          <a:p>
-            <a:r>
-              <a:rPr lang="en-US" dirty="0"/>
-              <a:t>-Comparing to intake distribution, miscellaneous breed tends to be euthanized with some location accounting for more than 40%</a:t>
-            </a:r>
-          </a:p>
-          <a:p>
-            <a:endParaRPr lang="en-US" dirty="0"/>
-          </a:p>
-          <a:p>
-            <a:r>
-              <a:rPr lang="en-US" dirty="0"/>
-              <a:t>Toy breed has the lowest </a:t>
-            </a:r>
-            <a:r>
-              <a:rPr lang="en-US" dirty="0" err="1"/>
-              <a:t>euthanization</a:t>
-            </a:r>
-            <a:r>
-              <a:rPr lang="en-US" dirty="0"/>
-              <a:t> /intake ratio</a:t>
-            </a:r>
-          </a:p>
-          <a:p>
-            <a:endParaRPr lang="en-US" dirty="0"/>
-          </a:p>
-          <a:p>
-            <a:r>
-              <a:rPr lang="en-US" dirty="0"/>
-              <a:t>Sporting breed also have low </a:t>
-            </a:r>
-            <a:r>
-              <a:rPr lang="en-US" dirty="0" err="1"/>
-              <a:t>euthanization</a:t>
-            </a:r>
-            <a:r>
-              <a:rPr lang="en-US" dirty="0"/>
-              <a:t> rate for sporting breeds that tends to be higher in Dallas and Louisville</a:t>
-            </a:r>
-          </a:p>
-        </p:txBody>
-      </p:sp>
+        </p:spPr>
+      </p:pic>
     </p:spTree>
     <p:extLst>
       <p:ext uri="{BB962C8B-B14F-4D97-AF65-F5344CB8AC3E}">
-        <p14:creationId xmlns:p14="http://schemas.microsoft.com/office/powerpoint/2010/main" val="3241797409"/>
+        <p14:creationId xmlns:p14="http://schemas.microsoft.com/office/powerpoint/2010/main" val="3613066745"/>
       </p:ext>
     </p:extLst>
   </p:cSld>
